--- a/클라이언트 개발자 포트폴리오.pptx
+++ b/클라이언트 개발자 포트폴리오.pptx
@@ -902,7 +902,7 @@
   <p:cSld>
     <p:spTree>
       <p:nvGrpSpPr>
-        <p:cNvPr id="67" name="Shape 67"/>
+        <p:cNvPr id="69" name="Shape 69"/>
         <p:cNvGrpSpPr/>
         <p:nvPr/>
       </p:nvGrpSpPr>
@@ -916,7 +916,7 @@
       </p:grpSpPr>
       <p:sp>
         <p:nvSpPr>
-          <p:cNvPr id="68" name="Google Shape;68;g26bb495966a_2_5:notes"/>
+          <p:cNvPr id="70" name="Google Shape;70;g26bb495966a_2_5:notes"/>
           <p:cNvSpPr/>
           <p:nvPr>
             <p:ph idx="2" type="sldImg"/>
@@ -951,7 +951,7 @@
       </p:sp>
       <p:sp>
         <p:nvSpPr>
-          <p:cNvPr id="69" name="Google Shape;69;g26bb495966a_2_5:notes"/>
+          <p:cNvPr id="71" name="Google Shape;71;g26bb495966a_2_5:notes"/>
           <p:cNvSpPr txBox="1"/>
           <p:nvPr>
             <p:ph idx="1" type="body"/>
@@ -1001,7 +1001,7 @@
   <p:cSld>
     <p:spTree>
       <p:nvGrpSpPr>
-        <p:cNvPr id="78" name="Shape 78"/>
+        <p:cNvPr id="80" name="Shape 80"/>
         <p:cNvGrpSpPr/>
         <p:nvPr/>
       </p:nvGrpSpPr>
@@ -1015,7 +1015,7 @@
       </p:grpSpPr>
       <p:sp>
         <p:nvSpPr>
-          <p:cNvPr id="79" name="Google Shape;79;g2734becc3f4_1_5:notes"/>
+          <p:cNvPr id="81" name="Google Shape;81;g2734becc3f4_1_5:notes"/>
           <p:cNvSpPr/>
           <p:nvPr>
             <p:ph idx="2" type="sldImg"/>
@@ -1050,7 +1050,7 @@
       </p:sp>
       <p:sp>
         <p:nvSpPr>
-          <p:cNvPr id="80" name="Google Shape;80;g2734becc3f4_1_5:notes"/>
+          <p:cNvPr id="82" name="Google Shape;82;g2734becc3f4_1_5:notes"/>
           <p:cNvSpPr txBox="1"/>
           <p:nvPr>
             <p:ph idx="1" type="body"/>
@@ -1100,7 +1100,7 @@
   <p:cSld>
     <p:spTree>
       <p:nvGrpSpPr>
-        <p:cNvPr id="87" name="Shape 87"/>
+        <p:cNvPr id="89" name="Shape 89"/>
         <p:cNvGrpSpPr/>
         <p:nvPr/>
       </p:nvGrpSpPr>
@@ -1114,7 +1114,7 @@
       </p:grpSpPr>
       <p:sp>
         <p:nvSpPr>
-          <p:cNvPr id="88" name="Google Shape;88;g26bb495966a_3_2:notes"/>
+          <p:cNvPr id="90" name="Google Shape;90;g26bb495966a_3_2:notes"/>
           <p:cNvSpPr/>
           <p:nvPr>
             <p:ph idx="2" type="sldImg"/>
@@ -1149,7 +1149,7 @@
       </p:sp>
       <p:sp>
         <p:nvSpPr>
-          <p:cNvPr id="89" name="Google Shape;89;g26bb495966a_3_2:notes"/>
+          <p:cNvPr id="91" name="Google Shape;91;g26bb495966a_3_2:notes"/>
           <p:cNvSpPr txBox="1"/>
           <p:nvPr>
             <p:ph idx="1" type="body"/>
@@ -1199,7 +1199,7 @@
   <p:cSld>
     <p:spTree>
       <p:nvGrpSpPr>
-        <p:cNvPr id="100" name="Shape 100"/>
+        <p:cNvPr id="102" name="Shape 102"/>
         <p:cNvGrpSpPr/>
         <p:nvPr/>
       </p:nvGrpSpPr>
@@ -1213,7 +1213,7 @@
       </p:grpSpPr>
       <p:sp>
         <p:nvSpPr>
-          <p:cNvPr id="101" name="Google Shape;101;g26bb495966a_3_11:notes"/>
+          <p:cNvPr id="103" name="Google Shape;103;g26bb495966a_3_11:notes"/>
           <p:cNvSpPr/>
           <p:nvPr>
             <p:ph idx="2" type="sldImg"/>
@@ -1248,7 +1248,7 @@
       </p:sp>
       <p:sp>
         <p:nvSpPr>
-          <p:cNvPr id="102" name="Google Shape;102;g26bb495966a_3_11:notes"/>
+          <p:cNvPr id="104" name="Google Shape;104;g26bb495966a_3_11:notes"/>
           <p:cNvSpPr txBox="1"/>
           <p:nvPr>
             <p:ph idx="1" type="body"/>
@@ -7025,6 +7025,62 @@
           </a:p>
         </p:txBody>
       </p:sp>
+      <p:pic>
+        <p:nvPicPr>
+          <p:cNvPr id="67" name="Google Shape;67;p14"/>
+          <p:cNvPicPr preferRelativeResize="0"/>
+          <p:nvPr/>
+        </p:nvPicPr>
+        <p:blipFill>
+          <a:blip r:embed="rId3">
+            <a:alphaModFix/>
+          </a:blip>
+          <a:stretch>
+            <a:fillRect/>
+          </a:stretch>
+        </p:blipFill>
+        <p:spPr>
+          <a:xfrm>
+            <a:off x="2886350" y="265875"/>
+            <a:ext cx="4252150" cy="2384500"/>
+          </a:xfrm>
+          <a:prstGeom prst="rect">
+            <a:avLst/>
+          </a:prstGeom>
+          <a:noFill/>
+          <a:ln>
+            <a:noFill/>
+          </a:ln>
+        </p:spPr>
+      </p:pic>
+      <p:pic>
+        <p:nvPicPr>
+          <p:cNvPr id="68" name="Google Shape;68;p14"/>
+          <p:cNvPicPr preferRelativeResize="0"/>
+          <p:nvPr/>
+        </p:nvPicPr>
+        <p:blipFill>
+          <a:blip r:embed="rId4">
+            <a:alphaModFix/>
+          </a:blip>
+          <a:stretch>
+            <a:fillRect/>
+          </a:stretch>
+        </p:blipFill>
+        <p:spPr>
+          <a:xfrm>
+            <a:off x="4645675" y="2684025"/>
+            <a:ext cx="4186625" cy="2330175"/>
+          </a:xfrm>
+          <a:prstGeom prst="rect">
+            <a:avLst/>
+          </a:prstGeom>
+          <a:noFill/>
+          <a:ln>
+            <a:noFill/>
+          </a:ln>
+        </p:spPr>
+      </p:pic>
     </p:spTree>
   </p:cSld>
   <p:clrMapOvr>
@@ -7038,7 +7094,7 @@
   <p:cSld>
     <p:spTree>
       <p:nvGrpSpPr>
-        <p:cNvPr id="70" name="Shape 70"/>
+        <p:cNvPr id="72" name="Shape 72"/>
         <p:cNvGrpSpPr/>
         <p:nvPr/>
       </p:nvGrpSpPr>
@@ -7052,7 +7108,7 @@
       </p:grpSpPr>
       <p:sp>
         <p:nvSpPr>
-          <p:cNvPr id="71" name="Google Shape;71;p15"/>
+          <p:cNvPr id="73" name="Google Shape;73;p15"/>
           <p:cNvSpPr txBox="1"/>
           <p:nvPr>
             <p:ph type="title"/>
@@ -7092,7 +7148,7 @@
       </p:sp>
       <p:sp>
         <p:nvSpPr>
-          <p:cNvPr id="72" name="Google Shape;72;p15"/>
+          <p:cNvPr id="74" name="Google Shape;74;p15"/>
           <p:cNvSpPr txBox="1"/>
           <p:nvPr>
             <p:ph idx="1" type="body"/>
@@ -7139,7 +7195,7 @@
       </p:sp>
       <p:pic>
         <p:nvPicPr>
-          <p:cNvPr id="73" name="Google Shape;73;p15"/>
+          <p:cNvPr id="75" name="Google Shape;75;p15"/>
           <p:cNvPicPr preferRelativeResize="0"/>
           <p:nvPr/>
         </p:nvPicPr>
@@ -7167,7 +7223,7 @@
       </p:pic>
       <p:pic>
         <p:nvPicPr>
-          <p:cNvPr id="74" name="Google Shape;74;p15"/>
+          <p:cNvPr id="76" name="Google Shape;76;p15"/>
           <p:cNvPicPr preferRelativeResize="0"/>
           <p:nvPr/>
         </p:nvPicPr>
@@ -7195,7 +7251,7 @@
       </p:pic>
       <p:sp>
         <p:nvSpPr>
-          <p:cNvPr id="75" name="Google Shape;75;p15"/>
+          <p:cNvPr id="77" name="Google Shape;77;p15"/>
           <p:cNvSpPr txBox="1"/>
           <p:nvPr>
             <p:ph idx="1" type="body"/>
@@ -7251,7 +7307,7 @@
       </p:sp>
       <p:pic>
         <p:nvPicPr>
-          <p:cNvPr id="76" name="Google Shape;76;p15"/>
+          <p:cNvPr id="78" name="Google Shape;78;p15"/>
           <p:cNvPicPr preferRelativeResize="0"/>
           <p:nvPr/>
         </p:nvPicPr>
@@ -7279,7 +7335,7 @@
       </p:pic>
       <p:sp>
         <p:nvSpPr>
-          <p:cNvPr id="77" name="Google Shape;77;p15"/>
+          <p:cNvPr id="79" name="Google Shape;79;p15"/>
           <p:cNvSpPr txBox="1"/>
           <p:nvPr>
             <p:ph idx="1" type="body"/>
@@ -7346,7 +7402,7 @@
   <p:cSld>
     <p:spTree>
       <p:nvGrpSpPr>
-        <p:cNvPr id="81" name="Shape 81"/>
+        <p:cNvPr id="83" name="Shape 83"/>
         <p:cNvGrpSpPr/>
         <p:nvPr/>
       </p:nvGrpSpPr>
@@ -7360,7 +7416,7 @@
       </p:grpSpPr>
       <p:sp>
         <p:nvSpPr>
-          <p:cNvPr id="82" name="Google Shape;82;p16"/>
+          <p:cNvPr id="84" name="Google Shape;84;p16"/>
           <p:cNvSpPr txBox="1"/>
           <p:nvPr>
             <p:ph type="title"/>
@@ -7400,7 +7456,7 @@
       </p:sp>
       <p:sp>
         <p:nvSpPr>
-          <p:cNvPr id="83" name="Google Shape;83;p16"/>
+          <p:cNvPr id="85" name="Google Shape;85;p16"/>
           <p:cNvSpPr txBox="1"/>
           <p:nvPr>
             <p:ph idx="1" type="body"/>
@@ -7456,7 +7512,7 @@
       </p:sp>
       <p:sp>
         <p:nvSpPr>
-          <p:cNvPr id="84" name="Google Shape;84;p16"/>
+          <p:cNvPr id="86" name="Google Shape;86;p16"/>
           <p:cNvSpPr txBox="1"/>
           <p:nvPr>
             <p:ph idx="1" type="body"/>
@@ -7512,7 +7568,7 @@
       </p:sp>
       <p:pic>
         <p:nvPicPr>
-          <p:cNvPr id="85" name="Google Shape;85;p16"/>
+          <p:cNvPr id="87" name="Google Shape;87;p16"/>
           <p:cNvPicPr preferRelativeResize="0"/>
           <p:nvPr/>
         </p:nvPicPr>
@@ -7539,7 +7595,7 @@
       </p:pic>
       <p:pic>
         <p:nvPicPr>
-          <p:cNvPr id="86" name="Google Shape;86;p16"/>
+          <p:cNvPr id="88" name="Google Shape;88;p16"/>
           <p:cNvPicPr preferRelativeResize="0"/>
           <p:nvPr/>
         </p:nvPicPr>
@@ -7578,7 +7634,7 @@
   <p:cSld>
     <p:spTree>
       <p:nvGrpSpPr>
-        <p:cNvPr id="90" name="Shape 90"/>
+        <p:cNvPr id="92" name="Shape 92"/>
         <p:cNvGrpSpPr/>
         <p:nvPr/>
       </p:nvGrpSpPr>
@@ -7592,7 +7648,7 @@
       </p:grpSpPr>
       <p:sp>
         <p:nvSpPr>
-          <p:cNvPr id="91" name="Google Shape;91;p17"/>
+          <p:cNvPr id="93" name="Google Shape;93;p17"/>
           <p:cNvSpPr txBox="1"/>
           <p:nvPr>
             <p:ph type="title"/>
@@ -7632,7 +7688,7 @@
       </p:sp>
       <p:sp>
         <p:nvSpPr>
-          <p:cNvPr id="92" name="Google Shape;92;p17"/>
+          <p:cNvPr id="94" name="Google Shape;94;p17"/>
           <p:cNvSpPr/>
           <p:nvPr/>
         </p:nvSpPr>
@@ -7686,7 +7742,7 @@
       </p:sp>
       <p:sp>
         <p:nvSpPr>
-          <p:cNvPr id="93" name="Google Shape;93;p17"/>
+          <p:cNvPr id="95" name="Google Shape;95;p17"/>
           <p:cNvSpPr/>
           <p:nvPr/>
         </p:nvSpPr>
@@ -7740,7 +7796,7 @@
       </p:sp>
       <p:sp>
         <p:nvSpPr>
-          <p:cNvPr id="94" name="Google Shape;94;p17"/>
+          <p:cNvPr id="96" name="Google Shape;96;p17"/>
           <p:cNvSpPr/>
           <p:nvPr/>
         </p:nvSpPr>
@@ -7796,7 +7852,7 @@
       </p:sp>
       <p:sp>
         <p:nvSpPr>
-          <p:cNvPr id="95" name="Google Shape;95;p17"/>
+          <p:cNvPr id="97" name="Google Shape;97;p17"/>
           <p:cNvSpPr txBox="1"/>
           <p:nvPr/>
         </p:nvSpPr>
@@ -7854,7 +7910,7 @@
       </p:sp>
       <p:graphicFrame>
         <p:nvGraphicFramePr>
-          <p:cNvPr id="96" name="Google Shape;96;p17"/>
+          <p:cNvPr id="98" name="Google Shape;98;p17"/>
           <p:cNvGraphicFramePr/>
           <p:nvPr/>
         </p:nvGraphicFramePr>
@@ -7867,7 +7923,7 @@
             <a:tbl>
               <a:tblPr>
                 <a:noFill/>
-                <a:tableStyleId>{7F08C63B-3268-44A5-8716-672370936AB3}</a:tableStyleId>
+                <a:tableStyleId>{E75B73BB-DEC4-4857-AF7D-40CB0A369238}</a:tableStyleId>
               </a:tblPr>
               <a:tblGrid>
                 <a:gridCol w="591025"/>
@@ -8164,7 +8220,7 @@
       </p:graphicFrame>
       <p:sp>
         <p:nvSpPr>
-          <p:cNvPr id="97" name="Google Shape;97;p17"/>
+          <p:cNvPr id="99" name="Google Shape;99;p17"/>
           <p:cNvSpPr txBox="1"/>
           <p:nvPr/>
         </p:nvSpPr>
@@ -8222,7 +8278,7 @@
       </p:sp>
       <p:sp>
         <p:nvSpPr>
-          <p:cNvPr id="98" name="Google Shape;98;p17"/>
+          <p:cNvPr id="100" name="Google Shape;100;p17"/>
           <p:cNvSpPr txBox="1"/>
           <p:nvPr/>
         </p:nvSpPr>
@@ -8280,7 +8336,7 @@
       </p:sp>
       <p:sp>
         <p:nvSpPr>
-          <p:cNvPr id="99" name="Google Shape;99;p17"/>
+          <p:cNvPr id="101" name="Google Shape;101;p17"/>
           <p:cNvSpPr txBox="1"/>
           <p:nvPr/>
         </p:nvSpPr>
@@ -8349,7 +8405,7 @@
   <p:cSld>
     <p:spTree>
       <p:nvGrpSpPr>
-        <p:cNvPr id="103" name="Shape 103"/>
+        <p:cNvPr id="105" name="Shape 105"/>
         <p:cNvGrpSpPr/>
         <p:nvPr/>
       </p:nvGrpSpPr>
@@ -8363,7 +8419,7 @@
       </p:grpSpPr>
       <p:sp>
         <p:nvSpPr>
-          <p:cNvPr id="104" name="Google Shape;104;p18"/>
+          <p:cNvPr id="106" name="Google Shape;106;p18"/>
           <p:cNvSpPr txBox="1"/>
           <p:nvPr>
             <p:ph type="title"/>
@@ -8403,7 +8459,7 @@
       </p:sp>
       <p:sp>
         <p:nvSpPr>
-          <p:cNvPr id="105" name="Google Shape;105;p18"/>
+          <p:cNvPr id="107" name="Google Shape;107;p18"/>
           <p:cNvSpPr txBox="1"/>
           <p:nvPr>
             <p:ph type="title"/>
@@ -8508,6 +8564,285 @@
 </file>
 
 <file path=ppt/theme/theme1.xml><?xml version="1.0" encoding="utf-8"?>
+<a:theme xmlns:a="http://schemas.openxmlformats.org/drawingml/2006/main" xmlns:r="http://schemas.openxmlformats.org/officeDocument/2006/relationships" name="Paperback">
+  <a:themeElements>
+    <a:clrScheme name="Paperback">
+      <a:dk1>
+        <a:srgbClr val="000000"/>
+      </a:dk1>
+      <a:lt1>
+        <a:srgbClr val="FFFFFF"/>
+      </a:lt1>
+      <a:dk2>
+        <a:srgbClr val="00695C"/>
+      </a:dk2>
+      <a:lt2>
+        <a:srgbClr val="26A69A"/>
+      </a:lt2>
+      <a:accent1>
+        <a:srgbClr val="FFFBF0"/>
+      </a:accent1>
+      <a:accent2>
+        <a:srgbClr val="B7B7B7"/>
+      </a:accent2>
+      <a:accent3>
+        <a:srgbClr val="FB8C00"/>
+      </a:accent3>
+      <a:accent4>
+        <a:srgbClr val="80CBC4"/>
+      </a:accent4>
+      <a:accent5>
+        <a:srgbClr val="AF4345"/>
+      </a:accent5>
+      <a:accent6>
+        <a:srgbClr val="F58F8F"/>
+      </a:accent6>
+      <a:hlink>
+        <a:srgbClr val="AF4345"/>
+      </a:hlink>
+      <a:folHlink>
+        <a:srgbClr val="AF4345"/>
+      </a:folHlink>
+    </a:clrScheme>
+    <a:fontScheme name="Office">
+      <a:majorFont>
+        <a:latin typeface="Arial"/>
+        <a:ea typeface=""/>
+        <a:cs typeface=""/>
+        <a:font script="Jpan" typeface="ＭＳ Ｐゴシック"/>
+        <a:font script="Hang" typeface="맑은 고딕"/>
+        <a:font script="Hans" typeface="宋体"/>
+        <a:font script="Hant" typeface="新細明體"/>
+        <a:font script="Arab" typeface="Times New Roman"/>
+        <a:font script="Hebr" typeface="Times New Roman"/>
+        <a:font script="Thai" typeface="Angsana New"/>
+        <a:font script="Ethi" typeface="Nyala"/>
+        <a:font script="Beng" typeface="Vrinda"/>
+        <a:font script="Gujr" typeface="Shruti"/>
+        <a:font script="Khmr" typeface="MoolBoran"/>
+        <a:font script="Knda" typeface="Tunga"/>
+        <a:font script="Guru" typeface="Raavi"/>
+        <a:font script="Cans" typeface="Euphemia"/>
+        <a:font script="Cher" typeface="Plantagenet Cherokee"/>
+        <a:font script="Yiii" typeface="Microsoft Yi Baiti"/>
+        <a:font script="Tibt" typeface="Microsoft Himalaya"/>
+        <a:font script="Thaa" typeface="MV Boli"/>
+        <a:font script="Deva" typeface="Mangal"/>
+        <a:font script="Telu" typeface="Gautami"/>
+        <a:font script="Taml" typeface="Latha"/>
+        <a:font script="Syrc" typeface="Estrangelo Edessa"/>
+        <a:font script="Orya" typeface="Kalinga"/>
+        <a:font script="Mlym" typeface="Kartika"/>
+        <a:font script="Laoo" typeface="DokChampa"/>
+        <a:font script="Sinh" typeface="Iskoola Pota"/>
+        <a:font script="Mong" typeface="Mongolian Baiti"/>
+        <a:font script="Viet" typeface="Times New Roman"/>
+        <a:font script="Uigh" typeface="Microsoft Uighur"/>
+        <a:font script="Geor" typeface="Sylfaen"/>
+      </a:majorFont>
+      <a:minorFont>
+        <a:latin typeface="Arial"/>
+        <a:ea typeface=""/>
+        <a:cs typeface=""/>
+        <a:font script="Jpan" typeface="ＭＳ Ｐゴシック"/>
+        <a:font script="Hang" typeface="맑은 고딕"/>
+        <a:font script="Hans" typeface="宋体"/>
+        <a:font script="Hant" typeface="新細明體"/>
+        <a:font script="Arab" typeface="Arial"/>
+        <a:font script="Hebr" typeface="Arial"/>
+        <a:font script="Thai" typeface="Cordia New"/>
+        <a:font script="Ethi" typeface="Nyala"/>
+        <a:font script="Beng" typeface="Vrinda"/>
+        <a:font script="Gujr" typeface="Shruti"/>
+        <a:font script="Khmr" typeface="DaunPenh"/>
+        <a:font script="Knda" typeface="Tunga"/>
+        <a:font script="Guru" typeface="Raavi"/>
+        <a:font script="Cans" typeface="Euphemia"/>
+        <a:font script="Cher" typeface="Plantagenet Cherokee"/>
+        <a:font script="Yiii" typeface="Microsoft Yi Baiti"/>
+        <a:font script="Tibt" typeface="Microsoft Himalaya"/>
+        <a:font script="Thaa" typeface="MV Boli"/>
+        <a:font script="Deva" typeface="Mangal"/>
+        <a:font script="Telu" typeface="Gautami"/>
+        <a:font script="Taml" typeface="Latha"/>
+        <a:font script="Syrc" typeface="Estrangelo Edessa"/>
+        <a:font script="Orya" typeface="Kalinga"/>
+        <a:font script="Mlym" typeface="Kartika"/>
+        <a:font script="Laoo" typeface="DokChampa"/>
+        <a:font script="Sinh" typeface="Iskoola Pota"/>
+        <a:font script="Mong" typeface="Mongolian Baiti"/>
+        <a:font script="Viet" typeface="Arial"/>
+        <a:font script="Uigh" typeface="Microsoft Uighur"/>
+        <a:font script="Geor" typeface="Sylfaen"/>
+      </a:minorFont>
+    </a:fontScheme>
+    <a:fmtScheme name="Office">
+      <a:fillStyleLst>
+        <a:solidFill>
+          <a:schemeClr val="phClr"/>
+        </a:solidFill>
+        <a:gradFill rotWithShape="1">
+          <a:gsLst>
+            <a:gs pos="0">
+              <a:schemeClr val="phClr">
+                <a:tint val="50000"/>
+                <a:satMod val="300000"/>
+              </a:schemeClr>
+            </a:gs>
+            <a:gs pos="35000">
+              <a:schemeClr val="phClr">
+                <a:tint val="37000"/>
+                <a:satMod val="300000"/>
+              </a:schemeClr>
+            </a:gs>
+            <a:gs pos="100000">
+              <a:schemeClr val="phClr">
+                <a:tint val="15000"/>
+                <a:satMod val="350000"/>
+              </a:schemeClr>
+            </a:gs>
+          </a:gsLst>
+          <a:lin ang="16200000" scaled="1"/>
+        </a:gradFill>
+        <a:gradFill rotWithShape="1">
+          <a:gsLst>
+            <a:gs pos="0">
+              <a:schemeClr val="phClr">
+                <a:tint val="100000"/>
+                <a:shade val="100000"/>
+                <a:satMod val="130000"/>
+              </a:schemeClr>
+            </a:gs>
+            <a:gs pos="100000">
+              <a:schemeClr val="phClr">
+                <a:tint val="50000"/>
+                <a:shade val="100000"/>
+                <a:satMod val="350000"/>
+              </a:schemeClr>
+            </a:gs>
+          </a:gsLst>
+          <a:lin ang="16200000" scaled="0"/>
+        </a:gradFill>
+      </a:fillStyleLst>
+      <a:lnStyleLst>
+        <a:ln w="9525" cap="flat" cmpd="sng" algn="ctr">
+          <a:solidFill>
+            <a:schemeClr val="phClr">
+              <a:shade val="95000"/>
+              <a:satMod val="105000"/>
+            </a:schemeClr>
+          </a:solidFill>
+          <a:prstDash val="solid"/>
+        </a:ln>
+        <a:ln w="25400" cap="flat" cmpd="sng" algn="ctr">
+          <a:solidFill>
+            <a:schemeClr val="phClr"/>
+          </a:solidFill>
+          <a:prstDash val="solid"/>
+        </a:ln>
+        <a:ln w="38100" cap="flat" cmpd="sng" algn="ctr">
+          <a:solidFill>
+            <a:schemeClr val="phClr"/>
+          </a:solidFill>
+          <a:prstDash val="solid"/>
+        </a:ln>
+      </a:lnStyleLst>
+      <a:effectStyleLst>
+        <a:effectStyle>
+          <a:effectLst>
+            <a:outerShdw blurRad="40000" dist="20000" dir="5400000" rotWithShape="0">
+              <a:srgbClr val="000000">
+                <a:alpha val="38000"/>
+              </a:srgbClr>
+            </a:outerShdw>
+          </a:effectLst>
+        </a:effectStyle>
+        <a:effectStyle>
+          <a:effectLst>
+            <a:outerShdw blurRad="40000" dist="23000" dir="5400000" rotWithShape="0">
+              <a:srgbClr val="000000">
+                <a:alpha val="35000"/>
+              </a:srgbClr>
+            </a:outerShdw>
+          </a:effectLst>
+        </a:effectStyle>
+        <a:effectStyle>
+          <a:effectLst>
+            <a:outerShdw blurRad="40000" dist="23000" dir="5400000" rotWithShape="0">
+              <a:srgbClr val="000000">
+                <a:alpha val="35000"/>
+              </a:srgbClr>
+            </a:outerShdw>
+          </a:effectLst>
+          <a:scene3d>
+            <a:camera prst="orthographicFront">
+              <a:rot lat="0" lon="0" rev="0"/>
+            </a:camera>
+            <a:lightRig rig="threePt" dir="t">
+              <a:rot lat="0" lon="0" rev="1200000"/>
+            </a:lightRig>
+          </a:scene3d>
+          <a:sp3d>
+            <a:bevelT w="63500" h="25400"/>
+          </a:sp3d>
+        </a:effectStyle>
+      </a:effectStyleLst>
+      <a:bgFillStyleLst>
+        <a:solidFill>
+          <a:schemeClr val="phClr"/>
+        </a:solidFill>
+        <a:gradFill rotWithShape="1">
+          <a:gsLst>
+            <a:gs pos="0">
+              <a:schemeClr val="phClr">
+                <a:tint val="40000"/>
+                <a:satMod val="350000"/>
+              </a:schemeClr>
+            </a:gs>
+            <a:gs pos="40000">
+              <a:schemeClr val="phClr">
+                <a:tint val="45000"/>
+                <a:shade val="99000"/>
+                <a:satMod val="350000"/>
+              </a:schemeClr>
+            </a:gs>
+            <a:gs pos="100000">
+              <a:schemeClr val="phClr">
+                <a:shade val="20000"/>
+                <a:satMod val="255000"/>
+              </a:schemeClr>
+            </a:gs>
+          </a:gsLst>
+          <a:path path="circle">
+            <a:fillToRect l="50000" t="-80000" r="50000" b="180000"/>
+          </a:path>
+        </a:gradFill>
+        <a:gradFill rotWithShape="1">
+          <a:gsLst>
+            <a:gs pos="0">
+              <a:schemeClr val="phClr">
+                <a:tint val="80000"/>
+                <a:satMod val="300000"/>
+              </a:schemeClr>
+            </a:gs>
+            <a:gs pos="100000">
+              <a:schemeClr val="phClr">
+                <a:shade val="30000"/>
+                <a:satMod val="200000"/>
+              </a:schemeClr>
+            </a:gs>
+          </a:gsLst>
+          <a:path path="circle">
+            <a:fillToRect l="50000" t="50000" r="50000" b="50000"/>
+          </a:path>
+        </a:gradFill>
+      </a:bgFillStyleLst>
+    </a:fmtScheme>
+  </a:themeElements>
+</a:theme>
+</file>
+
+<file path=ppt/theme/theme2.xml><?xml version="1.0" encoding="utf-8"?>
 <a:theme xmlns:a="http://schemas.openxmlformats.org/drawingml/2006/main" xmlns:r="http://schemas.openxmlformats.org/officeDocument/2006/relationships">
   <a:themeElements>
     <a:clrScheme name="Default">
@@ -8784,283 +9119,4 @@
     </a:fmtScheme>
   </a:themeElements>
 </a:theme>
-</file>
-
-<file path=ppt/theme/theme2.xml><?xml version="1.0" encoding="utf-8"?>
-<a:theme xmlns:a="http://schemas.openxmlformats.org/drawingml/2006/main" xmlns:r="http://schemas.openxmlformats.org/officeDocument/2006/relationships" name="Paperback">
-  <a:themeElements>
-    <a:clrScheme name="Paperback">
-      <a:dk1>
-        <a:srgbClr val="000000"/>
-      </a:dk1>
-      <a:lt1>
-        <a:srgbClr val="FFFFFF"/>
-      </a:lt1>
-      <a:dk2>
-        <a:srgbClr val="00695C"/>
-      </a:dk2>
-      <a:lt2>
-        <a:srgbClr val="26A69A"/>
-      </a:lt2>
-      <a:accent1>
-        <a:srgbClr val="FFFBF0"/>
-      </a:accent1>
-      <a:accent2>
-        <a:srgbClr val="B7B7B7"/>
-      </a:accent2>
-      <a:accent3>
-        <a:srgbClr val="FB8C00"/>
-      </a:accent3>
-      <a:accent4>
-        <a:srgbClr val="80CBC4"/>
-      </a:accent4>
-      <a:accent5>
-        <a:srgbClr val="AF4345"/>
-      </a:accent5>
-      <a:accent6>
-        <a:srgbClr val="F58F8F"/>
-      </a:accent6>
-      <a:hlink>
-        <a:srgbClr val="AF4345"/>
-      </a:hlink>
-      <a:folHlink>
-        <a:srgbClr val="AF4345"/>
-      </a:folHlink>
-    </a:clrScheme>
-    <a:fontScheme name="Office">
-      <a:majorFont>
-        <a:latin typeface="Arial"/>
-        <a:ea typeface=""/>
-        <a:cs typeface=""/>
-        <a:font script="Jpan" typeface="ＭＳ Ｐゴシック"/>
-        <a:font script="Hang" typeface="맑은 고딕"/>
-        <a:font script="Hans" typeface="宋体"/>
-        <a:font script="Hant" typeface="新細明體"/>
-        <a:font script="Arab" typeface="Times New Roman"/>
-        <a:font script="Hebr" typeface="Times New Roman"/>
-        <a:font script="Thai" typeface="Angsana New"/>
-        <a:font script="Ethi" typeface="Nyala"/>
-        <a:font script="Beng" typeface="Vrinda"/>
-        <a:font script="Gujr" typeface="Shruti"/>
-        <a:font script="Khmr" typeface="MoolBoran"/>
-        <a:font script="Knda" typeface="Tunga"/>
-        <a:font script="Guru" typeface="Raavi"/>
-        <a:font script="Cans" typeface="Euphemia"/>
-        <a:font script="Cher" typeface="Plantagenet Cherokee"/>
-        <a:font script="Yiii" typeface="Microsoft Yi Baiti"/>
-        <a:font script="Tibt" typeface="Microsoft Himalaya"/>
-        <a:font script="Thaa" typeface="MV Boli"/>
-        <a:font script="Deva" typeface="Mangal"/>
-        <a:font script="Telu" typeface="Gautami"/>
-        <a:font script="Taml" typeface="Latha"/>
-        <a:font script="Syrc" typeface="Estrangelo Edessa"/>
-        <a:font script="Orya" typeface="Kalinga"/>
-        <a:font script="Mlym" typeface="Kartika"/>
-        <a:font script="Laoo" typeface="DokChampa"/>
-        <a:font script="Sinh" typeface="Iskoola Pota"/>
-        <a:font script="Mong" typeface="Mongolian Baiti"/>
-        <a:font script="Viet" typeface="Times New Roman"/>
-        <a:font script="Uigh" typeface="Microsoft Uighur"/>
-        <a:font script="Geor" typeface="Sylfaen"/>
-      </a:majorFont>
-      <a:minorFont>
-        <a:latin typeface="Arial"/>
-        <a:ea typeface=""/>
-        <a:cs typeface=""/>
-        <a:font script="Jpan" typeface="ＭＳ Ｐゴシック"/>
-        <a:font script="Hang" typeface="맑은 고딕"/>
-        <a:font script="Hans" typeface="宋体"/>
-        <a:font script="Hant" typeface="新細明體"/>
-        <a:font script="Arab" typeface="Arial"/>
-        <a:font script="Hebr" typeface="Arial"/>
-        <a:font script="Thai" typeface="Cordia New"/>
-        <a:font script="Ethi" typeface="Nyala"/>
-        <a:font script="Beng" typeface="Vrinda"/>
-        <a:font script="Gujr" typeface="Shruti"/>
-        <a:font script="Khmr" typeface="DaunPenh"/>
-        <a:font script="Knda" typeface="Tunga"/>
-        <a:font script="Guru" typeface="Raavi"/>
-        <a:font script="Cans" typeface="Euphemia"/>
-        <a:font script="Cher" typeface="Plantagenet Cherokee"/>
-        <a:font script="Yiii" typeface="Microsoft Yi Baiti"/>
-        <a:font script="Tibt" typeface="Microsoft Himalaya"/>
-        <a:font script="Thaa" typeface="MV Boli"/>
-        <a:font script="Deva" typeface="Mangal"/>
-        <a:font script="Telu" typeface="Gautami"/>
-        <a:font script="Taml" typeface="Latha"/>
-        <a:font script="Syrc" typeface="Estrangelo Edessa"/>
-        <a:font script="Orya" typeface="Kalinga"/>
-        <a:font script="Mlym" typeface="Kartika"/>
-        <a:font script="Laoo" typeface="DokChampa"/>
-        <a:font script="Sinh" typeface="Iskoola Pota"/>
-        <a:font script="Mong" typeface="Mongolian Baiti"/>
-        <a:font script="Viet" typeface="Arial"/>
-        <a:font script="Uigh" typeface="Microsoft Uighur"/>
-        <a:font script="Geor" typeface="Sylfaen"/>
-      </a:minorFont>
-    </a:fontScheme>
-    <a:fmtScheme name="Office">
-      <a:fillStyleLst>
-        <a:solidFill>
-          <a:schemeClr val="phClr"/>
-        </a:solidFill>
-        <a:gradFill rotWithShape="1">
-          <a:gsLst>
-            <a:gs pos="0">
-              <a:schemeClr val="phClr">
-                <a:tint val="50000"/>
-                <a:satMod val="300000"/>
-              </a:schemeClr>
-            </a:gs>
-            <a:gs pos="35000">
-              <a:schemeClr val="phClr">
-                <a:tint val="37000"/>
-                <a:satMod val="300000"/>
-              </a:schemeClr>
-            </a:gs>
-            <a:gs pos="100000">
-              <a:schemeClr val="phClr">
-                <a:tint val="15000"/>
-                <a:satMod val="350000"/>
-              </a:schemeClr>
-            </a:gs>
-          </a:gsLst>
-          <a:lin ang="16200000" scaled="1"/>
-        </a:gradFill>
-        <a:gradFill rotWithShape="1">
-          <a:gsLst>
-            <a:gs pos="0">
-              <a:schemeClr val="phClr">
-                <a:tint val="100000"/>
-                <a:shade val="100000"/>
-                <a:satMod val="130000"/>
-              </a:schemeClr>
-            </a:gs>
-            <a:gs pos="100000">
-              <a:schemeClr val="phClr">
-                <a:tint val="50000"/>
-                <a:shade val="100000"/>
-                <a:satMod val="350000"/>
-              </a:schemeClr>
-            </a:gs>
-          </a:gsLst>
-          <a:lin ang="16200000" scaled="0"/>
-        </a:gradFill>
-      </a:fillStyleLst>
-      <a:lnStyleLst>
-        <a:ln w="9525" cap="flat" cmpd="sng" algn="ctr">
-          <a:solidFill>
-            <a:schemeClr val="phClr">
-              <a:shade val="95000"/>
-              <a:satMod val="105000"/>
-            </a:schemeClr>
-          </a:solidFill>
-          <a:prstDash val="solid"/>
-        </a:ln>
-        <a:ln w="25400" cap="flat" cmpd="sng" algn="ctr">
-          <a:solidFill>
-            <a:schemeClr val="phClr"/>
-          </a:solidFill>
-          <a:prstDash val="solid"/>
-        </a:ln>
-        <a:ln w="38100" cap="flat" cmpd="sng" algn="ctr">
-          <a:solidFill>
-            <a:schemeClr val="phClr"/>
-          </a:solidFill>
-          <a:prstDash val="solid"/>
-        </a:ln>
-      </a:lnStyleLst>
-      <a:effectStyleLst>
-        <a:effectStyle>
-          <a:effectLst>
-            <a:outerShdw blurRad="40000" dist="20000" dir="5400000" rotWithShape="0">
-              <a:srgbClr val="000000">
-                <a:alpha val="38000"/>
-              </a:srgbClr>
-            </a:outerShdw>
-          </a:effectLst>
-        </a:effectStyle>
-        <a:effectStyle>
-          <a:effectLst>
-            <a:outerShdw blurRad="40000" dist="23000" dir="5400000" rotWithShape="0">
-              <a:srgbClr val="000000">
-                <a:alpha val="35000"/>
-              </a:srgbClr>
-            </a:outerShdw>
-          </a:effectLst>
-        </a:effectStyle>
-        <a:effectStyle>
-          <a:effectLst>
-            <a:outerShdw blurRad="40000" dist="23000" dir="5400000" rotWithShape="0">
-              <a:srgbClr val="000000">
-                <a:alpha val="35000"/>
-              </a:srgbClr>
-            </a:outerShdw>
-          </a:effectLst>
-          <a:scene3d>
-            <a:camera prst="orthographicFront">
-              <a:rot lat="0" lon="0" rev="0"/>
-            </a:camera>
-            <a:lightRig rig="threePt" dir="t">
-              <a:rot lat="0" lon="0" rev="1200000"/>
-            </a:lightRig>
-          </a:scene3d>
-          <a:sp3d>
-            <a:bevelT w="63500" h="25400"/>
-          </a:sp3d>
-        </a:effectStyle>
-      </a:effectStyleLst>
-      <a:bgFillStyleLst>
-        <a:solidFill>
-          <a:schemeClr val="phClr"/>
-        </a:solidFill>
-        <a:gradFill rotWithShape="1">
-          <a:gsLst>
-            <a:gs pos="0">
-              <a:schemeClr val="phClr">
-                <a:tint val="40000"/>
-                <a:satMod val="350000"/>
-              </a:schemeClr>
-            </a:gs>
-            <a:gs pos="40000">
-              <a:schemeClr val="phClr">
-                <a:tint val="45000"/>
-                <a:shade val="99000"/>
-                <a:satMod val="350000"/>
-              </a:schemeClr>
-            </a:gs>
-            <a:gs pos="100000">
-              <a:schemeClr val="phClr">
-                <a:shade val="20000"/>
-                <a:satMod val="255000"/>
-              </a:schemeClr>
-            </a:gs>
-          </a:gsLst>
-          <a:path path="circle">
-            <a:fillToRect l="50000" t="-80000" r="50000" b="180000"/>
-          </a:path>
-        </a:gradFill>
-        <a:gradFill rotWithShape="1">
-          <a:gsLst>
-            <a:gs pos="0">
-              <a:schemeClr val="phClr">
-                <a:tint val="80000"/>
-                <a:satMod val="300000"/>
-              </a:schemeClr>
-            </a:gs>
-            <a:gs pos="100000">
-              <a:schemeClr val="phClr">
-                <a:shade val="30000"/>
-                <a:satMod val="200000"/>
-              </a:schemeClr>
-            </a:gs>
-          </a:gsLst>
-          <a:path path="circle">
-            <a:fillToRect l="50000" t="50000" r="50000" b="50000"/>
-          </a:path>
-        </a:gradFill>
-      </a:bgFillStyleLst>
-    </a:fmtScheme>
-  </a:themeElements>
-</a:theme>
 </file>
--- a/클라이언트 개발자 포트폴리오.pptx
+++ b/클라이언트 개발자 포트폴리오.pptx
@@ -2,27 +2,41 @@
 <file path=ppt/presentation.xml><?xml version="1.0" encoding="utf-8"?>
 <p:presentation xmlns:a="http://schemas.openxmlformats.org/drawingml/2006/main" xmlns:r="http://schemas.openxmlformats.org/officeDocument/2006/relationships" xmlns:mc="http://schemas.openxmlformats.org/markup-compatibility/2006" xmlns:mv="urn:schemas-microsoft-com:mac:vml" xmlns:p="http://schemas.openxmlformats.org/presentationml/2006/main" xmlns:c="http://schemas.openxmlformats.org/drawingml/2006/chart" xmlns:dgm="http://schemas.openxmlformats.org/drawingml/2006/diagram" xmlns:o="urn:schemas-microsoft-com:office:office" xmlns:v="urn:schemas-microsoft-com:vml" xmlns:pvml="urn:schemas-microsoft-com:office:powerpoint" xmlns:com="http://schemas.openxmlformats.org/drawingml/2006/compatibility" xmlns:p14="http://schemas.microsoft.com/office/powerpoint/2010/main" xmlns:p15="http://schemas.microsoft.com/office/powerpoint/2012/main" xmlns:ahyp="http://schemas.microsoft.com/office/drawing/2018/hyperlinkcolor" autoCompressPictures="0" embedTrueTypeFonts="1" strictFirstAndLastChars="0" saveSubsetFonts="1">
   <p:sldMasterIdLst>
-    <p:sldMasterId id="2147483659" r:id="rId5"/>
+    <p:sldMasterId id="2147483659" r:id="rId4"/>
   </p:sldMasterIdLst>
   <p:notesMasterIdLst>
-    <p:notesMasterId r:id="rId6"/>
+    <p:notesMasterId r:id="rId5"/>
   </p:notesMasterIdLst>
   <p:sldIdLst>
-    <p:sldId id="256" r:id="rId7"/>
-    <p:sldId id="257" r:id="rId8"/>
-    <p:sldId id="258" r:id="rId9"/>
-    <p:sldId id="259" r:id="rId10"/>
-    <p:sldId id="260" r:id="rId11"/>
-    <p:sldId id="261" r:id="rId12"/>
+    <p:sldId id="256" r:id="rId6"/>
+    <p:sldId id="257" r:id="rId7"/>
+    <p:sldId id="258" r:id="rId8"/>
+    <p:sldId id="259" r:id="rId9"/>
+    <p:sldId id="260" r:id="rId10"/>
+    <p:sldId id="261" r:id="rId11"/>
+    <p:sldId id="262" r:id="rId12"/>
+    <p:sldId id="263" r:id="rId13"/>
+    <p:sldId id="264" r:id="rId14"/>
+    <p:sldId id="265" r:id="rId15"/>
+    <p:sldId id="266" r:id="rId16"/>
+    <p:sldId id="267" r:id="rId17"/>
+    <p:sldId id="268" r:id="rId18"/>
+    <p:sldId id="269" r:id="rId19"/>
+    <p:sldId id="270" r:id="rId20"/>
+    <p:sldId id="271" r:id="rId21"/>
+    <p:sldId id="272" r:id="rId22"/>
+    <p:sldId id="273" r:id="rId23"/>
+    <p:sldId id="274" r:id="rId24"/>
+    <p:sldId id="275" r:id="rId25"/>
   </p:sldIdLst>
   <p:sldSz cy="5143500" cx="9144000"/>
   <p:notesSz cx="6858000" cy="9144000"/>
   <p:embeddedFontLst>
     <p:embeddedFont>
       <p:font typeface="Old Standard TT"/>
-      <p:regular r:id="rId13"/>
-      <p:bold r:id="rId14"/>
-      <p:italic r:id="rId15"/>
+      <p:regular r:id="rId26"/>
+      <p:bold r:id="rId27"/>
+      <p:italic r:id="rId28"/>
     </p:embeddedFont>
   </p:embeddedFontLst>
   <p:defaultTextStyle>
@@ -798,6 +812,996 @@
 </p:notes>
 </file>
 
+<file path=ppt/notesSlides/notesSlide10.xml><?xml version="1.0" encoding="utf-8"?>
+<p:notes xmlns:a="http://schemas.openxmlformats.org/drawingml/2006/main" xmlns:r="http://schemas.openxmlformats.org/officeDocument/2006/relationships" xmlns:mc="http://schemas.openxmlformats.org/markup-compatibility/2006" xmlns:mv="urn:schemas-microsoft-com:mac:vml" xmlns:p="http://schemas.openxmlformats.org/presentationml/2006/main" xmlns:c="http://schemas.openxmlformats.org/drawingml/2006/chart" xmlns:dgm="http://schemas.openxmlformats.org/drawingml/2006/diagram" xmlns:o="urn:schemas-microsoft-com:office:office" xmlns:v="urn:schemas-microsoft-com:vml" xmlns:pvml="urn:schemas-microsoft-com:office:powerpoint" xmlns:com="http://schemas.openxmlformats.org/drawingml/2006/compatibility" xmlns:p14="http://schemas.microsoft.com/office/powerpoint/2010/main" xmlns:p15="http://schemas.microsoft.com/office/powerpoint/2012/main" xmlns:ahyp="http://schemas.microsoft.com/office/drawing/2018/hyperlinkcolor" showMasterPhAnim="0" showMasterSp="0">
+  <p:cSld>
+    <p:spTree>
+      <p:nvGrpSpPr>
+        <p:cNvPr id="118" name="Shape 118"/>
+        <p:cNvGrpSpPr/>
+        <p:nvPr/>
+      </p:nvGrpSpPr>
+      <p:grpSpPr>
+        <a:xfrm>
+          <a:off x="0" y="0"/>
+          <a:ext cx="0" cy="0"/>
+          <a:chOff x="0" y="0"/>
+          <a:chExt cx="0" cy="0"/>
+        </a:xfrm>
+      </p:grpSpPr>
+      <p:sp>
+        <p:nvSpPr>
+          <p:cNvPr id="119" name="Google Shape;119;g2e4bd76d78f_0_42:notes"/>
+          <p:cNvSpPr/>
+          <p:nvPr>
+            <p:ph idx="2" type="sldImg"/>
+          </p:nvPr>
+        </p:nvSpPr>
+        <p:spPr>
+          <a:xfrm>
+            <a:off x="381300" y="685800"/>
+            <a:ext cx="6096000" cy="3429000"/>
+          </a:xfrm>
+          <a:custGeom>
+            <a:rect b="b" l="l" r="r" t="t"/>
+            <a:pathLst>
+              <a:path extrusionOk="0" h="120000" w="120000">
+                <a:moveTo>
+                  <a:pt x="0" y="0"/>
+                </a:moveTo>
+                <a:lnTo>
+                  <a:pt x="120000" y="0"/>
+                </a:lnTo>
+                <a:lnTo>
+                  <a:pt x="120000" y="120000"/>
+                </a:lnTo>
+                <a:lnTo>
+                  <a:pt x="0" y="120000"/>
+                </a:lnTo>
+                <a:close/>
+              </a:path>
+            </a:pathLst>
+          </a:custGeom>
+        </p:spPr>
+      </p:sp>
+      <p:sp>
+        <p:nvSpPr>
+          <p:cNvPr id="120" name="Google Shape;120;g2e4bd76d78f_0_42:notes"/>
+          <p:cNvSpPr txBox="1"/>
+          <p:nvPr>
+            <p:ph idx="1" type="body"/>
+          </p:nvPr>
+        </p:nvSpPr>
+        <p:spPr>
+          <a:xfrm>
+            <a:off x="685800" y="4343400"/>
+            <a:ext cx="5486400" cy="4114800"/>
+          </a:xfrm>
+          <a:prstGeom prst="rect">
+            <a:avLst/>
+          </a:prstGeom>
+        </p:spPr>
+        <p:txBody>
+          <a:bodyPr anchorCtr="0" anchor="t" bIns="91425" lIns="91425" spcFirstLastPara="1" rIns="91425" wrap="square" tIns="91425">
+            <a:noAutofit/>
+          </a:bodyPr>
+          <a:lstStyle/>
+          <a:p>
+            <a:pPr indent="0" lvl="0" marL="0" rtl="0" algn="l">
+              <a:spcBef>
+                <a:spcPts val="0"/>
+              </a:spcBef>
+              <a:spcAft>
+                <a:spcPts val="0"/>
+              </a:spcAft>
+              <a:buNone/>
+            </a:pPr>
+            <a:r>
+              <a:t/>
+            </a:r>
+            <a:endParaRPr/>
+          </a:p>
+        </p:txBody>
+      </p:sp>
+    </p:spTree>
+  </p:cSld>
+  <p:clrMapOvr>
+    <a:masterClrMapping/>
+  </p:clrMapOvr>
+</p:notes>
+</file>
+
+<file path=ppt/notesSlides/notesSlide11.xml><?xml version="1.0" encoding="utf-8"?>
+<p:notes xmlns:a="http://schemas.openxmlformats.org/drawingml/2006/main" xmlns:r="http://schemas.openxmlformats.org/officeDocument/2006/relationships" xmlns:mc="http://schemas.openxmlformats.org/markup-compatibility/2006" xmlns:mv="urn:schemas-microsoft-com:mac:vml" xmlns:p="http://schemas.openxmlformats.org/presentationml/2006/main" xmlns:c="http://schemas.openxmlformats.org/drawingml/2006/chart" xmlns:dgm="http://schemas.openxmlformats.org/drawingml/2006/diagram" xmlns:o="urn:schemas-microsoft-com:office:office" xmlns:v="urn:schemas-microsoft-com:vml" xmlns:pvml="urn:schemas-microsoft-com:office:powerpoint" xmlns:com="http://schemas.openxmlformats.org/drawingml/2006/compatibility" xmlns:p14="http://schemas.microsoft.com/office/powerpoint/2010/main" xmlns:p15="http://schemas.microsoft.com/office/powerpoint/2012/main" xmlns:ahyp="http://schemas.microsoft.com/office/drawing/2018/hyperlinkcolor" showMasterPhAnim="0" showMasterSp="0">
+  <p:cSld>
+    <p:spTree>
+      <p:nvGrpSpPr>
+        <p:cNvPr id="125" name="Shape 125"/>
+        <p:cNvGrpSpPr/>
+        <p:nvPr/>
+      </p:nvGrpSpPr>
+      <p:grpSpPr>
+        <a:xfrm>
+          <a:off x="0" y="0"/>
+          <a:ext cx="0" cy="0"/>
+          <a:chOff x="0" y="0"/>
+          <a:chExt cx="0" cy="0"/>
+        </a:xfrm>
+      </p:grpSpPr>
+      <p:sp>
+        <p:nvSpPr>
+          <p:cNvPr id="126" name="Google Shape;126;g2e4bd76d78f_0_49:notes"/>
+          <p:cNvSpPr/>
+          <p:nvPr>
+            <p:ph idx="2" type="sldImg"/>
+          </p:nvPr>
+        </p:nvSpPr>
+        <p:spPr>
+          <a:xfrm>
+            <a:off x="381300" y="685800"/>
+            <a:ext cx="6096000" cy="3429000"/>
+          </a:xfrm>
+          <a:custGeom>
+            <a:rect b="b" l="l" r="r" t="t"/>
+            <a:pathLst>
+              <a:path extrusionOk="0" h="120000" w="120000">
+                <a:moveTo>
+                  <a:pt x="0" y="0"/>
+                </a:moveTo>
+                <a:lnTo>
+                  <a:pt x="120000" y="0"/>
+                </a:lnTo>
+                <a:lnTo>
+                  <a:pt x="120000" y="120000"/>
+                </a:lnTo>
+                <a:lnTo>
+                  <a:pt x="0" y="120000"/>
+                </a:lnTo>
+                <a:close/>
+              </a:path>
+            </a:pathLst>
+          </a:custGeom>
+        </p:spPr>
+      </p:sp>
+      <p:sp>
+        <p:nvSpPr>
+          <p:cNvPr id="127" name="Google Shape;127;g2e4bd76d78f_0_49:notes"/>
+          <p:cNvSpPr txBox="1"/>
+          <p:nvPr>
+            <p:ph idx="1" type="body"/>
+          </p:nvPr>
+        </p:nvSpPr>
+        <p:spPr>
+          <a:xfrm>
+            <a:off x="685800" y="4343400"/>
+            <a:ext cx="5486400" cy="4114800"/>
+          </a:xfrm>
+          <a:prstGeom prst="rect">
+            <a:avLst/>
+          </a:prstGeom>
+        </p:spPr>
+        <p:txBody>
+          <a:bodyPr anchorCtr="0" anchor="t" bIns="91425" lIns="91425" spcFirstLastPara="1" rIns="91425" wrap="square" tIns="91425">
+            <a:noAutofit/>
+          </a:bodyPr>
+          <a:lstStyle/>
+          <a:p>
+            <a:pPr indent="0" lvl="0" marL="0" rtl="0" algn="l">
+              <a:spcBef>
+                <a:spcPts val="0"/>
+              </a:spcBef>
+              <a:spcAft>
+                <a:spcPts val="0"/>
+              </a:spcAft>
+              <a:buNone/>
+            </a:pPr>
+            <a:r>
+              <a:t/>
+            </a:r>
+            <a:endParaRPr/>
+          </a:p>
+        </p:txBody>
+      </p:sp>
+    </p:spTree>
+  </p:cSld>
+  <p:clrMapOvr>
+    <a:masterClrMapping/>
+  </p:clrMapOvr>
+</p:notes>
+</file>
+
+<file path=ppt/notesSlides/notesSlide12.xml><?xml version="1.0" encoding="utf-8"?>
+<p:notes xmlns:a="http://schemas.openxmlformats.org/drawingml/2006/main" xmlns:r="http://schemas.openxmlformats.org/officeDocument/2006/relationships" xmlns:mc="http://schemas.openxmlformats.org/markup-compatibility/2006" xmlns:mv="urn:schemas-microsoft-com:mac:vml" xmlns:p="http://schemas.openxmlformats.org/presentationml/2006/main" xmlns:c="http://schemas.openxmlformats.org/drawingml/2006/chart" xmlns:dgm="http://schemas.openxmlformats.org/drawingml/2006/diagram" xmlns:o="urn:schemas-microsoft-com:office:office" xmlns:v="urn:schemas-microsoft-com:vml" xmlns:pvml="urn:schemas-microsoft-com:office:powerpoint" xmlns:com="http://schemas.openxmlformats.org/drawingml/2006/compatibility" xmlns:p14="http://schemas.microsoft.com/office/powerpoint/2010/main" xmlns:p15="http://schemas.microsoft.com/office/powerpoint/2012/main" xmlns:ahyp="http://schemas.microsoft.com/office/drawing/2018/hyperlinkcolor" showMasterPhAnim="0" showMasterSp="0">
+  <p:cSld>
+    <p:spTree>
+      <p:nvGrpSpPr>
+        <p:cNvPr id="132" name="Shape 132"/>
+        <p:cNvGrpSpPr/>
+        <p:nvPr/>
+      </p:nvGrpSpPr>
+      <p:grpSpPr>
+        <a:xfrm>
+          <a:off x="0" y="0"/>
+          <a:ext cx="0" cy="0"/>
+          <a:chOff x="0" y="0"/>
+          <a:chExt cx="0" cy="0"/>
+        </a:xfrm>
+      </p:grpSpPr>
+      <p:sp>
+        <p:nvSpPr>
+          <p:cNvPr id="133" name="Google Shape;133;g2e4bd76d78f_0_55:notes"/>
+          <p:cNvSpPr/>
+          <p:nvPr>
+            <p:ph idx="2" type="sldImg"/>
+          </p:nvPr>
+        </p:nvSpPr>
+        <p:spPr>
+          <a:xfrm>
+            <a:off x="381300" y="685800"/>
+            <a:ext cx="6096000" cy="3429000"/>
+          </a:xfrm>
+          <a:custGeom>
+            <a:rect b="b" l="l" r="r" t="t"/>
+            <a:pathLst>
+              <a:path extrusionOk="0" h="120000" w="120000">
+                <a:moveTo>
+                  <a:pt x="0" y="0"/>
+                </a:moveTo>
+                <a:lnTo>
+                  <a:pt x="120000" y="0"/>
+                </a:lnTo>
+                <a:lnTo>
+                  <a:pt x="120000" y="120000"/>
+                </a:lnTo>
+                <a:lnTo>
+                  <a:pt x="0" y="120000"/>
+                </a:lnTo>
+                <a:close/>
+              </a:path>
+            </a:pathLst>
+          </a:custGeom>
+        </p:spPr>
+      </p:sp>
+      <p:sp>
+        <p:nvSpPr>
+          <p:cNvPr id="134" name="Google Shape;134;g2e4bd76d78f_0_55:notes"/>
+          <p:cNvSpPr txBox="1"/>
+          <p:nvPr>
+            <p:ph idx="1" type="body"/>
+          </p:nvPr>
+        </p:nvSpPr>
+        <p:spPr>
+          <a:xfrm>
+            <a:off x="685800" y="4343400"/>
+            <a:ext cx="5486400" cy="4114800"/>
+          </a:xfrm>
+          <a:prstGeom prst="rect">
+            <a:avLst/>
+          </a:prstGeom>
+        </p:spPr>
+        <p:txBody>
+          <a:bodyPr anchorCtr="0" anchor="t" bIns="91425" lIns="91425" spcFirstLastPara="1" rIns="91425" wrap="square" tIns="91425">
+            <a:noAutofit/>
+          </a:bodyPr>
+          <a:lstStyle/>
+          <a:p>
+            <a:pPr indent="0" lvl="0" marL="0" rtl="0" algn="l">
+              <a:spcBef>
+                <a:spcPts val="0"/>
+              </a:spcBef>
+              <a:spcAft>
+                <a:spcPts val="0"/>
+              </a:spcAft>
+              <a:buNone/>
+            </a:pPr>
+            <a:r>
+              <a:t/>
+            </a:r>
+            <a:endParaRPr/>
+          </a:p>
+        </p:txBody>
+      </p:sp>
+    </p:spTree>
+  </p:cSld>
+  <p:clrMapOvr>
+    <a:masterClrMapping/>
+  </p:clrMapOvr>
+</p:notes>
+</file>
+
+<file path=ppt/notesSlides/notesSlide13.xml><?xml version="1.0" encoding="utf-8"?>
+<p:notes xmlns:a="http://schemas.openxmlformats.org/drawingml/2006/main" xmlns:r="http://schemas.openxmlformats.org/officeDocument/2006/relationships" xmlns:mc="http://schemas.openxmlformats.org/markup-compatibility/2006" xmlns:mv="urn:schemas-microsoft-com:mac:vml" xmlns:p="http://schemas.openxmlformats.org/presentationml/2006/main" xmlns:c="http://schemas.openxmlformats.org/drawingml/2006/chart" xmlns:dgm="http://schemas.openxmlformats.org/drawingml/2006/diagram" xmlns:o="urn:schemas-microsoft-com:office:office" xmlns:v="urn:schemas-microsoft-com:vml" xmlns:pvml="urn:schemas-microsoft-com:office:powerpoint" xmlns:com="http://schemas.openxmlformats.org/drawingml/2006/compatibility" xmlns:p14="http://schemas.microsoft.com/office/powerpoint/2010/main" xmlns:p15="http://schemas.microsoft.com/office/powerpoint/2012/main" xmlns:ahyp="http://schemas.microsoft.com/office/drawing/2018/hyperlinkcolor" showMasterPhAnim="0" showMasterSp="0">
+  <p:cSld>
+    <p:spTree>
+      <p:nvGrpSpPr>
+        <p:cNvPr id="139" name="Shape 139"/>
+        <p:cNvGrpSpPr/>
+        <p:nvPr/>
+      </p:nvGrpSpPr>
+      <p:grpSpPr>
+        <a:xfrm>
+          <a:off x="0" y="0"/>
+          <a:ext cx="0" cy="0"/>
+          <a:chOff x="0" y="0"/>
+          <a:chExt cx="0" cy="0"/>
+        </a:xfrm>
+      </p:grpSpPr>
+      <p:sp>
+        <p:nvSpPr>
+          <p:cNvPr id="140" name="Google Shape;140;g2e4bd76d78f_0_67:notes"/>
+          <p:cNvSpPr/>
+          <p:nvPr>
+            <p:ph idx="2" type="sldImg"/>
+          </p:nvPr>
+        </p:nvSpPr>
+        <p:spPr>
+          <a:xfrm>
+            <a:off x="381300" y="685800"/>
+            <a:ext cx="6096000" cy="3429000"/>
+          </a:xfrm>
+          <a:custGeom>
+            <a:rect b="b" l="l" r="r" t="t"/>
+            <a:pathLst>
+              <a:path extrusionOk="0" h="120000" w="120000">
+                <a:moveTo>
+                  <a:pt x="0" y="0"/>
+                </a:moveTo>
+                <a:lnTo>
+                  <a:pt x="120000" y="0"/>
+                </a:lnTo>
+                <a:lnTo>
+                  <a:pt x="120000" y="120000"/>
+                </a:lnTo>
+                <a:lnTo>
+                  <a:pt x="0" y="120000"/>
+                </a:lnTo>
+                <a:close/>
+              </a:path>
+            </a:pathLst>
+          </a:custGeom>
+        </p:spPr>
+      </p:sp>
+      <p:sp>
+        <p:nvSpPr>
+          <p:cNvPr id="141" name="Google Shape;141;g2e4bd76d78f_0_67:notes"/>
+          <p:cNvSpPr txBox="1"/>
+          <p:nvPr>
+            <p:ph idx="1" type="body"/>
+          </p:nvPr>
+        </p:nvSpPr>
+        <p:spPr>
+          <a:xfrm>
+            <a:off x="685800" y="4343400"/>
+            <a:ext cx="5486400" cy="4114800"/>
+          </a:xfrm>
+          <a:prstGeom prst="rect">
+            <a:avLst/>
+          </a:prstGeom>
+        </p:spPr>
+        <p:txBody>
+          <a:bodyPr anchorCtr="0" anchor="t" bIns="91425" lIns="91425" spcFirstLastPara="1" rIns="91425" wrap="square" tIns="91425">
+            <a:noAutofit/>
+          </a:bodyPr>
+          <a:lstStyle/>
+          <a:p>
+            <a:pPr indent="0" lvl="0" marL="0" rtl="0" algn="l">
+              <a:spcBef>
+                <a:spcPts val="0"/>
+              </a:spcBef>
+              <a:spcAft>
+                <a:spcPts val="0"/>
+              </a:spcAft>
+              <a:buNone/>
+            </a:pPr>
+            <a:r>
+              <a:t/>
+            </a:r>
+            <a:endParaRPr/>
+          </a:p>
+        </p:txBody>
+      </p:sp>
+    </p:spTree>
+  </p:cSld>
+  <p:clrMapOvr>
+    <a:masterClrMapping/>
+  </p:clrMapOvr>
+</p:notes>
+</file>
+
+<file path=ppt/notesSlides/notesSlide14.xml><?xml version="1.0" encoding="utf-8"?>
+<p:notes xmlns:a="http://schemas.openxmlformats.org/drawingml/2006/main" xmlns:r="http://schemas.openxmlformats.org/officeDocument/2006/relationships" xmlns:mc="http://schemas.openxmlformats.org/markup-compatibility/2006" xmlns:mv="urn:schemas-microsoft-com:mac:vml" xmlns:p="http://schemas.openxmlformats.org/presentationml/2006/main" xmlns:c="http://schemas.openxmlformats.org/drawingml/2006/chart" xmlns:dgm="http://schemas.openxmlformats.org/drawingml/2006/diagram" xmlns:o="urn:schemas-microsoft-com:office:office" xmlns:v="urn:schemas-microsoft-com:vml" xmlns:pvml="urn:schemas-microsoft-com:office:powerpoint" xmlns:com="http://schemas.openxmlformats.org/drawingml/2006/compatibility" xmlns:p14="http://schemas.microsoft.com/office/powerpoint/2010/main" xmlns:p15="http://schemas.microsoft.com/office/powerpoint/2012/main" xmlns:ahyp="http://schemas.microsoft.com/office/drawing/2018/hyperlinkcolor" showMasterPhAnim="0" showMasterSp="0">
+  <p:cSld>
+    <p:spTree>
+      <p:nvGrpSpPr>
+        <p:cNvPr id="146" name="Shape 146"/>
+        <p:cNvGrpSpPr/>
+        <p:nvPr/>
+      </p:nvGrpSpPr>
+      <p:grpSpPr>
+        <a:xfrm>
+          <a:off x="0" y="0"/>
+          <a:ext cx="0" cy="0"/>
+          <a:chOff x="0" y="0"/>
+          <a:chExt cx="0" cy="0"/>
+        </a:xfrm>
+      </p:grpSpPr>
+      <p:sp>
+        <p:nvSpPr>
+          <p:cNvPr id="147" name="Google Shape;147;g2e4bd76d78f_0_60:notes"/>
+          <p:cNvSpPr/>
+          <p:nvPr>
+            <p:ph idx="2" type="sldImg"/>
+          </p:nvPr>
+        </p:nvSpPr>
+        <p:spPr>
+          <a:xfrm>
+            <a:off x="381300" y="685800"/>
+            <a:ext cx="6096000" cy="3429000"/>
+          </a:xfrm>
+          <a:custGeom>
+            <a:rect b="b" l="l" r="r" t="t"/>
+            <a:pathLst>
+              <a:path extrusionOk="0" h="120000" w="120000">
+                <a:moveTo>
+                  <a:pt x="0" y="0"/>
+                </a:moveTo>
+                <a:lnTo>
+                  <a:pt x="120000" y="0"/>
+                </a:lnTo>
+                <a:lnTo>
+                  <a:pt x="120000" y="120000"/>
+                </a:lnTo>
+                <a:lnTo>
+                  <a:pt x="0" y="120000"/>
+                </a:lnTo>
+                <a:close/>
+              </a:path>
+            </a:pathLst>
+          </a:custGeom>
+        </p:spPr>
+      </p:sp>
+      <p:sp>
+        <p:nvSpPr>
+          <p:cNvPr id="148" name="Google Shape;148;g2e4bd76d78f_0_60:notes"/>
+          <p:cNvSpPr txBox="1"/>
+          <p:nvPr>
+            <p:ph idx="1" type="body"/>
+          </p:nvPr>
+        </p:nvSpPr>
+        <p:spPr>
+          <a:xfrm>
+            <a:off x="685800" y="4343400"/>
+            <a:ext cx="5486400" cy="4114800"/>
+          </a:xfrm>
+          <a:prstGeom prst="rect">
+            <a:avLst/>
+          </a:prstGeom>
+        </p:spPr>
+        <p:txBody>
+          <a:bodyPr anchorCtr="0" anchor="t" bIns="91425" lIns="91425" spcFirstLastPara="1" rIns="91425" wrap="square" tIns="91425">
+            <a:noAutofit/>
+          </a:bodyPr>
+          <a:lstStyle/>
+          <a:p>
+            <a:pPr indent="0" lvl="0" marL="0" rtl="0" algn="l">
+              <a:spcBef>
+                <a:spcPts val="0"/>
+              </a:spcBef>
+              <a:spcAft>
+                <a:spcPts val="0"/>
+              </a:spcAft>
+              <a:buNone/>
+            </a:pPr>
+            <a:r>
+              <a:t/>
+            </a:r>
+            <a:endParaRPr/>
+          </a:p>
+        </p:txBody>
+      </p:sp>
+    </p:spTree>
+  </p:cSld>
+  <p:clrMapOvr>
+    <a:masterClrMapping/>
+  </p:clrMapOvr>
+</p:notes>
+</file>
+
+<file path=ppt/notesSlides/notesSlide15.xml><?xml version="1.0" encoding="utf-8"?>
+<p:notes xmlns:a="http://schemas.openxmlformats.org/drawingml/2006/main" xmlns:r="http://schemas.openxmlformats.org/officeDocument/2006/relationships" xmlns:mc="http://schemas.openxmlformats.org/markup-compatibility/2006" xmlns:mv="urn:schemas-microsoft-com:mac:vml" xmlns:p="http://schemas.openxmlformats.org/presentationml/2006/main" xmlns:c="http://schemas.openxmlformats.org/drawingml/2006/chart" xmlns:dgm="http://schemas.openxmlformats.org/drawingml/2006/diagram" xmlns:o="urn:schemas-microsoft-com:office:office" xmlns:v="urn:schemas-microsoft-com:vml" xmlns:pvml="urn:schemas-microsoft-com:office:powerpoint" xmlns:com="http://schemas.openxmlformats.org/drawingml/2006/compatibility" xmlns:p14="http://schemas.microsoft.com/office/powerpoint/2010/main" xmlns:p15="http://schemas.microsoft.com/office/powerpoint/2012/main" xmlns:ahyp="http://schemas.microsoft.com/office/drawing/2018/hyperlinkcolor" showMasterPhAnim="0" showMasterSp="0">
+  <p:cSld>
+    <p:spTree>
+      <p:nvGrpSpPr>
+        <p:cNvPr id="153" name="Shape 153"/>
+        <p:cNvGrpSpPr/>
+        <p:nvPr/>
+      </p:nvGrpSpPr>
+      <p:grpSpPr>
+        <a:xfrm>
+          <a:off x="0" y="0"/>
+          <a:ext cx="0" cy="0"/>
+          <a:chOff x="0" y="0"/>
+          <a:chExt cx="0" cy="0"/>
+        </a:xfrm>
+      </p:grpSpPr>
+      <p:sp>
+        <p:nvSpPr>
+          <p:cNvPr id="154" name="Google Shape;154;g2e4bd76d78f_0_109:notes"/>
+          <p:cNvSpPr/>
+          <p:nvPr>
+            <p:ph idx="2" type="sldImg"/>
+          </p:nvPr>
+        </p:nvSpPr>
+        <p:spPr>
+          <a:xfrm>
+            <a:off x="381300" y="685800"/>
+            <a:ext cx="6096000" cy="3429000"/>
+          </a:xfrm>
+          <a:custGeom>
+            <a:rect b="b" l="l" r="r" t="t"/>
+            <a:pathLst>
+              <a:path extrusionOk="0" h="120000" w="120000">
+                <a:moveTo>
+                  <a:pt x="0" y="0"/>
+                </a:moveTo>
+                <a:lnTo>
+                  <a:pt x="120000" y="0"/>
+                </a:lnTo>
+                <a:lnTo>
+                  <a:pt x="120000" y="120000"/>
+                </a:lnTo>
+                <a:lnTo>
+                  <a:pt x="0" y="120000"/>
+                </a:lnTo>
+                <a:close/>
+              </a:path>
+            </a:pathLst>
+          </a:custGeom>
+        </p:spPr>
+      </p:sp>
+      <p:sp>
+        <p:nvSpPr>
+          <p:cNvPr id="155" name="Google Shape;155;g2e4bd76d78f_0_109:notes"/>
+          <p:cNvSpPr txBox="1"/>
+          <p:nvPr>
+            <p:ph idx="1" type="body"/>
+          </p:nvPr>
+        </p:nvSpPr>
+        <p:spPr>
+          <a:xfrm>
+            <a:off x="685800" y="4343400"/>
+            <a:ext cx="5486400" cy="4114800"/>
+          </a:xfrm>
+          <a:prstGeom prst="rect">
+            <a:avLst/>
+          </a:prstGeom>
+        </p:spPr>
+        <p:txBody>
+          <a:bodyPr anchorCtr="0" anchor="t" bIns="91425" lIns="91425" spcFirstLastPara="1" rIns="91425" wrap="square" tIns="91425">
+            <a:noAutofit/>
+          </a:bodyPr>
+          <a:lstStyle/>
+          <a:p>
+            <a:pPr indent="0" lvl="0" marL="0" rtl="0" algn="l">
+              <a:spcBef>
+                <a:spcPts val="0"/>
+              </a:spcBef>
+              <a:spcAft>
+                <a:spcPts val="0"/>
+              </a:spcAft>
+              <a:buNone/>
+            </a:pPr>
+            <a:r>
+              <a:t/>
+            </a:r>
+            <a:endParaRPr/>
+          </a:p>
+        </p:txBody>
+      </p:sp>
+    </p:spTree>
+  </p:cSld>
+  <p:clrMapOvr>
+    <a:masterClrMapping/>
+  </p:clrMapOvr>
+</p:notes>
+</file>
+
+<file path=ppt/notesSlides/notesSlide16.xml><?xml version="1.0" encoding="utf-8"?>
+<p:notes xmlns:a="http://schemas.openxmlformats.org/drawingml/2006/main" xmlns:r="http://schemas.openxmlformats.org/officeDocument/2006/relationships" xmlns:mc="http://schemas.openxmlformats.org/markup-compatibility/2006" xmlns:mv="urn:schemas-microsoft-com:mac:vml" xmlns:p="http://schemas.openxmlformats.org/presentationml/2006/main" xmlns:c="http://schemas.openxmlformats.org/drawingml/2006/chart" xmlns:dgm="http://schemas.openxmlformats.org/drawingml/2006/diagram" xmlns:o="urn:schemas-microsoft-com:office:office" xmlns:v="urn:schemas-microsoft-com:vml" xmlns:pvml="urn:schemas-microsoft-com:office:powerpoint" xmlns:com="http://schemas.openxmlformats.org/drawingml/2006/compatibility" xmlns:p14="http://schemas.microsoft.com/office/powerpoint/2010/main" xmlns:p15="http://schemas.microsoft.com/office/powerpoint/2012/main" xmlns:ahyp="http://schemas.microsoft.com/office/drawing/2018/hyperlinkcolor" showMasterPhAnim="0" showMasterSp="0">
+  <p:cSld>
+    <p:spTree>
+      <p:nvGrpSpPr>
+        <p:cNvPr id="160" name="Shape 160"/>
+        <p:cNvGrpSpPr/>
+        <p:nvPr/>
+      </p:nvGrpSpPr>
+      <p:grpSpPr>
+        <a:xfrm>
+          <a:off x="0" y="0"/>
+          <a:ext cx="0" cy="0"/>
+          <a:chOff x="0" y="0"/>
+          <a:chExt cx="0" cy="0"/>
+        </a:xfrm>
+      </p:grpSpPr>
+      <p:sp>
+        <p:nvSpPr>
+          <p:cNvPr id="161" name="Google Shape;161;g2e4bd76d78f_0_98:notes"/>
+          <p:cNvSpPr/>
+          <p:nvPr>
+            <p:ph idx="2" type="sldImg"/>
+          </p:nvPr>
+        </p:nvSpPr>
+        <p:spPr>
+          <a:xfrm>
+            <a:off x="381300" y="685800"/>
+            <a:ext cx="6096000" cy="3429000"/>
+          </a:xfrm>
+          <a:custGeom>
+            <a:rect b="b" l="l" r="r" t="t"/>
+            <a:pathLst>
+              <a:path extrusionOk="0" h="120000" w="120000">
+                <a:moveTo>
+                  <a:pt x="0" y="0"/>
+                </a:moveTo>
+                <a:lnTo>
+                  <a:pt x="120000" y="0"/>
+                </a:lnTo>
+                <a:lnTo>
+                  <a:pt x="120000" y="120000"/>
+                </a:lnTo>
+                <a:lnTo>
+                  <a:pt x="0" y="120000"/>
+                </a:lnTo>
+                <a:close/>
+              </a:path>
+            </a:pathLst>
+          </a:custGeom>
+        </p:spPr>
+      </p:sp>
+      <p:sp>
+        <p:nvSpPr>
+          <p:cNvPr id="162" name="Google Shape;162;g2e4bd76d78f_0_98:notes"/>
+          <p:cNvSpPr txBox="1"/>
+          <p:nvPr>
+            <p:ph idx="1" type="body"/>
+          </p:nvPr>
+        </p:nvSpPr>
+        <p:spPr>
+          <a:xfrm>
+            <a:off x="685800" y="4343400"/>
+            <a:ext cx="5486400" cy="4114800"/>
+          </a:xfrm>
+          <a:prstGeom prst="rect">
+            <a:avLst/>
+          </a:prstGeom>
+        </p:spPr>
+        <p:txBody>
+          <a:bodyPr anchorCtr="0" anchor="t" bIns="91425" lIns="91425" spcFirstLastPara="1" rIns="91425" wrap="square" tIns="91425">
+            <a:noAutofit/>
+          </a:bodyPr>
+          <a:lstStyle/>
+          <a:p>
+            <a:pPr indent="0" lvl="0" marL="0" rtl="0" algn="l">
+              <a:spcBef>
+                <a:spcPts val="0"/>
+              </a:spcBef>
+              <a:spcAft>
+                <a:spcPts val="0"/>
+              </a:spcAft>
+              <a:buNone/>
+            </a:pPr>
+            <a:r>
+              <a:t/>
+            </a:r>
+            <a:endParaRPr/>
+          </a:p>
+        </p:txBody>
+      </p:sp>
+    </p:spTree>
+  </p:cSld>
+  <p:clrMapOvr>
+    <a:masterClrMapping/>
+  </p:clrMapOvr>
+</p:notes>
+</file>
+
+<file path=ppt/notesSlides/notesSlide17.xml><?xml version="1.0" encoding="utf-8"?>
+<p:notes xmlns:a="http://schemas.openxmlformats.org/drawingml/2006/main" xmlns:r="http://schemas.openxmlformats.org/officeDocument/2006/relationships" xmlns:mc="http://schemas.openxmlformats.org/markup-compatibility/2006" xmlns:mv="urn:schemas-microsoft-com:mac:vml" xmlns:p="http://schemas.openxmlformats.org/presentationml/2006/main" xmlns:c="http://schemas.openxmlformats.org/drawingml/2006/chart" xmlns:dgm="http://schemas.openxmlformats.org/drawingml/2006/diagram" xmlns:o="urn:schemas-microsoft-com:office:office" xmlns:v="urn:schemas-microsoft-com:vml" xmlns:pvml="urn:schemas-microsoft-com:office:powerpoint" xmlns:com="http://schemas.openxmlformats.org/drawingml/2006/compatibility" xmlns:p14="http://schemas.microsoft.com/office/powerpoint/2010/main" xmlns:p15="http://schemas.microsoft.com/office/powerpoint/2012/main" xmlns:ahyp="http://schemas.microsoft.com/office/drawing/2018/hyperlinkcolor" showMasterPhAnim="0" showMasterSp="0">
+  <p:cSld>
+    <p:spTree>
+      <p:nvGrpSpPr>
+        <p:cNvPr id="167" name="Shape 167"/>
+        <p:cNvGrpSpPr/>
+        <p:nvPr/>
+      </p:nvGrpSpPr>
+      <p:grpSpPr>
+        <a:xfrm>
+          <a:off x="0" y="0"/>
+          <a:ext cx="0" cy="0"/>
+          <a:chOff x="0" y="0"/>
+          <a:chExt cx="0" cy="0"/>
+        </a:xfrm>
+      </p:grpSpPr>
+      <p:sp>
+        <p:nvSpPr>
+          <p:cNvPr id="168" name="Google Shape;168;g2e4bd76d78f_0_103:notes"/>
+          <p:cNvSpPr/>
+          <p:nvPr>
+            <p:ph idx="2" type="sldImg"/>
+          </p:nvPr>
+        </p:nvSpPr>
+        <p:spPr>
+          <a:xfrm>
+            <a:off x="381300" y="685800"/>
+            <a:ext cx="6096000" cy="3429000"/>
+          </a:xfrm>
+          <a:custGeom>
+            <a:rect b="b" l="l" r="r" t="t"/>
+            <a:pathLst>
+              <a:path extrusionOk="0" h="120000" w="120000">
+                <a:moveTo>
+                  <a:pt x="0" y="0"/>
+                </a:moveTo>
+                <a:lnTo>
+                  <a:pt x="120000" y="0"/>
+                </a:lnTo>
+                <a:lnTo>
+                  <a:pt x="120000" y="120000"/>
+                </a:lnTo>
+                <a:lnTo>
+                  <a:pt x="0" y="120000"/>
+                </a:lnTo>
+                <a:close/>
+              </a:path>
+            </a:pathLst>
+          </a:custGeom>
+        </p:spPr>
+      </p:sp>
+      <p:sp>
+        <p:nvSpPr>
+          <p:cNvPr id="169" name="Google Shape;169;g2e4bd76d78f_0_103:notes"/>
+          <p:cNvSpPr txBox="1"/>
+          <p:nvPr>
+            <p:ph idx="1" type="body"/>
+          </p:nvPr>
+        </p:nvSpPr>
+        <p:spPr>
+          <a:xfrm>
+            <a:off x="685800" y="4343400"/>
+            <a:ext cx="5486400" cy="4114800"/>
+          </a:xfrm>
+          <a:prstGeom prst="rect">
+            <a:avLst/>
+          </a:prstGeom>
+        </p:spPr>
+        <p:txBody>
+          <a:bodyPr anchorCtr="0" anchor="t" bIns="91425" lIns="91425" spcFirstLastPara="1" rIns="91425" wrap="square" tIns="91425">
+            <a:noAutofit/>
+          </a:bodyPr>
+          <a:lstStyle/>
+          <a:p>
+            <a:pPr indent="0" lvl="0" marL="0" rtl="0" algn="l">
+              <a:spcBef>
+                <a:spcPts val="0"/>
+              </a:spcBef>
+              <a:spcAft>
+                <a:spcPts val="0"/>
+              </a:spcAft>
+              <a:buNone/>
+            </a:pPr>
+            <a:r>
+              <a:t/>
+            </a:r>
+            <a:endParaRPr/>
+          </a:p>
+        </p:txBody>
+      </p:sp>
+    </p:spTree>
+  </p:cSld>
+  <p:clrMapOvr>
+    <a:masterClrMapping/>
+  </p:clrMapOvr>
+</p:notes>
+</file>
+
+<file path=ppt/notesSlides/notesSlide18.xml><?xml version="1.0" encoding="utf-8"?>
+<p:notes xmlns:a="http://schemas.openxmlformats.org/drawingml/2006/main" xmlns:r="http://schemas.openxmlformats.org/officeDocument/2006/relationships" xmlns:mc="http://schemas.openxmlformats.org/markup-compatibility/2006" xmlns:mv="urn:schemas-microsoft-com:mac:vml" xmlns:p="http://schemas.openxmlformats.org/presentationml/2006/main" xmlns:c="http://schemas.openxmlformats.org/drawingml/2006/chart" xmlns:dgm="http://schemas.openxmlformats.org/drawingml/2006/diagram" xmlns:o="urn:schemas-microsoft-com:office:office" xmlns:v="urn:schemas-microsoft-com:vml" xmlns:pvml="urn:schemas-microsoft-com:office:powerpoint" xmlns:com="http://schemas.openxmlformats.org/drawingml/2006/compatibility" xmlns:p14="http://schemas.microsoft.com/office/powerpoint/2010/main" xmlns:p15="http://schemas.microsoft.com/office/powerpoint/2012/main" xmlns:ahyp="http://schemas.microsoft.com/office/drawing/2018/hyperlinkcolor" showMasterPhAnim="0" showMasterSp="0">
+  <p:cSld>
+    <p:spTree>
+      <p:nvGrpSpPr>
+        <p:cNvPr id="174" name="Shape 174"/>
+        <p:cNvGrpSpPr/>
+        <p:nvPr/>
+      </p:nvGrpSpPr>
+      <p:grpSpPr>
+        <a:xfrm>
+          <a:off x="0" y="0"/>
+          <a:ext cx="0" cy="0"/>
+          <a:chOff x="0" y="0"/>
+          <a:chExt cx="0" cy="0"/>
+        </a:xfrm>
+      </p:grpSpPr>
+      <p:sp>
+        <p:nvSpPr>
+          <p:cNvPr id="175" name="Google Shape;175;g2e4bd76d78f_0_117:notes"/>
+          <p:cNvSpPr/>
+          <p:nvPr>
+            <p:ph idx="2" type="sldImg"/>
+          </p:nvPr>
+        </p:nvSpPr>
+        <p:spPr>
+          <a:xfrm>
+            <a:off x="381300" y="685800"/>
+            <a:ext cx="6096000" cy="3429000"/>
+          </a:xfrm>
+          <a:custGeom>
+            <a:rect b="b" l="l" r="r" t="t"/>
+            <a:pathLst>
+              <a:path extrusionOk="0" h="120000" w="120000">
+                <a:moveTo>
+                  <a:pt x="0" y="0"/>
+                </a:moveTo>
+                <a:lnTo>
+                  <a:pt x="120000" y="0"/>
+                </a:lnTo>
+                <a:lnTo>
+                  <a:pt x="120000" y="120000"/>
+                </a:lnTo>
+                <a:lnTo>
+                  <a:pt x="0" y="120000"/>
+                </a:lnTo>
+                <a:close/>
+              </a:path>
+            </a:pathLst>
+          </a:custGeom>
+        </p:spPr>
+      </p:sp>
+      <p:sp>
+        <p:nvSpPr>
+          <p:cNvPr id="176" name="Google Shape;176;g2e4bd76d78f_0_117:notes"/>
+          <p:cNvSpPr txBox="1"/>
+          <p:nvPr>
+            <p:ph idx="1" type="body"/>
+          </p:nvPr>
+        </p:nvSpPr>
+        <p:spPr>
+          <a:xfrm>
+            <a:off x="685800" y="4343400"/>
+            <a:ext cx="5486400" cy="4114800"/>
+          </a:xfrm>
+          <a:prstGeom prst="rect">
+            <a:avLst/>
+          </a:prstGeom>
+        </p:spPr>
+        <p:txBody>
+          <a:bodyPr anchorCtr="0" anchor="t" bIns="91425" lIns="91425" spcFirstLastPara="1" rIns="91425" wrap="square" tIns="91425">
+            <a:noAutofit/>
+          </a:bodyPr>
+          <a:lstStyle/>
+          <a:p>
+            <a:pPr indent="0" lvl="0" marL="0" rtl="0" algn="l">
+              <a:spcBef>
+                <a:spcPts val="0"/>
+              </a:spcBef>
+              <a:spcAft>
+                <a:spcPts val="0"/>
+              </a:spcAft>
+              <a:buNone/>
+            </a:pPr>
+            <a:r>
+              <a:t/>
+            </a:r>
+            <a:endParaRPr/>
+          </a:p>
+        </p:txBody>
+      </p:sp>
+    </p:spTree>
+  </p:cSld>
+  <p:clrMapOvr>
+    <a:masterClrMapping/>
+  </p:clrMapOvr>
+</p:notes>
+</file>
+
+<file path=ppt/notesSlides/notesSlide19.xml><?xml version="1.0" encoding="utf-8"?>
+<p:notes xmlns:a="http://schemas.openxmlformats.org/drawingml/2006/main" xmlns:r="http://schemas.openxmlformats.org/officeDocument/2006/relationships" xmlns:mc="http://schemas.openxmlformats.org/markup-compatibility/2006" xmlns:mv="urn:schemas-microsoft-com:mac:vml" xmlns:p="http://schemas.openxmlformats.org/presentationml/2006/main" xmlns:c="http://schemas.openxmlformats.org/drawingml/2006/chart" xmlns:dgm="http://schemas.openxmlformats.org/drawingml/2006/diagram" xmlns:o="urn:schemas-microsoft-com:office:office" xmlns:v="urn:schemas-microsoft-com:vml" xmlns:pvml="urn:schemas-microsoft-com:office:powerpoint" xmlns:com="http://schemas.openxmlformats.org/drawingml/2006/compatibility" xmlns:p14="http://schemas.microsoft.com/office/powerpoint/2010/main" xmlns:p15="http://schemas.microsoft.com/office/powerpoint/2012/main" xmlns:ahyp="http://schemas.microsoft.com/office/drawing/2018/hyperlinkcolor" showMasterPhAnim="0" showMasterSp="0">
+  <p:cSld>
+    <p:spTree>
+      <p:nvGrpSpPr>
+        <p:cNvPr id="182" name="Shape 182"/>
+        <p:cNvGrpSpPr/>
+        <p:nvPr/>
+      </p:nvGrpSpPr>
+      <p:grpSpPr>
+        <a:xfrm>
+          <a:off x="0" y="0"/>
+          <a:ext cx="0" cy="0"/>
+          <a:chOff x="0" y="0"/>
+          <a:chExt cx="0" cy="0"/>
+        </a:xfrm>
+      </p:grpSpPr>
+      <p:sp>
+        <p:nvSpPr>
+          <p:cNvPr id="183" name="Google Shape;183;g2e4bd76d78f_0_128:notes"/>
+          <p:cNvSpPr/>
+          <p:nvPr>
+            <p:ph idx="2" type="sldImg"/>
+          </p:nvPr>
+        </p:nvSpPr>
+        <p:spPr>
+          <a:xfrm>
+            <a:off x="381300" y="685800"/>
+            <a:ext cx="6096000" cy="3429000"/>
+          </a:xfrm>
+          <a:custGeom>
+            <a:rect b="b" l="l" r="r" t="t"/>
+            <a:pathLst>
+              <a:path extrusionOk="0" h="120000" w="120000">
+                <a:moveTo>
+                  <a:pt x="0" y="0"/>
+                </a:moveTo>
+                <a:lnTo>
+                  <a:pt x="120000" y="0"/>
+                </a:lnTo>
+                <a:lnTo>
+                  <a:pt x="120000" y="120000"/>
+                </a:lnTo>
+                <a:lnTo>
+                  <a:pt x="0" y="120000"/>
+                </a:lnTo>
+                <a:close/>
+              </a:path>
+            </a:pathLst>
+          </a:custGeom>
+        </p:spPr>
+      </p:sp>
+      <p:sp>
+        <p:nvSpPr>
+          <p:cNvPr id="184" name="Google Shape;184;g2e4bd76d78f_0_128:notes"/>
+          <p:cNvSpPr txBox="1"/>
+          <p:nvPr>
+            <p:ph idx="1" type="body"/>
+          </p:nvPr>
+        </p:nvSpPr>
+        <p:spPr>
+          <a:xfrm>
+            <a:off x="685800" y="4343400"/>
+            <a:ext cx="5486400" cy="4114800"/>
+          </a:xfrm>
+          <a:prstGeom prst="rect">
+            <a:avLst/>
+          </a:prstGeom>
+        </p:spPr>
+        <p:txBody>
+          <a:bodyPr anchorCtr="0" anchor="t" bIns="91425" lIns="91425" spcFirstLastPara="1" rIns="91425" wrap="square" tIns="91425">
+            <a:noAutofit/>
+          </a:bodyPr>
+          <a:lstStyle/>
+          <a:p>
+            <a:pPr indent="0" lvl="0" marL="0" rtl="0" algn="l">
+              <a:spcBef>
+                <a:spcPts val="0"/>
+              </a:spcBef>
+              <a:spcAft>
+                <a:spcPts val="0"/>
+              </a:spcAft>
+              <a:buNone/>
+            </a:pPr>
+            <a:r>
+              <a:t/>
+            </a:r>
+            <a:endParaRPr/>
+          </a:p>
+        </p:txBody>
+      </p:sp>
+    </p:spTree>
+  </p:cSld>
+  <p:clrMapOvr>
+    <a:masterClrMapping/>
+  </p:clrMapOvr>
+</p:notes>
+</file>
+
 <file path=ppt/notesSlides/notesSlide2.xml><?xml version="1.0" encoding="utf-8"?>
 <p:notes xmlns:a="http://schemas.openxmlformats.org/drawingml/2006/main" xmlns:r="http://schemas.openxmlformats.org/officeDocument/2006/relationships" xmlns:mc="http://schemas.openxmlformats.org/markup-compatibility/2006" xmlns:mv="urn:schemas-microsoft-com:mac:vml" xmlns:p="http://schemas.openxmlformats.org/presentationml/2006/main" xmlns:c="http://schemas.openxmlformats.org/drawingml/2006/chart" xmlns:dgm="http://schemas.openxmlformats.org/drawingml/2006/diagram" xmlns:o="urn:schemas-microsoft-com:office:office" xmlns:v="urn:schemas-microsoft-com:vml" xmlns:pvml="urn:schemas-microsoft-com:office:powerpoint" xmlns:com="http://schemas.openxmlformats.org/drawingml/2006/compatibility" xmlns:p14="http://schemas.microsoft.com/office/powerpoint/2010/main" xmlns:p15="http://schemas.microsoft.com/office/powerpoint/2012/main" xmlns:ahyp="http://schemas.microsoft.com/office/drawing/2018/hyperlinkcolor" showMasterPhAnim="0" showMasterSp="0">
   <p:cSld>
@@ -853,6 +1857,105 @@
       <p:sp>
         <p:nvSpPr>
           <p:cNvPr id="63" name="Google Shape;63;g26bb495966a_0_55:notes"/>
+          <p:cNvSpPr txBox="1"/>
+          <p:nvPr>
+            <p:ph idx="1" type="body"/>
+          </p:nvPr>
+        </p:nvSpPr>
+        <p:spPr>
+          <a:xfrm>
+            <a:off x="685800" y="4343400"/>
+            <a:ext cx="5486400" cy="4114800"/>
+          </a:xfrm>
+          <a:prstGeom prst="rect">
+            <a:avLst/>
+          </a:prstGeom>
+        </p:spPr>
+        <p:txBody>
+          <a:bodyPr anchorCtr="0" anchor="t" bIns="91425" lIns="91425" spcFirstLastPara="1" rIns="91425" wrap="square" tIns="91425">
+            <a:noAutofit/>
+          </a:bodyPr>
+          <a:lstStyle/>
+          <a:p>
+            <a:pPr indent="0" lvl="0" marL="0" rtl="0" algn="l">
+              <a:spcBef>
+                <a:spcPts val="0"/>
+              </a:spcBef>
+              <a:spcAft>
+                <a:spcPts val="0"/>
+              </a:spcAft>
+              <a:buNone/>
+            </a:pPr>
+            <a:r>
+              <a:t/>
+            </a:r>
+            <a:endParaRPr/>
+          </a:p>
+        </p:txBody>
+      </p:sp>
+    </p:spTree>
+  </p:cSld>
+  <p:clrMapOvr>
+    <a:masterClrMapping/>
+  </p:clrMapOvr>
+</p:notes>
+</file>
+
+<file path=ppt/notesSlides/notesSlide20.xml><?xml version="1.0" encoding="utf-8"?>
+<p:notes xmlns:a="http://schemas.openxmlformats.org/drawingml/2006/main" xmlns:r="http://schemas.openxmlformats.org/officeDocument/2006/relationships" xmlns:mc="http://schemas.openxmlformats.org/markup-compatibility/2006" xmlns:mv="urn:schemas-microsoft-com:mac:vml" xmlns:p="http://schemas.openxmlformats.org/presentationml/2006/main" xmlns:c="http://schemas.openxmlformats.org/drawingml/2006/chart" xmlns:dgm="http://schemas.openxmlformats.org/drawingml/2006/diagram" xmlns:o="urn:schemas-microsoft-com:office:office" xmlns:v="urn:schemas-microsoft-com:vml" xmlns:pvml="urn:schemas-microsoft-com:office:powerpoint" xmlns:com="http://schemas.openxmlformats.org/drawingml/2006/compatibility" xmlns:p14="http://schemas.microsoft.com/office/powerpoint/2010/main" xmlns:p15="http://schemas.microsoft.com/office/powerpoint/2012/main" xmlns:ahyp="http://schemas.microsoft.com/office/drawing/2018/hyperlinkcolor" showMasterPhAnim="0" showMasterSp="0">
+  <p:cSld>
+    <p:spTree>
+      <p:nvGrpSpPr>
+        <p:cNvPr id="189" name="Shape 189"/>
+        <p:cNvGrpSpPr/>
+        <p:nvPr/>
+      </p:nvGrpSpPr>
+      <p:grpSpPr>
+        <a:xfrm>
+          <a:off x="0" y="0"/>
+          <a:ext cx="0" cy="0"/>
+          <a:chOff x="0" y="0"/>
+          <a:chExt cx="0" cy="0"/>
+        </a:xfrm>
+      </p:grpSpPr>
+      <p:sp>
+        <p:nvSpPr>
+          <p:cNvPr id="190" name="Google Shape;190;g26bb495966a_3_11:notes"/>
+          <p:cNvSpPr/>
+          <p:nvPr>
+            <p:ph idx="2" type="sldImg"/>
+          </p:nvPr>
+        </p:nvSpPr>
+        <p:spPr>
+          <a:xfrm>
+            <a:off x="381300" y="685800"/>
+            <a:ext cx="6096000" cy="3429000"/>
+          </a:xfrm>
+          <a:custGeom>
+            <a:rect b="b" l="l" r="r" t="t"/>
+            <a:pathLst>
+              <a:path extrusionOk="0" h="120000" w="120000">
+                <a:moveTo>
+                  <a:pt x="0" y="0"/>
+                </a:moveTo>
+                <a:lnTo>
+                  <a:pt x="120000" y="0"/>
+                </a:lnTo>
+                <a:lnTo>
+                  <a:pt x="120000" y="120000"/>
+                </a:lnTo>
+                <a:lnTo>
+                  <a:pt x="0" y="120000"/>
+                </a:lnTo>
+                <a:close/>
+              </a:path>
+            </a:pathLst>
+          </a:custGeom>
+        </p:spPr>
+      </p:sp>
+      <p:sp>
+        <p:nvSpPr>
+          <p:cNvPr id="191" name="Google Shape;191;g26bb495966a_3_11:notes"/>
           <p:cNvSpPr txBox="1"/>
           <p:nvPr>
             <p:ph idx="1" type="body"/>
@@ -916,7 +2019,7 @@
       </p:grpSpPr>
       <p:sp>
         <p:nvSpPr>
-          <p:cNvPr id="70" name="Google Shape;70;g26bb495966a_2_5:notes"/>
+          <p:cNvPr id="70" name="Google Shape;70;g2e4bd76d78f_0_74:notes"/>
           <p:cNvSpPr/>
           <p:nvPr>
             <p:ph idx="2" type="sldImg"/>
@@ -951,7 +2054,7 @@
       </p:sp>
       <p:sp>
         <p:nvSpPr>
-          <p:cNvPr id="71" name="Google Shape;71;g26bb495966a_2_5:notes"/>
+          <p:cNvPr id="71" name="Google Shape;71;g2e4bd76d78f_0_74:notes"/>
           <p:cNvSpPr txBox="1"/>
           <p:nvPr>
             <p:ph idx="1" type="body"/>
@@ -1001,7 +2104,7 @@
   <p:cSld>
     <p:spTree>
       <p:nvGrpSpPr>
-        <p:cNvPr id="80" name="Shape 80"/>
+        <p:cNvPr id="76" name="Shape 76"/>
         <p:cNvGrpSpPr/>
         <p:nvPr/>
       </p:nvGrpSpPr>
@@ -1015,7 +2118,7 @@
       </p:grpSpPr>
       <p:sp>
         <p:nvSpPr>
-          <p:cNvPr id="81" name="Google Shape;81;g2734becc3f4_1_5:notes"/>
+          <p:cNvPr id="77" name="Google Shape;77;g2e4bd76d78f_0_90:notes"/>
           <p:cNvSpPr/>
           <p:nvPr>
             <p:ph idx="2" type="sldImg"/>
@@ -1050,7 +2153,7 @@
       </p:sp>
       <p:sp>
         <p:nvSpPr>
-          <p:cNvPr id="82" name="Google Shape;82;g2734becc3f4_1_5:notes"/>
+          <p:cNvPr id="78" name="Google Shape;78;g2e4bd76d78f_0_90:notes"/>
           <p:cNvSpPr txBox="1"/>
           <p:nvPr>
             <p:ph idx="1" type="body"/>
@@ -1100,7 +2203,7 @@
   <p:cSld>
     <p:spTree>
       <p:nvGrpSpPr>
-        <p:cNvPr id="89" name="Shape 89"/>
+        <p:cNvPr id="83" name="Shape 83"/>
         <p:cNvGrpSpPr/>
         <p:nvPr/>
       </p:nvGrpSpPr>
@@ -1114,7 +2217,7 @@
       </p:grpSpPr>
       <p:sp>
         <p:nvSpPr>
-          <p:cNvPr id="90" name="Google Shape;90;g26bb495966a_3_2:notes"/>
+          <p:cNvPr id="84" name="Google Shape;84;g2e4bd76d78f_0_85:notes"/>
           <p:cNvSpPr/>
           <p:nvPr>
             <p:ph idx="2" type="sldImg"/>
@@ -1149,7 +2252,7 @@
       </p:sp>
       <p:sp>
         <p:nvSpPr>
-          <p:cNvPr id="91" name="Google Shape;91;g26bb495966a_3_2:notes"/>
+          <p:cNvPr id="85" name="Google Shape;85;g2e4bd76d78f_0_85:notes"/>
           <p:cNvSpPr txBox="1"/>
           <p:nvPr>
             <p:ph idx="1" type="body"/>
@@ -1199,7 +2302,7 @@
   <p:cSld>
     <p:spTree>
       <p:nvGrpSpPr>
-        <p:cNvPr id="102" name="Shape 102"/>
+        <p:cNvPr id="90" name="Shape 90"/>
         <p:cNvGrpSpPr/>
         <p:nvPr/>
       </p:nvGrpSpPr>
@@ -1213,7 +2316,7 @@
       </p:grpSpPr>
       <p:sp>
         <p:nvSpPr>
-          <p:cNvPr id="103" name="Google Shape;103;g26bb495966a_3_11:notes"/>
+          <p:cNvPr id="91" name="Google Shape;91;g26bb495966a_2_5:notes"/>
           <p:cNvSpPr/>
           <p:nvPr>
             <p:ph idx="2" type="sldImg"/>
@@ -1248,7 +2351,304 @@
       </p:sp>
       <p:sp>
         <p:nvSpPr>
-          <p:cNvPr id="104" name="Google Shape;104;g26bb495966a_3_11:notes"/>
+          <p:cNvPr id="92" name="Google Shape;92;g26bb495966a_2_5:notes"/>
+          <p:cNvSpPr txBox="1"/>
+          <p:nvPr>
+            <p:ph idx="1" type="body"/>
+          </p:nvPr>
+        </p:nvSpPr>
+        <p:spPr>
+          <a:xfrm>
+            <a:off x="685800" y="4343400"/>
+            <a:ext cx="5486400" cy="4114800"/>
+          </a:xfrm>
+          <a:prstGeom prst="rect">
+            <a:avLst/>
+          </a:prstGeom>
+        </p:spPr>
+        <p:txBody>
+          <a:bodyPr anchorCtr="0" anchor="t" bIns="91425" lIns="91425" spcFirstLastPara="1" rIns="91425" wrap="square" tIns="91425">
+            <a:noAutofit/>
+          </a:bodyPr>
+          <a:lstStyle/>
+          <a:p>
+            <a:pPr indent="0" lvl="0" marL="0" rtl="0" algn="l">
+              <a:spcBef>
+                <a:spcPts val="0"/>
+              </a:spcBef>
+              <a:spcAft>
+                <a:spcPts val="0"/>
+              </a:spcAft>
+              <a:buNone/>
+            </a:pPr>
+            <a:r>
+              <a:t/>
+            </a:r>
+            <a:endParaRPr/>
+          </a:p>
+        </p:txBody>
+      </p:sp>
+    </p:spTree>
+  </p:cSld>
+  <p:clrMapOvr>
+    <a:masterClrMapping/>
+  </p:clrMapOvr>
+</p:notes>
+</file>
+
+<file path=ppt/notesSlides/notesSlide7.xml><?xml version="1.0" encoding="utf-8"?>
+<p:notes xmlns:a="http://schemas.openxmlformats.org/drawingml/2006/main" xmlns:r="http://schemas.openxmlformats.org/officeDocument/2006/relationships" xmlns:mc="http://schemas.openxmlformats.org/markup-compatibility/2006" xmlns:mv="urn:schemas-microsoft-com:mac:vml" xmlns:p="http://schemas.openxmlformats.org/presentationml/2006/main" xmlns:c="http://schemas.openxmlformats.org/drawingml/2006/chart" xmlns:dgm="http://schemas.openxmlformats.org/drawingml/2006/diagram" xmlns:o="urn:schemas-microsoft-com:office:office" xmlns:v="urn:schemas-microsoft-com:vml" xmlns:pvml="urn:schemas-microsoft-com:office:powerpoint" xmlns:com="http://schemas.openxmlformats.org/drawingml/2006/compatibility" xmlns:p14="http://schemas.microsoft.com/office/powerpoint/2010/main" xmlns:p15="http://schemas.microsoft.com/office/powerpoint/2012/main" xmlns:ahyp="http://schemas.microsoft.com/office/drawing/2018/hyperlinkcolor" showMasterPhAnim="0" showMasterSp="0">
+  <p:cSld>
+    <p:spTree>
+      <p:nvGrpSpPr>
+        <p:cNvPr id="97" name="Shape 97"/>
+        <p:cNvGrpSpPr/>
+        <p:nvPr/>
+      </p:nvGrpSpPr>
+      <p:grpSpPr>
+        <a:xfrm>
+          <a:off x="0" y="0"/>
+          <a:ext cx="0" cy="0"/>
+          <a:chOff x="0" y="0"/>
+          <a:chExt cx="0" cy="0"/>
+        </a:xfrm>
+      </p:grpSpPr>
+      <p:sp>
+        <p:nvSpPr>
+          <p:cNvPr id="98" name="Google Shape;98;g2e4bd76d78f_0_2:notes"/>
+          <p:cNvSpPr/>
+          <p:nvPr>
+            <p:ph idx="2" type="sldImg"/>
+          </p:nvPr>
+        </p:nvSpPr>
+        <p:spPr>
+          <a:xfrm>
+            <a:off x="381300" y="685800"/>
+            <a:ext cx="6096000" cy="3429000"/>
+          </a:xfrm>
+          <a:custGeom>
+            <a:rect b="b" l="l" r="r" t="t"/>
+            <a:pathLst>
+              <a:path extrusionOk="0" h="120000" w="120000">
+                <a:moveTo>
+                  <a:pt x="0" y="0"/>
+                </a:moveTo>
+                <a:lnTo>
+                  <a:pt x="120000" y="0"/>
+                </a:lnTo>
+                <a:lnTo>
+                  <a:pt x="120000" y="120000"/>
+                </a:lnTo>
+                <a:lnTo>
+                  <a:pt x="0" y="120000"/>
+                </a:lnTo>
+                <a:close/>
+              </a:path>
+            </a:pathLst>
+          </a:custGeom>
+        </p:spPr>
+      </p:sp>
+      <p:sp>
+        <p:nvSpPr>
+          <p:cNvPr id="99" name="Google Shape;99;g2e4bd76d78f_0_2:notes"/>
+          <p:cNvSpPr txBox="1"/>
+          <p:nvPr>
+            <p:ph idx="1" type="body"/>
+          </p:nvPr>
+        </p:nvSpPr>
+        <p:spPr>
+          <a:xfrm>
+            <a:off x="685800" y="4343400"/>
+            <a:ext cx="5486400" cy="4114800"/>
+          </a:xfrm>
+          <a:prstGeom prst="rect">
+            <a:avLst/>
+          </a:prstGeom>
+        </p:spPr>
+        <p:txBody>
+          <a:bodyPr anchorCtr="0" anchor="t" bIns="91425" lIns="91425" spcFirstLastPara="1" rIns="91425" wrap="square" tIns="91425">
+            <a:noAutofit/>
+          </a:bodyPr>
+          <a:lstStyle/>
+          <a:p>
+            <a:pPr indent="0" lvl="0" marL="0" rtl="0" algn="l">
+              <a:spcBef>
+                <a:spcPts val="0"/>
+              </a:spcBef>
+              <a:spcAft>
+                <a:spcPts val="0"/>
+              </a:spcAft>
+              <a:buNone/>
+            </a:pPr>
+            <a:r>
+              <a:t/>
+            </a:r>
+            <a:endParaRPr/>
+          </a:p>
+        </p:txBody>
+      </p:sp>
+    </p:spTree>
+  </p:cSld>
+  <p:clrMapOvr>
+    <a:masterClrMapping/>
+  </p:clrMapOvr>
+</p:notes>
+</file>
+
+<file path=ppt/notesSlides/notesSlide8.xml><?xml version="1.0" encoding="utf-8"?>
+<p:notes xmlns:a="http://schemas.openxmlformats.org/drawingml/2006/main" xmlns:r="http://schemas.openxmlformats.org/officeDocument/2006/relationships" xmlns:mc="http://schemas.openxmlformats.org/markup-compatibility/2006" xmlns:mv="urn:schemas-microsoft-com:mac:vml" xmlns:p="http://schemas.openxmlformats.org/presentationml/2006/main" xmlns:c="http://schemas.openxmlformats.org/drawingml/2006/chart" xmlns:dgm="http://schemas.openxmlformats.org/drawingml/2006/diagram" xmlns:o="urn:schemas-microsoft-com:office:office" xmlns:v="urn:schemas-microsoft-com:vml" xmlns:pvml="urn:schemas-microsoft-com:office:powerpoint" xmlns:com="http://schemas.openxmlformats.org/drawingml/2006/compatibility" xmlns:p14="http://schemas.microsoft.com/office/powerpoint/2010/main" xmlns:p15="http://schemas.microsoft.com/office/powerpoint/2012/main" xmlns:ahyp="http://schemas.microsoft.com/office/drawing/2018/hyperlinkcolor" showMasterPhAnim="0" showMasterSp="0">
+  <p:cSld>
+    <p:spTree>
+      <p:nvGrpSpPr>
+        <p:cNvPr id="104" name="Shape 104"/>
+        <p:cNvGrpSpPr/>
+        <p:nvPr/>
+      </p:nvGrpSpPr>
+      <p:grpSpPr>
+        <a:xfrm>
+          <a:off x="0" y="0"/>
+          <a:ext cx="0" cy="0"/>
+          <a:chOff x="0" y="0"/>
+          <a:chExt cx="0" cy="0"/>
+        </a:xfrm>
+      </p:grpSpPr>
+      <p:sp>
+        <p:nvSpPr>
+          <p:cNvPr id="105" name="Google Shape;105;g2e4bd76d78f_0_33:notes"/>
+          <p:cNvSpPr/>
+          <p:nvPr>
+            <p:ph idx="2" type="sldImg"/>
+          </p:nvPr>
+        </p:nvSpPr>
+        <p:spPr>
+          <a:xfrm>
+            <a:off x="381300" y="685800"/>
+            <a:ext cx="6096000" cy="3429000"/>
+          </a:xfrm>
+          <a:custGeom>
+            <a:rect b="b" l="l" r="r" t="t"/>
+            <a:pathLst>
+              <a:path extrusionOk="0" h="120000" w="120000">
+                <a:moveTo>
+                  <a:pt x="0" y="0"/>
+                </a:moveTo>
+                <a:lnTo>
+                  <a:pt x="120000" y="0"/>
+                </a:lnTo>
+                <a:lnTo>
+                  <a:pt x="120000" y="120000"/>
+                </a:lnTo>
+                <a:lnTo>
+                  <a:pt x="0" y="120000"/>
+                </a:lnTo>
+                <a:close/>
+              </a:path>
+            </a:pathLst>
+          </a:custGeom>
+        </p:spPr>
+      </p:sp>
+      <p:sp>
+        <p:nvSpPr>
+          <p:cNvPr id="106" name="Google Shape;106;g2e4bd76d78f_0_33:notes"/>
+          <p:cNvSpPr txBox="1"/>
+          <p:nvPr>
+            <p:ph idx="1" type="body"/>
+          </p:nvPr>
+        </p:nvSpPr>
+        <p:spPr>
+          <a:xfrm>
+            <a:off x="685800" y="4343400"/>
+            <a:ext cx="5486400" cy="4114800"/>
+          </a:xfrm>
+          <a:prstGeom prst="rect">
+            <a:avLst/>
+          </a:prstGeom>
+        </p:spPr>
+        <p:txBody>
+          <a:bodyPr anchorCtr="0" anchor="t" bIns="91425" lIns="91425" spcFirstLastPara="1" rIns="91425" wrap="square" tIns="91425">
+            <a:noAutofit/>
+          </a:bodyPr>
+          <a:lstStyle/>
+          <a:p>
+            <a:pPr indent="0" lvl="0" marL="0" rtl="0" algn="l">
+              <a:spcBef>
+                <a:spcPts val="0"/>
+              </a:spcBef>
+              <a:spcAft>
+                <a:spcPts val="0"/>
+              </a:spcAft>
+              <a:buNone/>
+            </a:pPr>
+            <a:r>
+              <a:t/>
+            </a:r>
+            <a:endParaRPr/>
+          </a:p>
+        </p:txBody>
+      </p:sp>
+    </p:spTree>
+  </p:cSld>
+  <p:clrMapOvr>
+    <a:masterClrMapping/>
+  </p:clrMapOvr>
+</p:notes>
+</file>
+
+<file path=ppt/notesSlides/notesSlide9.xml><?xml version="1.0" encoding="utf-8"?>
+<p:notes xmlns:a="http://schemas.openxmlformats.org/drawingml/2006/main" xmlns:r="http://schemas.openxmlformats.org/officeDocument/2006/relationships" xmlns:mc="http://schemas.openxmlformats.org/markup-compatibility/2006" xmlns:mv="urn:schemas-microsoft-com:mac:vml" xmlns:p="http://schemas.openxmlformats.org/presentationml/2006/main" xmlns:c="http://schemas.openxmlformats.org/drawingml/2006/chart" xmlns:dgm="http://schemas.openxmlformats.org/drawingml/2006/diagram" xmlns:o="urn:schemas-microsoft-com:office:office" xmlns:v="urn:schemas-microsoft-com:vml" xmlns:pvml="urn:schemas-microsoft-com:office:powerpoint" xmlns:com="http://schemas.openxmlformats.org/drawingml/2006/compatibility" xmlns:p14="http://schemas.microsoft.com/office/powerpoint/2010/main" xmlns:p15="http://schemas.microsoft.com/office/powerpoint/2012/main" xmlns:ahyp="http://schemas.microsoft.com/office/drawing/2018/hyperlinkcolor" showMasterPhAnim="0" showMasterSp="0">
+  <p:cSld>
+    <p:spTree>
+      <p:nvGrpSpPr>
+        <p:cNvPr id="111" name="Shape 111"/>
+        <p:cNvGrpSpPr/>
+        <p:nvPr/>
+      </p:nvGrpSpPr>
+      <p:grpSpPr>
+        <a:xfrm>
+          <a:off x="0" y="0"/>
+          <a:ext cx="0" cy="0"/>
+          <a:chOff x="0" y="0"/>
+          <a:chExt cx="0" cy="0"/>
+        </a:xfrm>
+      </p:grpSpPr>
+      <p:sp>
+        <p:nvSpPr>
+          <p:cNvPr id="112" name="Google Shape;112;g2e4bd76d78f_0_27:notes"/>
+          <p:cNvSpPr/>
+          <p:nvPr>
+            <p:ph idx="2" type="sldImg"/>
+          </p:nvPr>
+        </p:nvSpPr>
+        <p:spPr>
+          <a:xfrm>
+            <a:off x="381300" y="685800"/>
+            <a:ext cx="6096000" cy="3429000"/>
+          </a:xfrm>
+          <a:custGeom>
+            <a:rect b="b" l="l" r="r" t="t"/>
+            <a:pathLst>
+              <a:path extrusionOk="0" h="120000" w="120000">
+                <a:moveTo>
+                  <a:pt x="0" y="0"/>
+                </a:moveTo>
+                <a:lnTo>
+                  <a:pt x="120000" y="0"/>
+                </a:lnTo>
+                <a:lnTo>
+                  <a:pt x="120000" y="120000"/>
+                </a:lnTo>
+                <a:lnTo>
+                  <a:pt x="0" y="120000"/>
+                </a:lnTo>
+                <a:close/>
+              </a:path>
+            </a:pathLst>
+          </a:custGeom>
+        </p:spPr>
+      </p:sp>
+      <p:sp>
+        <p:nvSpPr>
+          <p:cNvPr id="113" name="Google Shape;113;g2e4bd76d78f_0_27:notes"/>
           <p:cNvSpPr txBox="1"/>
           <p:nvPr>
             <p:ph idx="1" type="body"/>
@@ -6826,7 +8226,7 @@
             </a:pPr>
             <a:r>
               <a:rPr lang="ko"/>
-              <a:t>클라이언트 개발자 포트폴리오</a:t>
+              <a:t>유니티 클라이언트 개발자 포트폴리오</a:t>
             </a:r>
             <a:endParaRPr/>
           </a:p>
@@ -6872,6 +8272,2595 @@
           </a:p>
         </p:txBody>
       </p:sp>
+    </p:spTree>
+  </p:cSld>
+  <p:clrMapOvr>
+    <a:masterClrMapping/>
+  </p:clrMapOvr>
+</p:sld>
+</file>
+
+<file path=ppt/slides/slide10.xml><?xml version="1.0" encoding="utf-8"?>
+<p:sld xmlns:a="http://schemas.openxmlformats.org/drawingml/2006/main" xmlns:r="http://schemas.openxmlformats.org/officeDocument/2006/relationships" xmlns:mc="http://schemas.openxmlformats.org/markup-compatibility/2006" xmlns:mv="urn:schemas-microsoft-com:mac:vml" xmlns:p="http://schemas.openxmlformats.org/presentationml/2006/main" xmlns:c="http://schemas.openxmlformats.org/drawingml/2006/chart" xmlns:dgm="http://schemas.openxmlformats.org/drawingml/2006/diagram" xmlns:o="urn:schemas-microsoft-com:office:office" xmlns:v="urn:schemas-microsoft-com:vml" xmlns:pvml="urn:schemas-microsoft-com:office:powerpoint" xmlns:com="http://schemas.openxmlformats.org/drawingml/2006/compatibility" xmlns:p14="http://schemas.microsoft.com/office/powerpoint/2010/main" xmlns:p15="http://schemas.microsoft.com/office/powerpoint/2012/main" xmlns:ahyp="http://schemas.microsoft.com/office/drawing/2018/hyperlinkcolor">
+  <p:cSld>
+    <p:spTree>
+      <p:nvGrpSpPr>
+        <p:cNvPr id="121" name="Shape 121"/>
+        <p:cNvGrpSpPr/>
+        <p:nvPr/>
+      </p:nvGrpSpPr>
+      <p:grpSpPr>
+        <a:xfrm>
+          <a:off x="0" y="0"/>
+          <a:ext cx="0" cy="0"/>
+          <a:chOff x="0" y="0"/>
+          <a:chExt cx="0" cy="0"/>
+        </a:xfrm>
+      </p:grpSpPr>
+      <p:sp>
+        <p:nvSpPr>
+          <p:cNvPr id="122" name="Google Shape;122;p22"/>
+          <p:cNvSpPr txBox="1"/>
+          <p:nvPr>
+            <p:ph type="title"/>
+          </p:nvPr>
+        </p:nvSpPr>
+        <p:spPr>
+          <a:xfrm>
+            <a:off x="311700" y="445025"/>
+            <a:ext cx="8520600" cy="613200"/>
+          </a:xfrm>
+          <a:prstGeom prst="rect">
+            <a:avLst/>
+          </a:prstGeom>
+        </p:spPr>
+        <p:txBody>
+          <a:bodyPr anchorCtr="0" anchor="t" bIns="91425" lIns="91425" spcFirstLastPara="1" rIns="91425" wrap="square" tIns="91425">
+            <a:normAutofit fontScale="90000"/>
+          </a:bodyPr>
+          <a:lstStyle/>
+          <a:p>
+            <a:pPr indent="0" lvl="0" marL="0" rtl="0" algn="l">
+              <a:spcBef>
+                <a:spcPts val="0"/>
+              </a:spcBef>
+              <a:spcAft>
+                <a:spcPts val="0"/>
+              </a:spcAft>
+              <a:buNone/>
+            </a:pPr>
+            <a:r>
+              <a:rPr lang="ko"/>
+              <a:t>스크립트소개 - UIItem(2)</a:t>
+            </a:r>
+            <a:endParaRPr/>
+          </a:p>
+        </p:txBody>
+      </p:sp>
+      <p:sp>
+        <p:nvSpPr>
+          <p:cNvPr id="123" name="Google Shape;123;p22"/>
+          <p:cNvSpPr txBox="1"/>
+          <p:nvPr>
+            <p:ph type="title"/>
+          </p:nvPr>
+        </p:nvSpPr>
+        <p:spPr>
+          <a:xfrm>
+            <a:off x="4766075" y="1058225"/>
+            <a:ext cx="4121100" cy="3780600"/>
+          </a:xfrm>
+          <a:prstGeom prst="rect">
+            <a:avLst/>
+          </a:prstGeom>
+        </p:spPr>
+        <p:txBody>
+          <a:bodyPr anchorCtr="0" anchor="t" bIns="91425" lIns="91425" spcFirstLastPara="1" rIns="91425" wrap="square" tIns="91425">
+            <a:noAutofit/>
+          </a:bodyPr>
+          <a:lstStyle/>
+          <a:p>
+            <a:pPr indent="0" lvl="0" marL="0" rtl="0" algn="l">
+              <a:spcBef>
+                <a:spcPts val="0"/>
+              </a:spcBef>
+              <a:spcAft>
+                <a:spcPts val="0"/>
+              </a:spcAft>
+              <a:buNone/>
+            </a:pPr>
+            <a:r>
+              <a:rPr lang="ko" sz="1600"/>
+              <a:t>마우스 상호작용 인터페이스들을 구현한 부분입니다.</a:t>
+            </a:r>
+            <a:endParaRPr sz="1600"/>
+          </a:p>
+          <a:p>
+            <a:pPr indent="0" lvl="0" marL="0" rtl="0" algn="l">
+              <a:spcBef>
+                <a:spcPts val="0"/>
+              </a:spcBef>
+              <a:spcAft>
+                <a:spcPts val="0"/>
+              </a:spcAft>
+              <a:buNone/>
+            </a:pPr>
+            <a:r>
+              <a:t/>
+            </a:r>
+            <a:endParaRPr sz="1600"/>
+          </a:p>
+          <a:p>
+            <a:pPr indent="0" lvl="0" marL="0" rtl="0" algn="l">
+              <a:spcBef>
+                <a:spcPts val="0"/>
+              </a:spcBef>
+              <a:spcAft>
+                <a:spcPts val="0"/>
+              </a:spcAft>
+              <a:buNone/>
+            </a:pPr>
+            <a:r>
+              <a:rPr lang="ko" sz="1600"/>
+              <a:t>클릭시(좌클릭,우클릭,쉬프트우클릭),</a:t>
+            </a:r>
+            <a:endParaRPr sz="1600"/>
+          </a:p>
+          <a:p>
+            <a:pPr indent="0" lvl="0" marL="0" rtl="0" algn="l">
+              <a:spcBef>
+                <a:spcPts val="0"/>
+              </a:spcBef>
+              <a:spcAft>
+                <a:spcPts val="0"/>
+              </a:spcAft>
+              <a:buNone/>
+            </a:pPr>
+            <a:r>
+              <a:rPr lang="ko" sz="1600"/>
+              <a:t>드래그시작, 드랍, 드래그종료,</a:t>
+            </a:r>
+            <a:endParaRPr sz="1600"/>
+          </a:p>
+          <a:p>
+            <a:pPr indent="0" lvl="0" marL="0" rtl="0" algn="l">
+              <a:spcBef>
+                <a:spcPts val="0"/>
+              </a:spcBef>
+              <a:spcAft>
+                <a:spcPts val="0"/>
+              </a:spcAft>
+              <a:buNone/>
+            </a:pPr>
+            <a:r>
+              <a:rPr lang="ko" sz="1600"/>
+              <a:t>마우스in,마우스out을 구현했습니다.</a:t>
+            </a:r>
+            <a:endParaRPr sz="1600"/>
+          </a:p>
+          <a:p>
+            <a:pPr indent="0" lvl="0" marL="0" rtl="0" algn="l">
+              <a:spcBef>
+                <a:spcPts val="0"/>
+              </a:spcBef>
+              <a:spcAft>
+                <a:spcPts val="0"/>
+              </a:spcAft>
+              <a:buNone/>
+            </a:pPr>
+            <a:r>
+              <a:t/>
+            </a:r>
+            <a:endParaRPr sz="1600"/>
+          </a:p>
+          <a:p>
+            <a:pPr indent="0" lvl="0" marL="0" rtl="0" algn="l">
+              <a:spcBef>
+                <a:spcPts val="0"/>
+              </a:spcBef>
+              <a:spcAft>
+                <a:spcPts val="0"/>
+              </a:spcAft>
+              <a:buNone/>
+            </a:pPr>
+            <a:r>
+              <a:rPr lang="ko" sz="1600"/>
+              <a:t>각각의 메소드가 호출되면 액션</a:t>
+            </a:r>
+            <a:endParaRPr sz="1600"/>
+          </a:p>
+          <a:p>
+            <a:pPr indent="0" lvl="0" marL="0" rtl="0" algn="l">
+              <a:spcBef>
+                <a:spcPts val="0"/>
+              </a:spcBef>
+              <a:spcAft>
+                <a:spcPts val="0"/>
+              </a:spcAft>
+              <a:buNone/>
+            </a:pPr>
+            <a:r>
+              <a:rPr lang="ko" sz="1600"/>
+              <a:t>이벤트 핸들러에 연결된 메소드가 실행됩니다.</a:t>
+            </a:r>
+            <a:endParaRPr sz="1600"/>
+          </a:p>
+          <a:p>
+            <a:pPr indent="0" lvl="0" marL="0" rtl="0" algn="l">
+              <a:spcBef>
+                <a:spcPts val="0"/>
+              </a:spcBef>
+              <a:spcAft>
+                <a:spcPts val="0"/>
+              </a:spcAft>
+              <a:buNone/>
+            </a:pPr>
+            <a:r>
+              <a:t/>
+            </a:r>
+            <a:endParaRPr sz="1600">
+              <a:solidFill>
+                <a:schemeClr val="lt1"/>
+              </a:solidFill>
+            </a:endParaRPr>
+          </a:p>
+        </p:txBody>
+      </p:sp>
+      <p:pic>
+        <p:nvPicPr>
+          <p:cNvPr id="124" name="Google Shape;124;p22"/>
+          <p:cNvPicPr preferRelativeResize="0"/>
+          <p:nvPr/>
+        </p:nvPicPr>
+        <p:blipFill>
+          <a:blip r:embed="rId3">
+            <a:alphaModFix/>
+          </a:blip>
+          <a:stretch>
+            <a:fillRect/>
+          </a:stretch>
+        </p:blipFill>
+        <p:spPr>
+          <a:xfrm>
+            <a:off x="191725" y="1132525"/>
+            <a:ext cx="4039475" cy="3850700"/>
+          </a:xfrm>
+          <a:prstGeom prst="rect">
+            <a:avLst/>
+          </a:prstGeom>
+          <a:noFill/>
+          <a:ln>
+            <a:noFill/>
+          </a:ln>
+        </p:spPr>
+      </p:pic>
+    </p:spTree>
+  </p:cSld>
+  <p:clrMapOvr>
+    <a:masterClrMapping/>
+  </p:clrMapOvr>
+</p:sld>
+</file>
+
+<file path=ppt/slides/slide11.xml><?xml version="1.0" encoding="utf-8"?>
+<p:sld xmlns:a="http://schemas.openxmlformats.org/drawingml/2006/main" xmlns:r="http://schemas.openxmlformats.org/officeDocument/2006/relationships" xmlns:mc="http://schemas.openxmlformats.org/markup-compatibility/2006" xmlns:mv="urn:schemas-microsoft-com:mac:vml" xmlns:p="http://schemas.openxmlformats.org/presentationml/2006/main" xmlns:c="http://schemas.openxmlformats.org/drawingml/2006/chart" xmlns:dgm="http://schemas.openxmlformats.org/drawingml/2006/diagram" xmlns:o="urn:schemas-microsoft-com:office:office" xmlns:v="urn:schemas-microsoft-com:vml" xmlns:pvml="urn:schemas-microsoft-com:office:powerpoint" xmlns:com="http://schemas.openxmlformats.org/drawingml/2006/compatibility" xmlns:p14="http://schemas.microsoft.com/office/powerpoint/2010/main" xmlns:p15="http://schemas.microsoft.com/office/powerpoint/2012/main" xmlns:ahyp="http://schemas.microsoft.com/office/drawing/2018/hyperlinkcolor">
+  <p:cSld>
+    <p:spTree>
+      <p:nvGrpSpPr>
+        <p:cNvPr id="128" name="Shape 128"/>
+        <p:cNvGrpSpPr/>
+        <p:nvPr/>
+      </p:nvGrpSpPr>
+      <p:grpSpPr>
+        <a:xfrm>
+          <a:off x="0" y="0"/>
+          <a:ext cx="0" cy="0"/>
+          <a:chOff x="0" y="0"/>
+          <a:chExt cx="0" cy="0"/>
+        </a:xfrm>
+      </p:grpSpPr>
+      <p:sp>
+        <p:nvSpPr>
+          <p:cNvPr id="129" name="Google Shape;129;p23"/>
+          <p:cNvSpPr txBox="1"/>
+          <p:nvPr>
+            <p:ph type="title"/>
+          </p:nvPr>
+        </p:nvSpPr>
+        <p:spPr>
+          <a:xfrm>
+            <a:off x="311700" y="445025"/>
+            <a:ext cx="8520600" cy="613200"/>
+          </a:xfrm>
+          <a:prstGeom prst="rect">
+            <a:avLst/>
+          </a:prstGeom>
+        </p:spPr>
+        <p:txBody>
+          <a:bodyPr anchorCtr="0" anchor="t" bIns="91425" lIns="91425" spcFirstLastPara="1" rIns="91425" wrap="square" tIns="91425">
+            <a:normAutofit fontScale="90000"/>
+          </a:bodyPr>
+          <a:lstStyle/>
+          <a:p>
+            <a:pPr indent="0" lvl="0" marL="0" rtl="0" algn="l">
+              <a:spcBef>
+                <a:spcPts val="0"/>
+              </a:spcBef>
+              <a:spcAft>
+                <a:spcPts val="0"/>
+              </a:spcAft>
+              <a:buNone/>
+            </a:pPr>
+            <a:r>
+              <a:rPr lang="ko"/>
+              <a:t>스크립트소개 - UIDescription</a:t>
+            </a:r>
+            <a:endParaRPr/>
+          </a:p>
+        </p:txBody>
+      </p:sp>
+      <p:sp>
+        <p:nvSpPr>
+          <p:cNvPr id="130" name="Google Shape;130;p23"/>
+          <p:cNvSpPr txBox="1"/>
+          <p:nvPr>
+            <p:ph type="title"/>
+          </p:nvPr>
+        </p:nvSpPr>
+        <p:spPr>
+          <a:xfrm>
+            <a:off x="4797525" y="1058225"/>
+            <a:ext cx="4121100" cy="3780600"/>
+          </a:xfrm>
+          <a:prstGeom prst="rect">
+            <a:avLst/>
+          </a:prstGeom>
+        </p:spPr>
+        <p:txBody>
+          <a:bodyPr anchorCtr="0" anchor="t" bIns="91425" lIns="91425" spcFirstLastPara="1" rIns="91425" wrap="square" tIns="91425">
+            <a:noAutofit/>
+          </a:bodyPr>
+          <a:lstStyle/>
+          <a:p>
+            <a:pPr indent="0" lvl="0" marL="0" rtl="0" algn="l">
+              <a:spcBef>
+                <a:spcPts val="0"/>
+              </a:spcBef>
+              <a:spcAft>
+                <a:spcPts val="0"/>
+              </a:spcAft>
+              <a:buNone/>
+            </a:pPr>
+            <a:r>
+              <a:rPr lang="ko" sz="1600"/>
+              <a:t>UIItem의 마우스in, 마우스out될때 아이템의 설명UI를 나타내는 스크립트입니다.</a:t>
+            </a:r>
+            <a:endParaRPr sz="1600"/>
+          </a:p>
+          <a:p>
+            <a:pPr indent="0" lvl="0" marL="0" rtl="0" algn="l">
+              <a:spcBef>
+                <a:spcPts val="0"/>
+              </a:spcBef>
+              <a:spcAft>
+                <a:spcPts val="0"/>
+              </a:spcAft>
+              <a:buNone/>
+            </a:pPr>
+            <a:r>
+              <a:t/>
+            </a:r>
+            <a:endParaRPr sz="1600"/>
+          </a:p>
+          <a:p>
+            <a:pPr indent="0" lvl="0" marL="0" rtl="0" algn="l">
+              <a:spcBef>
+                <a:spcPts val="0"/>
+              </a:spcBef>
+              <a:spcAft>
+                <a:spcPts val="0"/>
+              </a:spcAft>
+              <a:buNone/>
+            </a:pPr>
+            <a:r>
+              <a:rPr lang="ko" sz="1600"/>
+              <a:t>기본적으로 아이템의 이름,타입,내용을 나타냅니다.</a:t>
+            </a:r>
+            <a:endParaRPr sz="1600"/>
+          </a:p>
+          <a:p>
+            <a:pPr indent="0" lvl="0" marL="0" rtl="0" algn="l">
+              <a:spcBef>
+                <a:spcPts val="0"/>
+              </a:spcBef>
+              <a:spcAft>
+                <a:spcPts val="0"/>
+              </a:spcAft>
+              <a:buNone/>
+            </a:pPr>
+            <a:r>
+              <a:t/>
+            </a:r>
+            <a:endParaRPr sz="1600"/>
+          </a:p>
+          <a:p>
+            <a:pPr indent="0" lvl="0" marL="0" rtl="0" algn="l">
+              <a:spcBef>
+                <a:spcPts val="0"/>
+              </a:spcBef>
+              <a:spcAft>
+                <a:spcPts val="0"/>
+              </a:spcAft>
+              <a:buNone/>
+            </a:pPr>
+            <a:r>
+              <a:rPr lang="ko" sz="1600"/>
+              <a:t>무기면 무기의 타입,데미지, 공격속도,</a:t>
+            </a:r>
+            <a:endParaRPr sz="1600"/>
+          </a:p>
+          <a:p>
+            <a:pPr indent="0" lvl="0" marL="0" rtl="0" algn="l">
+              <a:spcBef>
+                <a:spcPts val="0"/>
+              </a:spcBef>
+              <a:spcAft>
+                <a:spcPts val="0"/>
+              </a:spcAft>
+              <a:buNone/>
+            </a:pPr>
+            <a:r>
+              <a:rPr lang="ko" sz="1600"/>
+              <a:t>치명타확률을 표시합니다.</a:t>
+            </a:r>
+            <a:endParaRPr sz="1600"/>
+          </a:p>
+          <a:p>
+            <a:pPr indent="0" lvl="0" marL="0" rtl="0" algn="l">
+              <a:spcBef>
+                <a:spcPts val="0"/>
+              </a:spcBef>
+              <a:spcAft>
+                <a:spcPts val="0"/>
+              </a:spcAft>
+              <a:buNone/>
+            </a:pPr>
+            <a:r>
+              <a:t/>
+            </a:r>
+            <a:endParaRPr sz="1600"/>
+          </a:p>
+          <a:p>
+            <a:pPr indent="0" lvl="0" marL="0" rtl="0" algn="l">
+              <a:spcBef>
+                <a:spcPts val="0"/>
+              </a:spcBef>
+              <a:spcAft>
+                <a:spcPts val="0"/>
+              </a:spcAft>
+              <a:buNone/>
+            </a:pPr>
+            <a:r>
+              <a:rPr lang="ko" sz="1600"/>
+              <a:t>발사체일경우 발사체 데미지만 추가됩니다.</a:t>
+            </a:r>
+            <a:endParaRPr sz="1600"/>
+          </a:p>
+          <a:p>
+            <a:pPr indent="0" lvl="0" marL="0" rtl="0" algn="l">
+              <a:spcBef>
+                <a:spcPts val="0"/>
+              </a:spcBef>
+              <a:spcAft>
+                <a:spcPts val="0"/>
+              </a:spcAft>
+              <a:buNone/>
+            </a:pPr>
+            <a:r>
+              <a:t/>
+            </a:r>
+            <a:endParaRPr sz="1600"/>
+          </a:p>
+          <a:p>
+            <a:pPr indent="0" lvl="0" marL="0" rtl="0" algn="l">
+              <a:spcBef>
+                <a:spcPts val="0"/>
+              </a:spcBef>
+              <a:spcAft>
+                <a:spcPts val="0"/>
+              </a:spcAft>
+              <a:buNone/>
+            </a:pPr>
+            <a:r>
+              <a:rPr lang="ko" sz="1600"/>
+              <a:t>장신구또는 포션의 경우 회복량,추가체력,추가데미지,추가방어력을 표시합니다.</a:t>
+            </a:r>
+            <a:endParaRPr sz="1600"/>
+          </a:p>
+          <a:p>
+            <a:pPr indent="0" lvl="0" marL="0" rtl="0" algn="l">
+              <a:spcBef>
+                <a:spcPts val="0"/>
+              </a:spcBef>
+              <a:spcAft>
+                <a:spcPts val="0"/>
+              </a:spcAft>
+              <a:buNone/>
+            </a:pPr>
+            <a:r>
+              <a:t/>
+            </a:r>
+            <a:endParaRPr sz="1600">
+              <a:solidFill>
+                <a:schemeClr val="lt1"/>
+              </a:solidFill>
+            </a:endParaRPr>
+          </a:p>
+        </p:txBody>
+      </p:sp>
+      <p:pic>
+        <p:nvPicPr>
+          <p:cNvPr id="131" name="Google Shape;131;p23"/>
+          <p:cNvPicPr preferRelativeResize="0"/>
+          <p:nvPr/>
+        </p:nvPicPr>
+        <p:blipFill>
+          <a:blip r:embed="rId3">
+            <a:alphaModFix/>
+          </a:blip>
+          <a:stretch>
+            <a:fillRect/>
+          </a:stretch>
+        </p:blipFill>
+        <p:spPr>
+          <a:xfrm>
+            <a:off x="396200" y="1116250"/>
+            <a:ext cx="3969203" cy="3780474"/>
+          </a:xfrm>
+          <a:prstGeom prst="rect">
+            <a:avLst/>
+          </a:prstGeom>
+          <a:noFill/>
+          <a:ln>
+            <a:noFill/>
+          </a:ln>
+        </p:spPr>
+      </p:pic>
+    </p:spTree>
+  </p:cSld>
+  <p:clrMapOvr>
+    <a:masterClrMapping/>
+  </p:clrMapOvr>
+</p:sld>
+</file>
+
+<file path=ppt/slides/slide12.xml><?xml version="1.0" encoding="utf-8"?>
+<p:sld xmlns:a="http://schemas.openxmlformats.org/drawingml/2006/main" xmlns:r="http://schemas.openxmlformats.org/officeDocument/2006/relationships" xmlns:mc="http://schemas.openxmlformats.org/markup-compatibility/2006" xmlns:mv="urn:schemas-microsoft-com:mac:vml" xmlns:p="http://schemas.openxmlformats.org/presentationml/2006/main" xmlns:c="http://schemas.openxmlformats.org/drawingml/2006/chart" xmlns:dgm="http://schemas.openxmlformats.org/drawingml/2006/diagram" xmlns:o="urn:schemas-microsoft-com:office:office" xmlns:v="urn:schemas-microsoft-com:vml" xmlns:pvml="urn:schemas-microsoft-com:office:powerpoint" xmlns:com="http://schemas.openxmlformats.org/drawingml/2006/compatibility" xmlns:p14="http://schemas.microsoft.com/office/powerpoint/2010/main" xmlns:p15="http://schemas.microsoft.com/office/powerpoint/2012/main" xmlns:ahyp="http://schemas.microsoft.com/office/drawing/2018/hyperlinkcolor">
+  <p:cSld>
+    <p:spTree>
+      <p:nvGrpSpPr>
+        <p:cNvPr id="135" name="Shape 135"/>
+        <p:cNvGrpSpPr/>
+        <p:nvPr/>
+      </p:nvGrpSpPr>
+      <p:grpSpPr>
+        <a:xfrm>
+          <a:off x="0" y="0"/>
+          <a:ext cx="0" cy="0"/>
+          <a:chOff x="0" y="0"/>
+          <a:chExt cx="0" cy="0"/>
+        </a:xfrm>
+      </p:grpSpPr>
+      <p:sp>
+        <p:nvSpPr>
+          <p:cNvPr id="136" name="Google Shape;136;p24"/>
+          <p:cNvSpPr txBox="1"/>
+          <p:nvPr>
+            <p:ph type="title"/>
+          </p:nvPr>
+        </p:nvSpPr>
+        <p:spPr>
+          <a:xfrm>
+            <a:off x="311700" y="445025"/>
+            <a:ext cx="8520600" cy="613200"/>
+          </a:xfrm>
+          <a:prstGeom prst="rect">
+            <a:avLst/>
+          </a:prstGeom>
+        </p:spPr>
+        <p:txBody>
+          <a:bodyPr anchorCtr="0" anchor="t" bIns="91425" lIns="91425" spcFirstLastPara="1" rIns="91425" wrap="square" tIns="91425">
+            <a:normAutofit fontScale="90000"/>
+          </a:bodyPr>
+          <a:lstStyle/>
+          <a:p>
+            <a:pPr indent="0" lvl="0" marL="0" rtl="0" algn="l">
+              <a:spcBef>
+                <a:spcPts val="0"/>
+              </a:spcBef>
+              <a:spcAft>
+                <a:spcPts val="0"/>
+              </a:spcAft>
+              <a:buNone/>
+            </a:pPr>
+            <a:r>
+              <a:rPr lang="ko"/>
+              <a:t>스크립트소개 - UIInventory(1)</a:t>
+            </a:r>
+            <a:endParaRPr/>
+          </a:p>
+        </p:txBody>
+      </p:sp>
+      <p:sp>
+        <p:nvSpPr>
+          <p:cNvPr id="137" name="Google Shape;137;p24"/>
+          <p:cNvSpPr txBox="1"/>
+          <p:nvPr>
+            <p:ph type="title"/>
+          </p:nvPr>
+        </p:nvSpPr>
+        <p:spPr>
+          <a:xfrm>
+            <a:off x="4766075" y="1058225"/>
+            <a:ext cx="4121100" cy="3780600"/>
+          </a:xfrm>
+          <a:prstGeom prst="rect">
+            <a:avLst/>
+          </a:prstGeom>
+        </p:spPr>
+        <p:txBody>
+          <a:bodyPr anchorCtr="0" anchor="t" bIns="91425" lIns="91425" spcFirstLastPara="1" rIns="91425" wrap="square" tIns="91425">
+            <a:noAutofit/>
+          </a:bodyPr>
+          <a:lstStyle/>
+          <a:p>
+            <a:pPr indent="0" lvl="0" marL="0" rtl="0" algn="l">
+              <a:spcBef>
+                <a:spcPts val="0"/>
+              </a:spcBef>
+              <a:spcAft>
+                <a:spcPts val="0"/>
+              </a:spcAft>
+              <a:buNone/>
+            </a:pPr>
+            <a:r>
+              <a:rPr lang="ko" sz="1600"/>
+              <a:t>각각의 아이템칸오브젝트의 부모오브젝트에 붙어있는 스크립트입니다.</a:t>
+            </a:r>
+            <a:endParaRPr sz="1600"/>
+          </a:p>
+          <a:p>
+            <a:pPr indent="0" lvl="0" marL="0" rtl="0" algn="l">
+              <a:spcBef>
+                <a:spcPts val="0"/>
+              </a:spcBef>
+              <a:spcAft>
+                <a:spcPts val="0"/>
+              </a:spcAft>
+              <a:buNone/>
+            </a:pPr>
+            <a:r>
+              <a:t/>
+            </a:r>
+            <a:endParaRPr sz="1600"/>
+          </a:p>
+          <a:p>
+            <a:pPr indent="0" lvl="0" marL="0" rtl="0" algn="l">
+              <a:spcBef>
+                <a:spcPts val="0"/>
+              </a:spcBef>
+              <a:spcAft>
+                <a:spcPts val="0"/>
+              </a:spcAft>
+              <a:buNone/>
+            </a:pPr>
+            <a:r>
+              <a:rPr lang="ko" sz="1600"/>
+              <a:t>아이템에 이벤트핸들러를 연결하는 초기화 메소드입니다.</a:t>
+            </a:r>
+            <a:endParaRPr sz="1600"/>
+          </a:p>
+          <a:p>
+            <a:pPr indent="0" lvl="0" marL="0" rtl="0" algn="l">
+              <a:spcBef>
+                <a:spcPts val="0"/>
+              </a:spcBef>
+              <a:spcAft>
+                <a:spcPts val="0"/>
+              </a:spcAft>
+              <a:buNone/>
+            </a:pPr>
+            <a:r>
+              <a:t/>
+            </a:r>
+            <a:endParaRPr sz="1600"/>
+          </a:p>
+          <a:p>
+            <a:pPr indent="0" lvl="0" marL="0" rtl="0" algn="l">
+              <a:spcBef>
+                <a:spcPts val="0"/>
+              </a:spcBef>
+              <a:spcAft>
+                <a:spcPts val="0"/>
+              </a:spcAft>
+              <a:buNone/>
+            </a:pPr>
+            <a:r>
+              <a:rPr lang="ko" sz="1600"/>
+              <a:t>아이템칸은 3가지입니다.</a:t>
+            </a:r>
+            <a:endParaRPr sz="1600"/>
+          </a:p>
+          <a:p>
+            <a:pPr indent="0" lvl="0" marL="0" rtl="0" algn="l">
+              <a:spcBef>
+                <a:spcPts val="0"/>
+              </a:spcBef>
+              <a:spcAft>
+                <a:spcPts val="0"/>
+              </a:spcAft>
+              <a:buNone/>
+            </a:pPr>
+            <a:r>
+              <a:rPr lang="ko" sz="1600"/>
+              <a:t>Eqips : 방어구및 장신구 </a:t>
+            </a:r>
+            <a:endParaRPr sz="1600"/>
+          </a:p>
+          <a:p>
+            <a:pPr indent="0" lvl="0" marL="0" rtl="0" algn="l">
+              <a:spcBef>
+                <a:spcPts val="0"/>
+              </a:spcBef>
+              <a:spcAft>
+                <a:spcPts val="0"/>
+              </a:spcAft>
+              <a:buNone/>
+            </a:pPr>
+            <a:r>
+              <a:rPr lang="ko" sz="1600"/>
+              <a:t>Items : 인벤토리</a:t>
+            </a:r>
+            <a:br>
+              <a:rPr lang="ko" sz="1600"/>
+            </a:br>
+            <a:r>
+              <a:rPr lang="ko" sz="1600"/>
+              <a:t>Usings : </a:t>
+            </a:r>
+            <a:endParaRPr sz="1600"/>
+          </a:p>
+          <a:p>
+            <a:pPr indent="0" lvl="0" marL="0" rtl="0" algn="l">
+              <a:spcBef>
+                <a:spcPts val="0"/>
+              </a:spcBef>
+              <a:spcAft>
+                <a:spcPts val="0"/>
+              </a:spcAft>
+              <a:buNone/>
+            </a:pPr>
+            <a:r>
+              <a:rPr lang="ko" sz="1600"/>
+              <a:t>플레이어가 단축키로 즉시사용할수있는 아이템칸</a:t>
+            </a:r>
+            <a:endParaRPr sz="1600"/>
+          </a:p>
+          <a:p>
+            <a:pPr indent="0" lvl="0" marL="0" rtl="0" algn="l">
+              <a:spcBef>
+                <a:spcPts val="0"/>
+              </a:spcBef>
+              <a:spcAft>
+                <a:spcPts val="0"/>
+              </a:spcAft>
+              <a:buNone/>
+            </a:pPr>
+            <a:r>
+              <a:t/>
+            </a:r>
+            <a:endParaRPr sz="1600">
+              <a:solidFill>
+                <a:schemeClr val="lt1"/>
+              </a:solidFill>
+            </a:endParaRPr>
+          </a:p>
+        </p:txBody>
+      </p:sp>
+      <p:pic>
+        <p:nvPicPr>
+          <p:cNvPr id="138" name="Google Shape;138;p24"/>
+          <p:cNvPicPr preferRelativeResize="0"/>
+          <p:nvPr/>
+        </p:nvPicPr>
+        <p:blipFill>
+          <a:blip r:embed="rId3">
+            <a:alphaModFix/>
+          </a:blip>
+          <a:stretch>
+            <a:fillRect/>
+          </a:stretch>
+        </p:blipFill>
+        <p:spPr>
+          <a:xfrm>
+            <a:off x="311700" y="1058288"/>
+            <a:ext cx="3904561" cy="3780475"/>
+          </a:xfrm>
+          <a:prstGeom prst="rect">
+            <a:avLst/>
+          </a:prstGeom>
+          <a:noFill/>
+          <a:ln>
+            <a:noFill/>
+          </a:ln>
+        </p:spPr>
+      </p:pic>
+    </p:spTree>
+  </p:cSld>
+  <p:clrMapOvr>
+    <a:masterClrMapping/>
+  </p:clrMapOvr>
+</p:sld>
+</file>
+
+<file path=ppt/slides/slide13.xml><?xml version="1.0" encoding="utf-8"?>
+<p:sld xmlns:a="http://schemas.openxmlformats.org/drawingml/2006/main" xmlns:r="http://schemas.openxmlformats.org/officeDocument/2006/relationships" xmlns:mc="http://schemas.openxmlformats.org/markup-compatibility/2006" xmlns:mv="urn:schemas-microsoft-com:mac:vml" xmlns:p="http://schemas.openxmlformats.org/presentationml/2006/main" xmlns:c="http://schemas.openxmlformats.org/drawingml/2006/chart" xmlns:dgm="http://schemas.openxmlformats.org/drawingml/2006/diagram" xmlns:o="urn:schemas-microsoft-com:office:office" xmlns:v="urn:schemas-microsoft-com:vml" xmlns:pvml="urn:schemas-microsoft-com:office:powerpoint" xmlns:com="http://schemas.openxmlformats.org/drawingml/2006/compatibility" xmlns:p14="http://schemas.microsoft.com/office/powerpoint/2010/main" xmlns:p15="http://schemas.microsoft.com/office/powerpoint/2012/main" xmlns:ahyp="http://schemas.microsoft.com/office/drawing/2018/hyperlinkcolor">
+  <p:cSld>
+    <p:spTree>
+      <p:nvGrpSpPr>
+        <p:cNvPr id="142" name="Shape 142"/>
+        <p:cNvGrpSpPr/>
+        <p:nvPr/>
+      </p:nvGrpSpPr>
+      <p:grpSpPr>
+        <a:xfrm>
+          <a:off x="0" y="0"/>
+          <a:ext cx="0" cy="0"/>
+          <a:chOff x="0" y="0"/>
+          <a:chExt cx="0" cy="0"/>
+        </a:xfrm>
+      </p:grpSpPr>
+      <p:sp>
+        <p:nvSpPr>
+          <p:cNvPr id="143" name="Google Shape;143;p25"/>
+          <p:cNvSpPr txBox="1"/>
+          <p:nvPr>
+            <p:ph type="title"/>
+          </p:nvPr>
+        </p:nvSpPr>
+        <p:spPr>
+          <a:xfrm>
+            <a:off x="311700" y="445025"/>
+            <a:ext cx="8520600" cy="613200"/>
+          </a:xfrm>
+          <a:prstGeom prst="rect">
+            <a:avLst/>
+          </a:prstGeom>
+        </p:spPr>
+        <p:txBody>
+          <a:bodyPr anchorCtr="0" anchor="t" bIns="91425" lIns="91425" spcFirstLastPara="1" rIns="91425" wrap="square" tIns="91425">
+            <a:normAutofit fontScale="90000"/>
+          </a:bodyPr>
+          <a:lstStyle/>
+          <a:p>
+            <a:pPr indent="0" lvl="0" marL="0" rtl="0" algn="l">
+              <a:spcBef>
+                <a:spcPts val="0"/>
+              </a:spcBef>
+              <a:spcAft>
+                <a:spcPts val="0"/>
+              </a:spcAft>
+              <a:buNone/>
+            </a:pPr>
+            <a:r>
+              <a:rPr lang="ko"/>
+              <a:t>스크립트소개 - UIInventory(2)</a:t>
+            </a:r>
+            <a:endParaRPr/>
+          </a:p>
+        </p:txBody>
+      </p:sp>
+      <p:sp>
+        <p:nvSpPr>
+          <p:cNvPr id="144" name="Google Shape;144;p25"/>
+          <p:cNvSpPr txBox="1"/>
+          <p:nvPr>
+            <p:ph type="title"/>
+          </p:nvPr>
+        </p:nvSpPr>
+        <p:spPr>
+          <a:xfrm>
+            <a:off x="4766075" y="1058225"/>
+            <a:ext cx="4121100" cy="3780600"/>
+          </a:xfrm>
+          <a:prstGeom prst="rect">
+            <a:avLst/>
+          </a:prstGeom>
+        </p:spPr>
+        <p:txBody>
+          <a:bodyPr anchorCtr="0" anchor="t" bIns="91425" lIns="91425" spcFirstLastPara="1" rIns="91425" wrap="square" tIns="91425">
+            <a:noAutofit/>
+          </a:bodyPr>
+          <a:lstStyle/>
+          <a:p>
+            <a:pPr indent="0" lvl="0" marL="0" rtl="0" algn="l">
+              <a:spcBef>
+                <a:spcPts val="0"/>
+              </a:spcBef>
+              <a:spcAft>
+                <a:spcPts val="0"/>
+              </a:spcAft>
+              <a:buNone/>
+            </a:pPr>
+            <a:r>
+              <a:rPr lang="ko" sz="1600"/>
+              <a:t>A칸에서 B칸으로 이동할때 호출되는 메소드입니다. </a:t>
+            </a:r>
+            <a:endParaRPr sz="1600"/>
+          </a:p>
+          <a:p>
+            <a:pPr indent="0" lvl="0" marL="0" rtl="0" algn="l">
+              <a:spcBef>
+                <a:spcPts val="0"/>
+              </a:spcBef>
+              <a:spcAft>
+                <a:spcPts val="0"/>
+              </a:spcAft>
+              <a:buNone/>
+            </a:pPr>
+            <a:r>
+              <a:t/>
+            </a:r>
+            <a:endParaRPr sz="1600"/>
+          </a:p>
+          <a:p>
+            <a:pPr indent="0" lvl="0" marL="0" rtl="0" algn="l">
+              <a:spcBef>
+                <a:spcPts val="0"/>
+              </a:spcBef>
+              <a:spcAft>
+                <a:spcPts val="0"/>
+              </a:spcAft>
+              <a:buNone/>
+            </a:pPr>
+            <a:r>
+              <a:rPr lang="ko" sz="1600"/>
+              <a:t>3가지 아이템칸에서 모두 자유롭게 이동가능합니다.</a:t>
+            </a:r>
+            <a:endParaRPr sz="1600"/>
+          </a:p>
+          <a:p>
+            <a:pPr indent="0" lvl="0" marL="0" rtl="0" algn="l">
+              <a:spcBef>
+                <a:spcPts val="0"/>
+              </a:spcBef>
+              <a:spcAft>
+                <a:spcPts val="0"/>
+              </a:spcAft>
+              <a:buNone/>
+            </a:pPr>
+            <a:r>
+              <a:t/>
+            </a:r>
+            <a:endParaRPr sz="1600"/>
+          </a:p>
+          <a:p>
+            <a:pPr indent="0" lvl="0" marL="0" rtl="0" algn="l">
+              <a:spcBef>
+                <a:spcPts val="0"/>
+              </a:spcBef>
+              <a:spcAft>
+                <a:spcPts val="0"/>
+              </a:spcAft>
+              <a:buNone/>
+            </a:pPr>
+            <a:r>
+              <a:rPr lang="ko" sz="1600"/>
+              <a:t>장신구칸이 다차있다면 3번째칸과 스왑되게 했습니다.</a:t>
+            </a:r>
+            <a:endParaRPr sz="1600"/>
+          </a:p>
+          <a:p>
+            <a:pPr indent="0" lvl="0" marL="0" rtl="0" algn="l">
+              <a:spcBef>
+                <a:spcPts val="0"/>
+              </a:spcBef>
+              <a:spcAft>
+                <a:spcPts val="0"/>
+              </a:spcAft>
+              <a:buNone/>
+            </a:pPr>
+            <a:r>
+              <a:t/>
+            </a:r>
+            <a:endParaRPr sz="1600"/>
+          </a:p>
+          <a:p>
+            <a:pPr indent="0" lvl="0" marL="0" rtl="0" algn="l">
+              <a:spcBef>
+                <a:spcPts val="0"/>
+              </a:spcBef>
+              <a:spcAft>
+                <a:spcPts val="0"/>
+              </a:spcAft>
+              <a:buNone/>
+            </a:pPr>
+            <a:r>
+              <a:rPr lang="ko" sz="1600"/>
+              <a:t>A-&gt;B 아이템이동시 B칸이 빈칸이라면 B칸에 A칸의 아이템을 복사하고 A칸을 리셋합니다.</a:t>
+            </a:r>
+            <a:endParaRPr sz="1600"/>
+          </a:p>
+          <a:p>
+            <a:pPr indent="0" lvl="0" marL="0" rtl="0" algn="l">
+              <a:spcBef>
+                <a:spcPts val="0"/>
+              </a:spcBef>
+              <a:spcAft>
+                <a:spcPts val="0"/>
+              </a:spcAft>
+              <a:buNone/>
+            </a:pPr>
+            <a:r>
+              <a:t/>
+            </a:r>
+            <a:endParaRPr sz="1600"/>
+          </a:p>
+          <a:p>
+            <a:pPr indent="0" lvl="0" marL="0" rtl="0" algn="l">
+              <a:spcBef>
+                <a:spcPts val="0"/>
+              </a:spcBef>
+              <a:spcAft>
+                <a:spcPts val="0"/>
+              </a:spcAft>
+              <a:buNone/>
+            </a:pPr>
+            <a:r>
+              <a:rPr lang="ko" sz="1600"/>
+              <a:t>B칸이 빈칸이아니라면 tmp를 이용해 깊은복사진행후 스왑되게 했습니다.</a:t>
+            </a:r>
+            <a:endParaRPr sz="1600"/>
+          </a:p>
+          <a:p>
+            <a:pPr indent="0" lvl="0" marL="0" rtl="0" algn="l">
+              <a:spcBef>
+                <a:spcPts val="0"/>
+              </a:spcBef>
+              <a:spcAft>
+                <a:spcPts val="0"/>
+              </a:spcAft>
+              <a:buNone/>
+            </a:pPr>
+            <a:r>
+              <a:t/>
+            </a:r>
+            <a:endParaRPr sz="1600"/>
+          </a:p>
+          <a:p>
+            <a:pPr indent="0" lvl="0" marL="0" rtl="0" algn="l">
+              <a:spcBef>
+                <a:spcPts val="0"/>
+              </a:spcBef>
+              <a:spcAft>
+                <a:spcPts val="0"/>
+              </a:spcAft>
+              <a:buNone/>
+            </a:pPr>
+            <a:r>
+              <a:t/>
+            </a:r>
+            <a:endParaRPr sz="1600">
+              <a:solidFill>
+                <a:schemeClr val="lt1"/>
+              </a:solidFill>
+            </a:endParaRPr>
+          </a:p>
+        </p:txBody>
+      </p:sp>
+      <p:pic>
+        <p:nvPicPr>
+          <p:cNvPr id="145" name="Google Shape;145;p25"/>
+          <p:cNvPicPr preferRelativeResize="0"/>
+          <p:nvPr/>
+        </p:nvPicPr>
+        <p:blipFill>
+          <a:blip r:embed="rId3">
+            <a:alphaModFix/>
+          </a:blip>
+          <a:stretch>
+            <a:fillRect/>
+          </a:stretch>
+        </p:blipFill>
+        <p:spPr>
+          <a:xfrm>
+            <a:off x="311700" y="1058300"/>
+            <a:ext cx="4349525" cy="3912175"/>
+          </a:xfrm>
+          <a:prstGeom prst="rect">
+            <a:avLst/>
+          </a:prstGeom>
+          <a:noFill/>
+          <a:ln>
+            <a:noFill/>
+          </a:ln>
+        </p:spPr>
+      </p:pic>
+    </p:spTree>
+  </p:cSld>
+  <p:clrMapOvr>
+    <a:masterClrMapping/>
+  </p:clrMapOvr>
+</p:sld>
+</file>
+
+<file path=ppt/slides/slide14.xml><?xml version="1.0" encoding="utf-8"?>
+<p:sld xmlns:a="http://schemas.openxmlformats.org/drawingml/2006/main" xmlns:r="http://schemas.openxmlformats.org/officeDocument/2006/relationships" xmlns:mc="http://schemas.openxmlformats.org/markup-compatibility/2006" xmlns:mv="urn:schemas-microsoft-com:mac:vml" xmlns:p="http://schemas.openxmlformats.org/presentationml/2006/main" xmlns:c="http://schemas.openxmlformats.org/drawingml/2006/chart" xmlns:dgm="http://schemas.openxmlformats.org/drawingml/2006/diagram" xmlns:o="urn:schemas-microsoft-com:office:office" xmlns:v="urn:schemas-microsoft-com:vml" xmlns:pvml="urn:schemas-microsoft-com:office:powerpoint" xmlns:com="http://schemas.openxmlformats.org/drawingml/2006/compatibility" xmlns:p14="http://schemas.microsoft.com/office/powerpoint/2010/main" xmlns:p15="http://schemas.microsoft.com/office/powerpoint/2012/main" xmlns:ahyp="http://schemas.microsoft.com/office/drawing/2018/hyperlinkcolor">
+  <p:cSld>
+    <p:spTree>
+      <p:nvGrpSpPr>
+        <p:cNvPr id="149" name="Shape 149"/>
+        <p:cNvGrpSpPr/>
+        <p:nvPr/>
+      </p:nvGrpSpPr>
+      <p:grpSpPr>
+        <a:xfrm>
+          <a:off x="0" y="0"/>
+          <a:ext cx="0" cy="0"/>
+          <a:chOff x="0" y="0"/>
+          <a:chExt cx="0" cy="0"/>
+        </a:xfrm>
+      </p:grpSpPr>
+      <p:sp>
+        <p:nvSpPr>
+          <p:cNvPr id="150" name="Google Shape;150;p26"/>
+          <p:cNvSpPr txBox="1"/>
+          <p:nvPr>
+            <p:ph type="title"/>
+          </p:nvPr>
+        </p:nvSpPr>
+        <p:spPr>
+          <a:xfrm>
+            <a:off x="311700" y="445025"/>
+            <a:ext cx="8520600" cy="613200"/>
+          </a:xfrm>
+          <a:prstGeom prst="rect">
+            <a:avLst/>
+          </a:prstGeom>
+        </p:spPr>
+        <p:txBody>
+          <a:bodyPr anchorCtr="0" anchor="t" bIns="91425" lIns="91425" spcFirstLastPara="1" rIns="91425" wrap="square" tIns="91425">
+            <a:normAutofit fontScale="90000"/>
+          </a:bodyPr>
+          <a:lstStyle/>
+          <a:p>
+            <a:pPr indent="0" lvl="0" marL="0" rtl="0" algn="l">
+              <a:spcBef>
+                <a:spcPts val="0"/>
+              </a:spcBef>
+              <a:spcAft>
+                <a:spcPts val="0"/>
+              </a:spcAft>
+              <a:buNone/>
+            </a:pPr>
+            <a:r>
+              <a:rPr lang="ko"/>
+              <a:t>스크립트소개 - EnemyEntity(1)</a:t>
+            </a:r>
+            <a:endParaRPr/>
+          </a:p>
+        </p:txBody>
+      </p:sp>
+      <p:sp>
+        <p:nvSpPr>
+          <p:cNvPr id="151" name="Google Shape;151;p26"/>
+          <p:cNvSpPr txBox="1"/>
+          <p:nvPr>
+            <p:ph type="title"/>
+          </p:nvPr>
+        </p:nvSpPr>
+        <p:spPr>
+          <a:xfrm>
+            <a:off x="4766075" y="1058225"/>
+            <a:ext cx="4121100" cy="3780600"/>
+          </a:xfrm>
+          <a:prstGeom prst="rect">
+            <a:avLst/>
+          </a:prstGeom>
+        </p:spPr>
+        <p:txBody>
+          <a:bodyPr anchorCtr="0" anchor="t" bIns="91425" lIns="91425" spcFirstLastPara="1" rIns="91425" wrap="square" tIns="91425">
+            <a:noAutofit/>
+          </a:bodyPr>
+          <a:lstStyle/>
+          <a:p>
+            <a:pPr indent="0" lvl="0" marL="0" rtl="0" algn="l">
+              <a:spcBef>
+                <a:spcPts val="0"/>
+              </a:spcBef>
+              <a:spcAft>
+                <a:spcPts val="0"/>
+              </a:spcAft>
+              <a:buNone/>
+            </a:pPr>
+            <a:r>
+              <a:rPr lang="ko" sz="1600"/>
+              <a:t>보스클래스의 부모클래스입니다.</a:t>
+            </a:r>
+            <a:endParaRPr sz="1600"/>
+          </a:p>
+          <a:p>
+            <a:pPr indent="0" lvl="0" marL="0" rtl="0" algn="l">
+              <a:spcBef>
+                <a:spcPts val="0"/>
+              </a:spcBef>
+              <a:spcAft>
+                <a:spcPts val="0"/>
+              </a:spcAft>
+              <a:buNone/>
+            </a:pPr>
+            <a:r>
+              <a:t/>
+            </a:r>
+            <a:endParaRPr sz="1600"/>
+          </a:p>
+          <a:p>
+            <a:pPr indent="0" lvl="0" marL="0" rtl="0" algn="l">
+              <a:spcBef>
+                <a:spcPts val="0"/>
+              </a:spcBef>
+              <a:spcAft>
+                <a:spcPts val="0"/>
+              </a:spcAft>
+              <a:buNone/>
+            </a:pPr>
+            <a:r>
+              <a:rPr lang="ko" sz="1600"/>
+              <a:t>보스의 기본적인 정보와 메소드를 넣었습니다.</a:t>
+            </a:r>
+            <a:endParaRPr sz="1600"/>
+          </a:p>
+          <a:p>
+            <a:pPr indent="0" lvl="0" marL="0" rtl="0" algn="l">
+              <a:spcBef>
+                <a:spcPts val="0"/>
+              </a:spcBef>
+              <a:spcAft>
+                <a:spcPts val="0"/>
+              </a:spcAft>
+              <a:buNone/>
+            </a:pPr>
+            <a:r>
+              <a:t/>
+            </a:r>
+            <a:endParaRPr sz="1600"/>
+          </a:p>
+          <a:p>
+            <a:pPr indent="0" lvl="0" marL="0" rtl="0" algn="l">
+              <a:spcBef>
+                <a:spcPts val="0"/>
+              </a:spcBef>
+              <a:spcAft>
+                <a:spcPts val="0"/>
+              </a:spcAft>
+              <a:buNone/>
+            </a:pPr>
+            <a:r>
+              <a:rPr lang="ko" sz="1600"/>
+              <a:t>Start()에서는 보스체력초기화, HealthUI표시, 보스스폰이 있습니다.</a:t>
+            </a:r>
+            <a:endParaRPr sz="1600"/>
+          </a:p>
+          <a:p>
+            <a:pPr indent="0" lvl="0" marL="0" rtl="0" algn="l">
+              <a:spcBef>
+                <a:spcPts val="0"/>
+              </a:spcBef>
+              <a:spcAft>
+                <a:spcPts val="0"/>
+              </a:spcAft>
+              <a:buNone/>
+            </a:pPr>
+            <a:r>
+              <a:t/>
+            </a:r>
+            <a:endParaRPr sz="1600"/>
+          </a:p>
+          <a:p>
+            <a:pPr indent="0" lvl="0" marL="0" rtl="0" algn="l">
+              <a:spcBef>
+                <a:spcPts val="0"/>
+              </a:spcBef>
+              <a:spcAft>
+                <a:spcPts val="0"/>
+              </a:spcAft>
+              <a:buNone/>
+            </a:pPr>
+            <a:r>
+              <a:rPr lang="ko" sz="1600"/>
+              <a:t>OnDamaged()에서는 보스의 피격시 체력감소, 데미지텍스트표시, 사망시, 피격이펙트를 담고있습니다.</a:t>
+            </a:r>
+            <a:endParaRPr sz="1600"/>
+          </a:p>
+          <a:p>
+            <a:pPr indent="0" lvl="0" marL="0" rtl="0" algn="l">
+              <a:spcBef>
+                <a:spcPts val="0"/>
+              </a:spcBef>
+              <a:spcAft>
+                <a:spcPts val="0"/>
+              </a:spcAft>
+              <a:buNone/>
+            </a:pPr>
+            <a:r>
+              <a:t/>
+            </a:r>
+            <a:endParaRPr sz="1600"/>
+          </a:p>
+          <a:p>
+            <a:pPr indent="0" lvl="0" marL="0" rtl="0" algn="l">
+              <a:spcBef>
+                <a:spcPts val="0"/>
+              </a:spcBef>
+              <a:spcAft>
+                <a:spcPts val="0"/>
+              </a:spcAft>
+              <a:buNone/>
+            </a:pPr>
+            <a:r>
+              <a:t/>
+            </a:r>
+            <a:endParaRPr sz="1600"/>
+          </a:p>
+          <a:p>
+            <a:pPr indent="0" lvl="0" marL="0" rtl="0" algn="l">
+              <a:spcBef>
+                <a:spcPts val="0"/>
+              </a:spcBef>
+              <a:spcAft>
+                <a:spcPts val="0"/>
+              </a:spcAft>
+              <a:buNone/>
+            </a:pPr>
+            <a:r>
+              <a:t/>
+            </a:r>
+            <a:endParaRPr sz="1600">
+              <a:solidFill>
+                <a:schemeClr val="lt1"/>
+              </a:solidFill>
+            </a:endParaRPr>
+          </a:p>
+        </p:txBody>
+      </p:sp>
+      <p:pic>
+        <p:nvPicPr>
+          <p:cNvPr id="152" name="Google Shape;152;p26"/>
+          <p:cNvPicPr preferRelativeResize="0"/>
+          <p:nvPr/>
+        </p:nvPicPr>
+        <p:blipFill>
+          <a:blip r:embed="rId3">
+            <a:alphaModFix/>
+          </a:blip>
+          <a:stretch>
+            <a:fillRect/>
+          </a:stretch>
+        </p:blipFill>
+        <p:spPr>
+          <a:xfrm>
+            <a:off x="311700" y="1058300"/>
+            <a:ext cx="4121100" cy="3780476"/>
+          </a:xfrm>
+          <a:prstGeom prst="rect">
+            <a:avLst/>
+          </a:prstGeom>
+          <a:noFill/>
+          <a:ln>
+            <a:noFill/>
+          </a:ln>
+        </p:spPr>
+      </p:pic>
+    </p:spTree>
+  </p:cSld>
+  <p:clrMapOvr>
+    <a:masterClrMapping/>
+  </p:clrMapOvr>
+</p:sld>
+</file>
+
+<file path=ppt/slides/slide15.xml><?xml version="1.0" encoding="utf-8"?>
+<p:sld xmlns:a="http://schemas.openxmlformats.org/drawingml/2006/main" xmlns:r="http://schemas.openxmlformats.org/officeDocument/2006/relationships" xmlns:mc="http://schemas.openxmlformats.org/markup-compatibility/2006" xmlns:mv="urn:schemas-microsoft-com:mac:vml" xmlns:p="http://schemas.openxmlformats.org/presentationml/2006/main" xmlns:c="http://schemas.openxmlformats.org/drawingml/2006/chart" xmlns:dgm="http://schemas.openxmlformats.org/drawingml/2006/diagram" xmlns:o="urn:schemas-microsoft-com:office:office" xmlns:v="urn:schemas-microsoft-com:vml" xmlns:pvml="urn:schemas-microsoft-com:office:powerpoint" xmlns:com="http://schemas.openxmlformats.org/drawingml/2006/compatibility" xmlns:p14="http://schemas.microsoft.com/office/powerpoint/2010/main" xmlns:p15="http://schemas.microsoft.com/office/powerpoint/2012/main" xmlns:ahyp="http://schemas.microsoft.com/office/drawing/2018/hyperlinkcolor">
+  <p:cSld>
+    <p:spTree>
+      <p:nvGrpSpPr>
+        <p:cNvPr id="156" name="Shape 156"/>
+        <p:cNvGrpSpPr/>
+        <p:nvPr/>
+      </p:nvGrpSpPr>
+      <p:grpSpPr>
+        <a:xfrm>
+          <a:off x="0" y="0"/>
+          <a:ext cx="0" cy="0"/>
+          <a:chOff x="0" y="0"/>
+          <a:chExt cx="0" cy="0"/>
+        </a:xfrm>
+      </p:grpSpPr>
+      <p:sp>
+        <p:nvSpPr>
+          <p:cNvPr id="157" name="Google Shape;157;p27"/>
+          <p:cNvSpPr txBox="1"/>
+          <p:nvPr>
+            <p:ph type="title"/>
+          </p:nvPr>
+        </p:nvSpPr>
+        <p:spPr>
+          <a:xfrm>
+            <a:off x="311700" y="445025"/>
+            <a:ext cx="8520600" cy="613200"/>
+          </a:xfrm>
+          <a:prstGeom prst="rect">
+            <a:avLst/>
+          </a:prstGeom>
+        </p:spPr>
+        <p:txBody>
+          <a:bodyPr anchorCtr="0" anchor="t" bIns="91425" lIns="91425" spcFirstLastPara="1" rIns="91425" wrap="square" tIns="91425">
+            <a:normAutofit fontScale="90000"/>
+          </a:bodyPr>
+          <a:lstStyle/>
+          <a:p>
+            <a:pPr indent="0" lvl="0" marL="0" rtl="0" algn="l">
+              <a:spcBef>
+                <a:spcPts val="0"/>
+              </a:spcBef>
+              <a:spcAft>
+                <a:spcPts val="0"/>
+              </a:spcAft>
+              <a:buNone/>
+            </a:pPr>
+            <a:r>
+              <a:rPr lang="ko"/>
+              <a:t>스크립트소개 - EnemyEntity(2)</a:t>
+            </a:r>
+            <a:endParaRPr/>
+          </a:p>
+        </p:txBody>
+      </p:sp>
+      <p:pic>
+        <p:nvPicPr>
+          <p:cNvPr id="158" name="Google Shape;158;p27"/>
+          <p:cNvPicPr preferRelativeResize="0"/>
+          <p:nvPr/>
+        </p:nvPicPr>
+        <p:blipFill>
+          <a:blip r:embed="rId3">
+            <a:alphaModFix/>
+          </a:blip>
+          <a:stretch>
+            <a:fillRect/>
+          </a:stretch>
+        </p:blipFill>
+        <p:spPr>
+          <a:xfrm>
+            <a:off x="215325" y="1103988"/>
+            <a:ext cx="8520601" cy="3689075"/>
+          </a:xfrm>
+          <a:prstGeom prst="rect">
+            <a:avLst/>
+          </a:prstGeom>
+          <a:noFill/>
+          <a:ln>
+            <a:noFill/>
+          </a:ln>
+        </p:spPr>
+      </p:pic>
+      <p:sp>
+        <p:nvSpPr>
+          <p:cNvPr id="159" name="Google Shape;159;p27"/>
+          <p:cNvSpPr txBox="1"/>
+          <p:nvPr>
+            <p:ph type="title"/>
+          </p:nvPr>
+        </p:nvSpPr>
+        <p:spPr>
+          <a:xfrm>
+            <a:off x="4766075" y="1058225"/>
+            <a:ext cx="4121100" cy="3780600"/>
+          </a:xfrm>
+          <a:prstGeom prst="rect">
+            <a:avLst/>
+          </a:prstGeom>
+        </p:spPr>
+        <p:txBody>
+          <a:bodyPr anchorCtr="0" anchor="t" bIns="91425" lIns="91425" spcFirstLastPara="1" rIns="91425" wrap="square" tIns="91425">
+            <a:noAutofit/>
+          </a:bodyPr>
+          <a:lstStyle/>
+          <a:p>
+            <a:pPr indent="0" lvl="0" marL="0" rtl="0" algn="l">
+              <a:spcBef>
+                <a:spcPts val="0"/>
+              </a:spcBef>
+              <a:spcAft>
+                <a:spcPts val="0"/>
+              </a:spcAft>
+              <a:buNone/>
+            </a:pPr>
+            <a:r>
+              <a:t/>
+            </a:r>
+            <a:endParaRPr sz="1600">
+              <a:solidFill>
+                <a:schemeClr val="lt1"/>
+              </a:solidFill>
+            </a:endParaRPr>
+          </a:p>
+          <a:p>
+            <a:pPr indent="0" lvl="0" marL="0" rtl="0" algn="l">
+              <a:spcBef>
+                <a:spcPts val="0"/>
+              </a:spcBef>
+              <a:spcAft>
+                <a:spcPts val="0"/>
+              </a:spcAft>
+              <a:buNone/>
+            </a:pPr>
+            <a:r>
+              <a:t/>
+            </a:r>
+            <a:endParaRPr sz="1600">
+              <a:solidFill>
+                <a:schemeClr val="lt1"/>
+              </a:solidFill>
+            </a:endParaRPr>
+          </a:p>
+          <a:p>
+            <a:pPr indent="0" lvl="0" marL="0" rtl="0" algn="l">
+              <a:spcBef>
+                <a:spcPts val="0"/>
+              </a:spcBef>
+              <a:spcAft>
+                <a:spcPts val="0"/>
+              </a:spcAft>
+              <a:buNone/>
+            </a:pPr>
+            <a:r>
+              <a:t/>
+            </a:r>
+            <a:endParaRPr sz="1600">
+              <a:solidFill>
+                <a:schemeClr val="lt1"/>
+              </a:solidFill>
+            </a:endParaRPr>
+          </a:p>
+          <a:p>
+            <a:pPr indent="0" lvl="0" marL="0" rtl="0" algn="l">
+              <a:spcBef>
+                <a:spcPts val="0"/>
+              </a:spcBef>
+              <a:spcAft>
+                <a:spcPts val="0"/>
+              </a:spcAft>
+              <a:buNone/>
+            </a:pPr>
+            <a:r>
+              <a:rPr lang="ko" sz="1600">
+                <a:solidFill>
+                  <a:schemeClr val="lt1"/>
+                </a:solidFill>
+              </a:rPr>
+              <a:t>DamagedEffect()는 쉐이더를 만들어서 피격시마다 보스스프라이트가 반짝 빛나도록 연출 했습니다.</a:t>
+            </a:r>
+            <a:endParaRPr sz="1600">
+              <a:solidFill>
+                <a:schemeClr val="lt1"/>
+              </a:solidFill>
+            </a:endParaRPr>
+          </a:p>
+          <a:p>
+            <a:pPr indent="0" lvl="0" marL="0" rtl="0" algn="l">
+              <a:spcBef>
+                <a:spcPts val="0"/>
+              </a:spcBef>
+              <a:spcAft>
+                <a:spcPts val="0"/>
+              </a:spcAft>
+              <a:buNone/>
+            </a:pPr>
+            <a:r>
+              <a:t/>
+            </a:r>
+            <a:endParaRPr sz="1600">
+              <a:solidFill>
+                <a:schemeClr val="lt1"/>
+              </a:solidFill>
+            </a:endParaRPr>
+          </a:p>
+          <a:p>
+            <a:pPr indent="0" lvl="0" marL="0" rtl="0" algn="l">
+              <a:spcBef>
+                <a:spcPts val="0"/>
+              </a:spcBef>
+              <a:spcAft>
+                <a:spcPts val="0"/>
+              </a:spcAft>
+              <a:buNone/>
+            </a:pPr>
+            <a:r>
+              <a:t/>
+            </a:r>
+            <a:endParaRPr sz="1600">
+              <a:solidFill>
+                <a:schemeClr val="lt1"/>
+              </a:solidFill>
+            </a:endParaRPr>
+          </a:p>
+          <a:p>
+            <a:pPr indent="0" lvl="0" marL="0" rtl="0" algn="l">
+              <a:spcBef>
+                <a:spcPts val="0"/>
+              </a:spcBef>
+              <a:spcAft>
+                <a:spcPts val="0"/>
+              </a:spcAft>
+              <a:buNone/>
+            </a:pPr>
+            <a:r>
+              <a:t/>
+            </a:r>
+            <a:endParaRPr sz="1600"/>
+          </a:p>
+          <a:p>
+            <a:pPr indent="0" lvl="0" marL="0" rtl="0" algn="l">
+              <a:spcBef>
+                <a:spcPts val="0"/>
+              </a:spcBef>
+              <a:spcAft>
+                <a:spcPts val="0"/>
+              </a:spcAft>
+              <a:buNone/>
+            </a:pPr>
+            <a:r>
+              <a:t/>
+            </a:r>
+            <a:endParaRPr sz="1600">
+              <a:solidFill>
+                <a:schemeClr val="lt1"/>
+              </a:solidFill>
+            </a:endParaRPr>
+          </a:p>
+        </p:txBody>
+      </p:sp>
+    </p:spTree>
+  </p:cSld>
+  <p:clrMapOvr>
+    <a:masterClrMapping/>
+  </p:clrMapOvr>
+</p:sld>
+</file>
+
+<file path=ppt/slides/slide16.xml><?xml version="1.0" encoding="utf-8"?>
+<p:sld xmlns:a="http://schemas.openxmlformats.org/drawingml/2006/main" xmlns:r="http://schemas.openxmlformats.org/officeDocument/2006/relationships" xmlns:mc="http://schemas.openxmlformats.org/markup-compatibility/2006" xmlns:mv="urn:schemas-microsoft-com:mac:vml" xmlns:p="http://schemas.openxmlformats.org/presentationml/2006/main" xmlns:c="http://schemas.openxmlformats.org/drawingml/2006/chart" xmlns:dgm="http://schemas.openxmlformats.org/drawingml/2006/diagram" xmlns:o="urn:schemas-microsoft-com:office:office" xmlns:v="urn:schemas-microsoft-com:vml" xmlns:pvml="urn:schemas-microsoft-com:office:powerpoint" xmlns:com="http://schemas.openxmlformats.org/drawingml/2006/compatibility" xmlns:p14="http://schemas.microsoft.com/office/powerpoint/2010/main" xmlns:p15="http://schemas.microsoft.com/office/powerpoint/2012/main" xmlns:ahyp="http://schemas.microsoft.com/office/drawing/2018/hyperlinkcolor">
+  <p:cSld>
+    <p:spTree>
+      <p:nvGrpSpPr>
+        <p:cNvPr id="163" name="Shape 163"/>
+        <p:cNvGrpSpPr/>
+        <p:nvPr/>
+      </p:nvGrpSpPr>
+      <p:grpSpPr>
+        <a:xfrm>
+          <a:off x="0" y="0"/>
+          <a:ext cx="0" cy="0"/>
+          <a:chOff x="0" y="0"/>
+          <a:chExt cx="0" cy="0"/>
+        </a:xfrm>
+      </p:grpSpPr>
+      <p:sp>
+        <p:nvSpPr>
+          <p:cNvPr id="164" name="Google Shape;164;p28"/>
+          <p:cNvSpPr txBox="1"/>
+          <p:nvPr>
+            <p:ph type="title"/>
+          </p:nvPr>
+        </p:nvSpPr>
+        <p:spPr>
+          <a:xfrm>
+            <a:off x="311700" y="445025"/>
+            <a:ext cx="8520600" cy="613200"/>
+          </a:xfrm>
+          <a:prstGeom prst="rect">
+            <a:avLst/>
+          </a:prstGeom>
+        </p:spPr>
+        <p:txBody>
+          <a:bodyPr anchorCtr="0" anchor="t" bIns="91425" lIns="91425" spcFirstLastPara="1" rIns="91425" wrap="square" tIns="91425">
+            <a:normAutofit fontScale="90000"/>
+          </a:bodyPr>
+          <a:lstStyle/>
+          <a:p>
+            <a:pPr indent="0" lvl="0" marL="0" rtl="0" algn="l">
+              <a:spcBef>
+                <a:spcPts val="0"/>
+              </a:spcBef>
+              <a:spcAft>
+                <a:spcPts val="0"/>
+              </a:spcAft>
+              <a:buNone/>
+            </a:pPr>
+            <a:r>
+              <a:rPr lang="ko"/>
+              <a:t>스크립트소개 - AirBoss</a:t>
+            </a:r>
+            <a:endParaRPr/>
+          </a:p>
+        </p:txBody>
+      </p:sp>
+      <p:sp>
+        <p:nvSpPr>
+          <p:cNvPr id="165" name="Google Shape;165;p28"/>
+          <p:cNvSpPr txBox="1"/>
+          <p:nvPr>
+            <p:ph type="title"/>
+          </p:nvPr>
+        </p:nvSpPr>
+        <p:spPr>
+          <a:xfrm>
+            <a:off x="4766075" y="1058225"/>
+            <a:ext cx="4121100" cy="3780600"/>
+          </a:xfrm>
+          <a:prstGeom prst="rect">
+            <a:avLst/>
+          </a:prstGeom>
+        </p:spPr>
+        <p:txBody>
+          <a:bodyPr anchorCtr="0" anchor="t" bIns="91425" lIns="91425" spcFirstLastPara="1" rIns="91425" wrap="square" tIns="91425">
+            <a:noAutofit/>
+          </a:bodyPr>
+          <a:lstStyle/>
+          <a:p>
+            <a:pPr indent="0" lvl="0" marL="0" rtl="0" algn="l">
+              <a:spcBef>
+                <a:spcPts val="0"/>
+              </a:spcBef>
+              <a:spcAft>
+                <a:spcPts val="0"/>
+              </a:spcAft>
+              <a:buNone/>
+            </a:pPr>
+            <a:r>
+              <a:rPr lang="ko" sz="1600"/>
+              <a:t>EnemyEntity를 상속받았습니다.</a:t>
+            </a:r>
+            <a:endParaRPr sz="1600"/>
+          </a:p>
+          <a:p>
+            <a:pPr indent="0" lvl="0" marL="0" rtl="0" algn="l">
+              <a:spcBef>
+                <a:spcPts val="0"/>
+              </a:spcBef>
+              <a:spcAft>
+                <a:spcPts val="0"/>
+              </a:spcAft>
+              <a:buNone/>
+            </a:pPr>
+            <a:r>
+              <a:t/>
+            </a:r>
+            <a:endParaRPr sz="1600"/>
+          </a:p>
+          <a:p>
+            <a:pPr indent="0" lvl="0" marL="0" rtl="0" algn="l">
+              <a:spcBef>
+                <a:spcPts val="0"/>
+              </a:spcBef>
+              <a:spcAft>
+                <a:spcPts val="0"/>
+              </a:spcAft>
+              <a:buNone/>
+            </a:pPr>
+            <a:r>
+              <a:rPr lang="ko" sz="1600"/>
+              <a:t>BaseBossState를 시작으로 4개의 State로 StatePattern을 사용했습니다.</a:t>
+            </a:r>
+            <a:endParaRPr sz="1600"/>
+          </a:p>
+          <a:p>
+            <a:pPr indent="0" lvl="0" marL="0" rtl="0" algn="l">
+              <a:spcBef>
+                <a:spcPts val="0"/>
+              </a:spcBef>
+              <a:spcAft>
+                <a:spcPts val="0"/>
+              </a:spcAft>
+              <a:buNone/>
+            </a:pPr>
+            <a:r>
+              <a:t/>
+            </a:r>
+            <a:endParaRPr sz="1600"/>
+          </a:p>
+          <a:p>
+            <a:pPr indent="0" lvl="0" marL="0" rtl="0" algn="l">
+              <a:spcBef>
+                <a:spcPts val="0"/>
+              </a:spcBef>
+              <a:spcAft>
+                <a:spcPts val="0"/>
+              </a:spcAft>
+              <a:buNone/>
+            </a:pPr>
+            <a:r>
+              <a:rPr lang="ko" sz="1600"/>
+              <a:t>패턴을 랜덤하게 바꾸거나, 특정패턴으로 바꿀수있게 했습니다.</a:t>
+            </a:r>
+            <a:endParaRPr sz="1600"/>
+          </a:p>
+          <a:p>
+            <a:pPr indent="0" lvl="0" marL="0" rtl="0" algn="l">
+              <a:spcBef>
+                <a:spcPts val="0"/>
+              </a:spcBef>
+              <a:spcAft>
+                <a:spcPts val="0"/>
+              </a:spcAft>
+              <a:buNone/>
+            </a:pPr>
+            <a:r>
+              <a:t/>
+            </a:r>
+            <a:endParaRPr sz="1600"/>
+          </a:p>
+          <a:p>
+            <a:pPr indent="0" lvl="0" marL="0" rtl="0" algn="l">
+              <a:spcBef>
+                <a:spcPts val="0"/>
+              </a:spcBef>
+              <a:spcAft>
+                <a:spcPts val="0"/>
+              </a:spcAft>
+              <a:buNone/>
+            </a:pPr>
+            <a:r>
+              <a:rPr lang="ko" sz="1600"/>
+              <a:t>사망시 AirBossDropItem에 저장된 아이템을 드랍하게 하며 귀환포탈을 찾아 활성화하게 했습니다.</a:t>
+            </a:r>
+            <a:endParaRPr sz="1600"/>
+          </a:p>
+          <a:p>
+            <a:pPr indent="0" lvl="0" marL="0" rtl="0" algn="l">
+              <a:spcBef>
+                <a:spcPts val="0"/>
+              </a:spcBef>
+              <a:spcAft>
+                <a:spcPts val="0"/>
+              </a:spcAft>
+              <a:buNone/>
+            </a:pPr>
+            <a:r>
+              <a:t/>
+            </a:r>
+            <a:endParaRPr sz="1600">
+              <a:solidFill>
+                <a:schemeClr val="lt1"/>
+              </a:solidFill>
+            </a:endParaRPr>
+          </a:p>
+        </p:txBody>
+      </p:sp>
+      <p:pic>
+        <p:nvPicPr>
+          <p:cNvPr id="166" name="Google Shape;166;p28"/>
+          <p:cNvPicPr preferRelativeResize="0"/>
+          <p:nvPr/>
+        </p:nvPicPr>
+        <p:blipFill>
+          <a:blip r:embed="rId3">
+            <a:alphaModFix/>
+          </a:blip>
+          <a:stretch>
+            <a:fillRect/>
+          </a:stretch>
+        </p:blipFill>
+        <p:spPr>
+          <a:xfrm>
+            <a:off x="311700" y="1058300"/>
+            <a:ext cx="4121101" cy="3780451"/>
+          </a:xfrm>
+          <a:prstGeom prst="rect">
+            <a:avLst/>
+          </a:prstGeom>
+          <a:noFill/>
+          <a:ln>
+            <a:noFill/>
+          </a:ln>
+        </p:spPr>
+      </p:pic>
+    </p:spTree>
+  </p:cSld>
+  <p:clrMapOvr>
+    <a:masterClrMapping/>
+  </p:clrMapOvr>
+</p:sld>
+</file>
+
+<file path=ppt/slides/slide17.xml><?xml version="1.0" encoding="utf-8"?>
+<p:sld xmlns:a="http://schemas.openxmlformats.org/drawingml/2006/main" xmlns:r="http://schemas.openxmlformats.org/officeDocument/2006/relationships" xmlns:mc="http://schemas.openxmlformats.org/markup-compatibility/2006" xmlns:mv="urn:schemas-microsoft-com:mac:vml" xmlns:p="http://schemas.openxmlformats.org/presentationml/2006/main" xmlns:c="http://schemas.openxmlformats.org/drawingml/2006/chart" xmlns:dgm="http://schemas.openxmlformats.org/drawingml/2006/diagram" xmlns:o="urn:schemas-microsoft-com:office:office" xmlns:v="urn:schemas-microsoft-com:vml" xmlns:pvml="urn:schemas-microsoft-com:office:powerpoint" xmlns:com="http://schemas.openxmlformats.org/drawingml/2006/compatibility" xmlns:p14="http://schemas.microsoft.com/office/powerpoint/2010/main" xmlns:p15="http://schemas.microsoft.com/office/powerpoint/2012/main" xmlns:ahyp="http://schemas.microsoft.com/office/drawing/2018/hyperlinkcolor">
+  <p:cSld>
+    <p:spTree>
+      <p:nvGrpSpPr>
+        <p:cNvPr id="170" name="Shape 170"/>
+        <p:cNvGrpSpPr/>
+        <p:nvPr/>
+      </p:nvGrpSpPr>
+      <p:grpSpPr>
+        <a:xfrm>
+          <a:off x="0" y="0"/>
+          <a:ext cx="0" cy="0"/>
+          <a:chOff x="0" y="0"/>
+          <a:chExt cx="0" cy="0"/>
+        </a:xfrm>
+      </p:grpSpPr>
+      <p:sp>
+        <p:nvSpPr>
+          <p:cNvPr id="171" name="Google Shape;171;p29"/>
+          <p:cNvSpPr txBox="1"/>
+          <p:nvPr>
+            <p:ph type="title"/>
+          </p:nvPr>
+        </p:nvSpPr>
+        <p:spPr>
+          <a:xfrm>
+            <a:off x="311700" y="445025"/>
+            <a:ext cx="8520600" cy="613200"/>
+          </a:xfrm>
+          <a:prstGeom prst="rect">
+            <a:avLst/>
+          </a:prstGeom>
+        </p:spPr>
+        <p:txBody>
+          <a:bodyPr anchorCtr="0" anchor="t" bIns="91425" lIns="91425" spcFirstLastPara="1" rIns="91425" wrap="square" tIns="91425">
+            <a:normAutofit fontScale="90000"/>
+          </a:bodyPr>
+          <a:lstStyle/>
+          <a:p>
+            <a:pPr indent="0" lvl="0" marL="0" rtl="0" algn="l">
+              <a:spcBef>
+                <a:spcPts val="0"/>
+              </a:spcBef>
+              <a:spcAft>
+                <a:spcPts val="0"/>
+              </a:spcAft>
+              <a:buNone/>
+            </a:pPr>
+            <a:r>
+              <a:rPr lang="ko"/>
+              <a:t>스크립트소개 - AirBossRainAttack</a:t>
+            </a:r>
+            <a:endParaRPr/>
+          </a:p>
+        </p:txBody>
+      </p:sp>
+      <p:sp>
+        <p:nvSpPr>
+          <p:cNvPr id="172" name="Google Shape;172;p29"/>
+          <p:cNvSpPr txBox="1"/>
+          <p:nvPr>
+            <p:ph type="title"/>
+          </p:nvPr>
+        </p:nvSpPr>
+        <p:spPr>
+          <a:xfrm>
+            <a:off x="4766075" y="1058225"/>
+            <a:ext cx="4121100" cy="3780600"/>
+          </a:xfrm>
+          <a:prstGeom prst="rect">
+            <a:avLst/>
+          </a:prstGeom>
+        </p:spPr>
+        <p:txBody>
+          <a:bodyPr anchorCtr="0" anchor="t" bIns="91425" lIns="91425" spcFirstLastPara="1" rIns="91425" wrap="square" tIns="91425">
+            <a:noAutofit/>
+          </a:bodyPr>
+          <a:lstStyle/>
+          <a:p>
+            <a:pPr indent="0" lvl="0" marL="0" rtl="0" algn="l">
+              <a:spcBef>
+                <a:spcPts val="0"/>
+              </a:spcBef>
+              <a:spcAft>
+                <a:spcPts val="0"/>
+              </a:spcAft>
+              <a:buNone/>
+            </a:pPr>
+            <a:r>
+              <a:rPr lang="ko" sz="1600"/>
+              <a:t>캡처한 부분에 없는 EnterState에서는 기본적인 변수를 초기화했습니다.</a:t>
+            </a:r>
+            <a:endParaRPr sz="1600"/>
+          </a:p>
+          <a:p>
+            <a:pPr indent="0" lvl="0" marL="0" rtl="0" algn="l">
+              <a:spcBef>
+                <a:spcPts val="0"/>
+              </a:spcBef>
+              <a:spcAft>
+                <a:spcPts val="0"/>
+              </a:spcAft>
+              <a:buNone/>
+            </a:pPr>
+            <a:r>
+              <a:t/>
+            </a:r>
+            <a:endParaRPr sz="1600"/>
+          </a:p>
+          <a:p>
+            <a:pPr indent="0" lvl="0" marL="0" rtl="0" algn="l">
+              <a:spcBef>
+                <a:spcPts val="0"/>
+              </a:spcBef>
+              <a:spcAft>
+                <a:spcPts val="0"/>
+              </a:spcAft>
+              <a:buNone/>
+            </a:pPr>
+            <a:r>
+              <a:rPr lang="ko" sz="1600"/>
+              <a:t>UpdateState는 정해진 위치로 이동하게하고</a:t>
+            </a:r>
+            <a:endParaRPr sz="1600"/>
+          </a:p>
+          <a:p>
+            <a:pPr indent="0" lvl="0" marL="0" rtl="0" algn="l">
+              <a:spcBef>
+                <a:spcPts val="0"/>
+              </a:spcBef>
+              <a:spcAft>
+                <a:spcPts val="0"/>
+              </a:spcAft>
+              <a:buNone/>
+            </a:pPr>
+            <a:r>
+              <a:t/>
+            </a:r>
+            <a:endParaRPr sz="1600"/>
+          </a:p>
+          <a:p>
+            <a:pPr indent="0" lvl="0" marL="0" rtl="0" algn="l">
+              <a:spcBef>
+                <a:spcPts val="0"/>
+              </a:spcBef>
+              <a:spcAft>
+                <a:spcPts val="0"/>
+              </a:spcAft>
+              <a:buNone/>
+            </a:pPr>
+            <a:r>
+              <a:rPr lang="ko" sz="1600"/>
+              <a:t>그후 정해진 ShootTimer마다 화면위에서 아래로 다수의 발사체를 발사합니다.</a:t>
+            </a:r>
+            <a:endParaRPr sz="1600"/>
+          </a:p>
+          <a:p>
+            <a:pPr indent="0" lvl="0" marL="0" rtl="0" algn="l">
+              <a:spcBef>
+                <a:spcPts val="0"/>
+              </a:spcBef>
+              <a:spcAft>
+                <a:spcPts val="0"/>
+              </a:spcAft>
+              <a:buNone/>
+            </a:pPr>
+            <a:r>
+              <a:t/>
+            </a:r>
+            <a:endParaRPr sz="1600"/>
+          </a:p>
+          <a:p>
+            <a:pPr indent="0" lvl="0" marL="0" rtl="0" algn="l">
+              <a:spcBef>
+                <a:spcPts val="0"/>
+              </a:spcBef>
+              <a:spcAft>
+                <a:spcPts val="0"/>
+              </a:spcAft>
+              <a:buNone/>
+            </a:pPr>
+            <a:r>
+              <a:rPr lang="ko" sz="1600"/>
+              <a:t>발사전에 난수를 저장해 해당 난수부터 피할수 있는 안전지역이 생기게 했습니다.</a:t>
+            </a:r>
+            <a:endParaRPr sz="1600"/>
+          </a:p>
+          <a:p>
+            <a:pPr indent="0" lvl="0" marL="0" rtl="0" algn="l">
+              <a:spcBef>
+                <a:spcPts val="0"/>
+              </a:spcBef>
+              <a:spcAft>
+                <a:spcPts val="0"/>
+              </a:spcAft>
+              <a:buNone/>
+            </a:pPr>
+            <a:r>
+              <a:t/>
+            </a:r>
+            <a:endParaRPr sz="1600">
+              <a:solidFill>
+                <a:schemeClr val="lt1"/>
+              </a:solidFill>
+            </a:endParaRPr>
+          </a:p>
+        </p:txBody>
+      </p:sp>
+      <p:pic>
+        <p:nvPicPr>
+          <p:cNvPr id="173" name="Google Shape;173;p29"/>
+          <p:cNvPicPr preferRelativeResize="0"/>
+          <p:nvPr/>
+        </p:nvPicPr>
+        <p:blipFill>
+          <a:blip r:embed="rId3">
+            <a:alphaModFix/>
+          </a:blip>
+          <a:stretch>
+            <a:fillRect/>
+          </a:stretch>
+        </p:blipFill>
+        <p:spPr>
+          <a:xfrm>
+            <a:off x="152400" y="1129400"/>
+            <a:ext cx="4461276" cy="3605875"/>
+          </a:xfrm>
+          <a:prstGeom prst="rect">
+            <a:avLst/>
+          </a:prstGeom>
+          <a:noFill/>
+          <a:ln>
+            <a:noFill/>
+          </a:ln>
+        </p:spPr>
+      </p:pic>
+    </p:spTree>
+  </p:cSld>
+  <p:clrMapOvr>
+    <a:masterClrMapping/>
+  </p:clrMapOvr>
+</p:sld>
+</file>
+
+<file path=ppt/slides/slide18.xml><?xml version="1.0" encoding="utf-8"?>
+<p:sld xmlns:a="http://schemas.openxmlformats.org/drawingml/2006/main" xmlns:r="http://schemas.openxmlformats.org/officeDocument/2006/relationships" xmlns:mc="http://schemas.openxmlformats.org/markup-compatibility/2006" xmlns:mv="urn:schemas-microsoft-com:mac:vml" xmlns:p="http://schemas.openxmlformats.org/presentationml/2006/main" xmlns:c="http://schemas.openxmlformats.org/drawingml/2006/chart" xmlns:dgm="http://schemas.openxmlformats.org/drawingml/2006/diagram" xmlns:o="urn:schemas-microsoft-com:office:office" xmlns:v="urn:schemas-microsoft-com:vml" xmlns:pvml="urn:schemas-microsoft-com:office:powerpoint" xmlns:com="http://schemas.openxmlformats.org/drawingml/2006/compatibility" xmlns:p14="http://schemas.microsoft.com/office/powerpoint/2010/main" xmlns:p15="http://schemas.microsoft.com/office/powerpoint/2012/main" xmlns:ahyp="http://schemas.microsoft.com/office/drawing/2018/hyperlinkcolor">
+  <p:cSld>
+    <p:spTree>
+      <p:nvGrpSpPr>
+        <p:cNvPr id="177" name="Shape 177"/>
+        <p:cNvGrpSpPr/>
+        <p:nvPr/>
+      </p:nvGrpSpPr>
+      <p:grpSpPr>
+        <a:xfrm>
+          <a:off x="0" y="0"/>
+          <a:ext cx="0" cy="0"/>
+          <a:chOff x="0" y="0"/>
+          <a:chExt cx="0" cy="0"/>
+        </a:xfrm>
+      </p:grpSpPr>
+      <p:sp>
+        <p:nvSpPr>
+          <p:cNvPr id="178" name="Google Shape;178;p30"/>
+          <p:cNvSpPr txBox="1"/>
+          <p:nvPr>
+            <p:ph type="title"/>
+          </p:nvPr>
+        </p:nvSpPr>
+        <p:spPr>
+          <a:xfrm>
+            <a:off x="311700" y="445025"/>
+            <a:ext cx="8520600" cy="613200"/>
+          </a:xfrm>
+          <a:prstGeom prst="rect">
+            <a:avLst/>
+          </a:prstGeom>
+        </p:spPr>
+        <p:txBody>
+          <a:bodyPr anchorCtr="0" anchor="t" bIns="91425" lIns="91425" spcFirstLastPara="1" rIns="91425" wrap="square" tIns="91425">
+            <a:normAutofit fontScale="90000"/>
+          </a:bodyPr>
+          <a:lstStyle/>
+          <a:p>
+            <a:pPr indent="0" lvl="0" marL="0" rtl="0" algn="l">
+              <a:spcBef>
+                <a:spcPts val="0"/>
+              </a:spcBef>
+              <a:spcAft>
+                <a:spcPts val="0"/>
+              </a:spcAft>
+              <a:buNone/>
+            </a:pPr>
+            <a:r>
+              <a:rPr lang="ko"/>
+              <a:t>스크립트소개 - SoundManager(1)</a:t>
+            </a:r>
+            <a:endParaRPr/>
+          </a:p>
+        </p:txBody>
+      </p:sp>
+      <p:sp>
+        <p:nvSpPr>
+          <p:cNvPr id="179" name="Google Shape;179;p30"/>
+          <p:cNvSpPr txBox="1"/>
+          <p:nvPr>
+            <p:ph type="title"/>
+          </p:nvPr>
+        </p:nvSpPr>
+        <p:spPr>
+          <a:xfrm>
+            <a:off x="5878275" y="1058225"/>
+            <a:ext cx="2859000" cy="3780600"/>
+          </a:xfrm>
+          <a:prstGeom prst="rect">
+            <a:avLst/>
+          </a:prstGeom>
+        </p:spPr>
+        <p:txBody>
+          <a:bodyPr anchorCtr="0" anchor="t" bIns="91425" lIns="91425" spcFirstLastPara="1" rIns="91425" wrap="square" tIns="91425">
+            <a:noAutofit/>
+          </a:bodyPr>
+          <a:lstStyle/>
+          <a:p>
+            <a:pPr indent="0" lvl="0" marL="0" rtl="0" algn="l">
+              <a:spcBef>
+                <a:spcPts val="0"/>
+              </a:spcBef>
+              <a:spcAft>
+                <a:spcPts val="0"/>
+              </a:spcAft>
+              <a:buNone/>
+            </a:pPr>
+            <a:r>
+              <a:rPr lang="ko" sz="1600"/>
+              <a:t>씬로드시 씬의 이름과같은 BGM이 재생되게 했습니다.</a:t>
+            </a:r>
+            <a:endParaRPr sz="1600"/>
+          </a:p>
+          <a:p>
+            <a:pPr indent="0" lvl="0" marL="0" rtl="0" algn="l">
+              <a:spcBef>
+                <a:spcPts val="0"/>
+              </a:spcBef>
+              <a:spcAft>
+                <a:spcPts val="0"/>
+              </a:spcAft>
+              <a:buNone/>
+            </a:pPr>
+            <a:r>
+              <a:t/>
+            </a:r>
+            <a:endParaRPr sz="1600"/>
+          </a:p>
+          <a:p>
+            <a:pPr indent="0" lvl="0" marL="0" rtl="0" algn="l">
+              <a:spcBef>
+                <a:spcPts val="0"/>
+              </a:spcBef>
+              <a:spcAft>
+                <a:spcPts val="0"/>
+              </a:spcAft>
+              <a:buNone/>
+            </a:pPr>
+            <a:r>
+              <a:rPr lang="ko" sz="1600"/>
+              <a:t>SoundType,BGMType에 저장된 enum으로 해당 길이만큼 배열의 길이를 재정의합니다.</a:t>
+            </a:r>
+            <a:endParaRPr sz="1600"/>
+          </a:p>
+          <a:p>
+            <a:pPr indent="0" lvl="0" marL="0" rtl="0" algn="l">
+              <a:spcBef>
+                <a:spcPts val="0"/>
+              </a:spcBef>
+              <a:spcAft>
+                <a:spcPts val="0"/>
+              </a:spcAft>
+              <a:buNone/>
+            </a:pPr>
+            <a:r>
+              <a:t/>
+            </a:r>
+            <a:endParaRPr sz="1600"/>
+          </a:p>
+          <a:p>
+            <a:pPr indent="0" lvl="0" marL="0" rtl="0" algn="l">
+              <a:spcBef>
+                <a:spcPts val="0"/>
+              </a:spcBef>
+              <a:spcAft>
+                <a:spcPts val="0"/>
+              </a:spcAft>
+              <a:buNone/>
+            </a:pPr>
+            <a:r>
+              <a:rPr lang="ko" sz="1600"/>
+              <a:t>그리고 인스펙터창에서 element0…1…2..3</a:t>
+            </a:r>
+            <a:endParaRPr sz="1600"/>
+          </a:p>
+          <a:p>
+            <a:pPr indent="0" lvl="0" marL="0" rtl="0" algn="l">
+              <a:spcBef>
+                <a:spcPts val="0"/>
+              </a:spcBef>
+              <a:spcAft>
+                <a:spcPts val="0"/>
+              </a:spcAft>
+              <a:buNone/>
+            </a:pPr>
+            <a:r>
+              <a:rPr lang="ko" sz="1600"/>
+              <a:t>으로 보여지는것보다 보다 직관적으로 보이게 했습니다.</a:t>
+            </a:r>
+            <a:endParaRPr sz="1600"/>
+          </a:p>
+          <a:p>
+            <a:pPr indent="0" lvl="0" marL="0" rtl="0" algn="l">
+              <a:spcBef>
+                <a:spcPts val="0"/>
+              </a:spcBef>
+              <a:spcAft>
+                <a:spcPts val="0"/>
+              </a:spcAft>
+              <a:buNone/>
+            </a:pPr>
+            <a:r>
+              <a:t/>
+            </a:r>
+            <a:endParaRPr sz="1600">
+              <a:solidFill>
+                <a:schemeClr val="lt1"/>
+              </a:solidFill>
+            </a:endParaRPr>
+          </a:p>
+        </p:txBody>
+      </p:sp>
+      <p:pic>
+        <p:nvPicPr>
+          <p:cNvPr id="180" name="Google Shape;180;p30"/>
+          <p:cNvPicPr preferRelativeResize="0"/>
+          <p:nvPr/>
+        </p:nvPicPr>
+        <p:blipFill>
+          <a:blip r:embed="rId3">
+            <a:alphaModFix/>
+          </a:blip>
+          <a:stretch>
+            <a:fillRect/>
+          </a:stretch>
+        </p:blipFill>
+        <p:spPr>
+          <a:xfrm>
+            <a:off x="311700" y="1058300"/>
+            <a:ext cx="3185700" cy="3780475"/>
+          </a:xfrm>
+          <a:prstGeom prst="rect">
+            <a:avLst/>
+          </a:prstGeom>
+          <a:noFill/>
+          <a:ln>
+            <a:noFill/>
+          </a:ln>
+        </p:spPr>
+      </p:pic>
+      <p:pic>
+        <p:nvPicPr>
+          <p:cNvPr id="181" name="Google Shape;181;p30"/>
+          <p:cNvPicPr preferRelativeResize="0"/>
+          <p:nvPr/>
+        </p:nvPicPr>
+        <p:blipFill>
+          <a:blip r:embed="rId4">
+            <a:alphaModFix/>
+          </a:blip>
+          <a:stretch>
+            <a:fillRect/>
+          </a:stretch>
+        </p:blipFill>
+        <p:spPr>
+          <a:xfrm>
+            <a:off x="3497397" y="1101388"/>
+            <a:ext cx="2351400" cy="3694299"/>
+          </a:xfrm>
+          <a:prstGeom prst="rect">
+            <a:avLst/>
+          </a:prstGeom>
+          <a:noFill/>
+          <a:ln>
+            <a:noFill/>
+          </a:ln>
+        </p:spPr>
+      </p:pic>
+    </p:spTree>
+  </p:cSld>
+  <p:clrMapOvr>
+    <a:masterClrMapping/>
+  </p:clrMapOvr>
+</p:sld>
+</file>
+
+<file path=ppt/slides/slide19.xml><?xml version="1.0" encoding="utf-8"?>
+<p:sld xmlns:a="http://schemas.openxmlformats.org/drawingml/2006/main" xmlns:r="http://schemas.openxmlformats.org/officeDocument/2006/relationships" xmlns:mc="http://schemas.openxmlformats.org/markup-compatibility/2006" xmlns:mv="urn:schemas-microsoft-com:mac:vml" xmlns:p="http://schemas.openxmlformats.org/presentationml/2006/main" xmlns:c="http://schemas.openxmlformats.org/drawingml/2006/chart" xmlns:dgm="http://schemas.openxmlformats.org/drawingml/2006/diagram" xmlns:o="urn:schemas-microsoft-com:office:office" xmlns:v="urn:schemas-microsoft-com:vml" xmlns:pvml="urn:schemas-microsoft-com:office:powerpoint" xmlns:com="http://schemas.openxmlformats.org/drawingml/2006/compatibility" xmlns:p14="http://schemas.microsoft.com/office/powerpoint/2010/main" xmlns:p15="http://schemas.microsoft.com/office/powerpoint/2012/main" xmlns:ahyp="http://schemas.microsoft.com/office/drawing/2018/hyperlinkcolor">
+  <p:cSld>
+    <p:spTree>
+      <p:nvGrpSpPr>
+        <p:cNvPr id="185" name="Shape 185"/>
+        <p:cNvGrpSpPr/>
+        <p:nvPr/>
+      </p:nvGrpSpPr>
+      <p:grpSpPr>
+        <a:xfrm>
+          <a:off x="0" y="0"/>
+          <a:ext cx="0" cy="0"/>
+          <a:chOff x="0" y="0"/>
+          <a:chExt cx="0" cy="0"/>
+        </a:xfrm>
+      </p:grpSpPr>
+      <p:sp>
+        <p:nvSpPr>
+          <p:cNvPr id="186" name="Google Shape;186;p31"/>
+          <p:cNvSpPr txBox="1"/>
+          <p:nvPr>
+            <p:ph type="title"/>
+          </p:nvPr>
+        </p:nvSpPr>
+        <p:spPr>
+          <a:xfrm>
+            <a:off x="311700" y="445025"/>
+            <a:ext cx="8520600" cy="613200"/>
+          </a:xfrm>
+          <a:prstGeom prst="rect">
+            <a:avLst/>
+          </a:prstGeom>
+        </p:spPr>
+        <p:txBody>
+          <a:bodyPr anchorCtr="0" anchor="t" bIns="91425" lIns="91425" spcFirstLastPara="1" rIns="91425" wrap="square" tIns="91425">
+            <a:normAutofit fontScale="90000"/>
+          </a:bodyPr>
+          <a:lstStyle/>
+          <a:p>
+            <a:pPr indent="0" lvl="0" marL="0" rtl="0" algn="l">
+              <a:spcBef>
+                <a:spcPts val="0"/>
+              </a:spcBef>
+              <a:spcAft>
+                <a:spcPts val="0"/>
+              </a:spcAft>
+              <a:buNone/>
+            </a:pPr>
+            <a:r>
+              <a:rPr lang="ko"/>
+              <a:t>스크립트소개 - SoundManager(2)</a:t>
+            </a:r>
+            <a:endParaRPr/>
+          </a:p>
+        </p:txBody>
+      </p:sp>
+      <p:sp>
+        <p:nvSpPr>
+          <p:cNvPr id="187" name="Google Shape;187;p31"/>
+          <p:cNvSpPr txBox="1"/>
+          <p:nvPr>
+            <p:ph type="title"/>
+          </p:nvPr>
+        </p:nvSpPr>
+        <p:spPr>
+          <a:xfrm>
+            <a:off x="4766075" y="1058225"/>
+            <a:ext cx="4121100" cy="3780600"/>
+          </a:xfrm>
+          <a:prstGeom prst="rect">
+            <a:avLst/>
+          </a:prstGeom>
+        </p:spPr>
+        <p:txBody>
+          <a:bodyPr anchorCtr="0" anchor="t" bIns="91425" lIns="91425" spcFirstLastPara="1" rIns="91425" wrap="square" tIns="91425">
+            <a:noAutofit/>
+          </a:bodyPr>
+          <a:lstStyle/>
+          <a:p>
+            <a:pPr indent="0" lvl="0" marL="0" rtl="0" algn="l">
+              <a:spcBef>
+                <a:spcPts val="0"/>
+              </a:spcBef>
+              <a:spcAft>
+                <a:spcPts val="0"/>
+              </a:spcAft>
+              <a:buNone/>
+            </a:pPr>
+            <a:r>
+              <a:t/>
+            </a:r>
+            <a:endParaRPr sz="1600"/>
+          </a:p>
+          <a:p>
+            <a:pPr indent="0" lvl="0" marL="0" rtl="0" algn="l">
+              <a:spcBef>
+                <a:spcPts val="0"/>
+              </a:spcBef>
+              <a:spcAft>
+                <a:spcPts val="0"/>
+              </a:spcAft>
+              <a:buNone/>
+            </a:pPr>
+            <a:r>
+              <a:t/>
+            </a:r>
+            <a:endParaRPr sz="1600"/>
+          </a:p>
+          <a:p>
+            <a:pPr indent="0" lvl="0" marL="0" rtl="0" algn="l">
+              <a:spcBef>
+                <a:spcPts val="0"/>
+              </a:spcBef>
+              <a:spcAft>
+                <a:spcPts val="0"/>
+              </a:spcAft>
+              <a:buNone/>
+            </a:pPr>
+            <a:r>
+              <a:rPr lang="ko" sz="1600"/>
+              <a:t>SoundList에서 LoadSound()메소드로 아마존s3에서 다운한 파일에 있는 오디오클립을 로드에셋으로 sound에 저장할수 있게 했습니다.</a:t>
+            </a:r>
+            <a:endParaRPr sz="1600"/>
+          </a:p>
+          <a:p>
+            <a:pPr indent="0" lvl="0" marL="0" rtl="0" algn="l">
+              <a:spcBef>
+                <a:spcPts val="0"/>
+              </a:spcBef>
+              <a:spcAft>
+                <a:spcPts val="0"/>
+              </a:spcAft>
+              <a:buNone/>
+            </a:pPr>
+            <a:r>
+              <a:t/>
+            </a:r>
+            <a:endParaRPr sz="1600">
+              <a:solidFill>
+                <a:schemeClr val="lt1"/>
+              </a:solidFill>
+            </a:endParaRPr>
+          </a:p>
+        </p:txBody>
+      </p:sp>
+      <p:pic>
+        <p:nvPicPr>
+          <p:cNvPr id="188" name="Google Shape;188;p31"/>
+          <p:cNvPicPr preferRelativeResize="0"/>
+          <p:nvPr/>
+        </p:nvPicPr>
+        <p:blipFill>
+          <a:blip r:embed="rId3">
+            <a:alphaModFix/>
+          </a:blip>
+          <a:stretch>
+            <a:fillRect/>
+          </a:stretch>
+        </p:blipFill>
+        <p:spPr>
+          <a:xfrm>
+            <a:off x="152400" y="1210625"/>
+            <a:ext cx="4461275" cy="2987390"/>
+          </a:xfrm>
+          <a:prstGeom prst="rect">
+            <a:avLst/>
+          </a:prstGeom>
+          <a:noFill/>
+          <a:ln>
+            <a:noFill/>
+          </a:ln>
+        </p:spPr>
+      </p:pic>
     </p:spTree>
   </p:cSld>
   <p:clrMapOvr>
@@ -7089,6 +11078,169 @@
 </p:sld>
 </file>
 
+<file path=ppt/slides/slide20.xml><?xml version="1.0" encoding="utf-8"?>
+<p:sld xmlns:a="http://schemas.openxmlformats.org/drawingml/2006/main" xmlns:r="http://schemas.openxmlformats.org/officeDocument/2006/relationships" xmlns:mc="http://schemas.openxmlformats.org/markup-compatibility/2006" xmlns:mv="urn:schemas-microsoft-com:mac:vml" xmlns:p="http://schemas.openxmlformats.org/presentationml/2006/main" xmlns:c="http://schemas.openxmlformats.org/drawingml/2006/chart" xmlns:dgm="http://schemas.openxmlformats.org/drawingml/2006/diagram" xmlns:o="urn:schemas-microsoft-com:office:office" xmlns:v="urn:schemas-microsoft-com:vml" xmlns:pvml="urn:schemas-microsoft-com:office:powerpoint" xmlns:com="http://schemas.openxmlformats.org/drawingml/2006/compatibility" xmlns:p14="http://schemas.microsoft.com/office/powerpoint/2010/main" xmlns:p15="http://schemas.microsoft.com/office/powerpoint/2012/main" xmlns:ahyp="http://schemas.microsoft.com/office/drawing/2018/hyperlinkcolor">
+  <p:cSld>
+    <p:spTree>
+      <p:nvGrpSpPr>
+        <p:cNvPr id="192" name="Shape 192"/>
+        <p:cNvGrpSpPr/>
+        <p:nvPr/>
+      </p:nvGrpSpPr>
+      <p:grpSpPr>
+        <a:xfrm>
+          <a:off x="0" y="0"/>
+          <a:ext cx="0" cy="0"/>
+          <a:chOff x="0" y="0"/>
+          <a:chExt cx="0" cy="0"/>
+        </a:xfrm>
+      </p:grpSpPr>
+      <p:sp>
+        <p:nvSpPr>
+          <p:cNvPr id="193" name="Google Shape;193;p32"/>
+          <p:cNvSpPr txBox="1"/>
+          <p:nvPr>
+            <p:ph type="title"/>
+          </p:nvPr>
+        </p:nvSpPr>
+        <p:spPr>
+          <a:xfrm>
+            <a:off x="311700" y="445025"/>
+            <a:ext cx="8520600" cy="613200"/>
+          </a:xfrm>
+          <a:prstGeom prst="rect">
+            <a:avLst/>
+          </a:prstGeom>
+        </p:spPr>
+        <p:txBody>
+          <a:bodyPr anchorCtr="0" anchor="t" bIns="91425" lIns="91425" spcFirstLastPara="1" rIns="91425" wrap="square" tIns="91425">
+            <a:normAutofit fontScale="90000"/>
+          </a:bodyPr>
+          <a:lstStyle/>
+          <a:p>
+            <a:pPr indent="0" lvl="0" marL="0" rtl="0" algn="l">
+              <a:spcBef>
+                <a:spcPts val="0"/>
+              </a:spcBef>
+              <a:spcAft>
+                <a:spcPts val="0"/>
+              </a:spcAft>
+              <a:buNone/>
+            </a:pPr>
+            <a:r>
+              <a:rPr lang="ko"/>
+              <a:t>전체 설명영상</a:t>
+            </a:r>
+            <a:endParaRPr/>
+          </a:p>
+        </p:txBody>
+      </p:sp>
+      <p:sp>
+        <p:nvSpPr>
+          <p:cNvPr id="194" name="Google Shape;194;p32"/>
+          <p:cNvSpPr txBox="1"/>
+          <p:nvPr>
+            <p:ph type="title"/>
+          </p:nvPr>
+        </p:nvSpPr>
+        <p:spPr>
+          <a:xfrm>
+            <a:off x="456225" y="1462550"/>
+            <a:ext cx="8520600" cy="2587800"/>
+          </a:xfrm>
+          <a:prstGeom prst="rect">
+            <a:avLst/>
+          </a:prstGeom>
+        </p:spPr>
+        <p:txBody>
+          <a:bodyPr anchorCtr="0" anchor="ctr" bIns="91425" lIns="91425" spcFirstLastPara="1" rIns="91425" wrap="square" tIns="91425">
+            <a:normAutofit/>
+          </a:bodyPr>
+          <a:lstStyle/>
+          <a:p>
+            <a:pPr indent="0" lvl="0" marL="0" rtl="0" algn="ctr">
+              <a:spcBef>
+                <a:spcPts val="0"/>
+              </a:spcBef>
+              <a:spcAft>
+                <a:spcPts val="0"/>
+              </a:spcAft>
+              <a:buNone/>
+            </a:pPr>
+            <a:r>
+              <a:rPr lang="ko" sz="1700"/>
+              <a:t>깃허브주소</a:t>
+            </a:r>
+            <a:endParaRPr sz="1700"/>
+          </a:p>
+          <a:p>
+            <a:pPr indent="0" lvl="0" marL="0" rtl="0" algn="ctr">
+              <a:spcBef>
+                <a:spcPts val="0"/>
+              </a:spcBef>
+              <a:spcAft>
+                <a:spcPts val="0"/>
+              </a:spcAft>
+              <a:buNone/>
+            </a:pPr>
+            <a:r>
+              <a:rPr lang="ko" sz="1700" u="sng">
+                <a:solidFill>
+                  <a:schemeClr val="hlink"/>
+                </a:solidFill>
+                <a:hlinkClick r:id="rId3"/>
+              </a:rPr>
+              <a:t>https://github.com/SIHO0903/KILLTHEBOSS?tab=readme-ov-file</a:t>
+            </a:r>
+            <a:endParaRPr sz="1700"/>
+          </a:p>
+          <a:p>
+            <a:pPr indent="0" lvl="0" marL="0" rtl="0" algn="ctr">
+              <a:spcBef>
+                <a:spcPts val="0"/>
+              </a:spcBef>
+              <a:spcAft>
+                <a:spcPts val="0"/>
+              </a:spcAft>
+              <a:buNone/>
+            </a:pPr>
+            <a:r>
+              <a:rPr lang="ko" sz="1700"/>
+              <a:t>유투브링크</a:t>
+            </a:r>
+            <a:endParaRPr sz="1700"/>
+          </a:p>
+          <a:p>
+            <a:pPr indent="0" lvl="0" marL="0" rtl="0" algn="ctr">
+              <a:spcBef>
+                <a:spcPts val="0"/>
+              </a:spcBef>
+              <a:spcAft>
+                <a:spcPts val="0"/>
+              </a:spcAft>
+              <a:buNone/>
+            </a:pPr>
+            <a:r>
+              <a:rPr lang="ko" sz="1700" u="sng">
+                <a:solidFill>
+                  <a:schemeClr val="hlink"/>
+                </a:solidFill>
+                <a:hlinkClick r:id="rId4"/>
+              </a:rPr>
+              <a:t>https://www.youtube.com/watch?v=OSqMu23mIyY</a:t>
+            </a:r>
+            <a:endParaRPr sz="1700"/>
+          </a:p>
+        </p:txBody>
+      </p:sp>
+    </p:spTree>
+  </p:cSld>
+  <p:clrMapOvr>
+    <a:masterClrMapping/>
+  </p:clrMapOvr>
+</p:sld>
+</file>
+
 <file path=ppt/slides/slide3.xml><?xml version="1.0" encoding="utf-8"?>
 <p:sld xmlns:a="http://schemas.openxmlformats.org/drawingml/2006/main" xmlns:r="http://schemas.openxmlformats.org/officeDocument/2006/relationships" xmlns:mc="http://schemas.openxmlformats.org/markup-compatibility/2006" xmlns:mv="urn:schemas-microsoft-com:mac:vml" xmlns:p="http://schemas.openxmlformats.org/presentationml/2006/main" xmlns:c="http://schemas.openxmlformats.org/drawingml/2006/chart" xmlns:dgm="http://schemas.openxmlformats.org/drawingml/2006/diagram" xmlns:o="urn:schemas-microsoft-com:office:office" xmlns:v="urn:schemas-microsoft-com:vml" xmlns:pvml="urn:schemas-microsoft-com:office:powerpoint" xmlns:com="http://schemas.openxmlformats.org/drawingml/2006/compatibility" xmlns:p14="http://schemas.microsoft.com/office/powerpoint/2010/main" xmlns:p15="http://schemas.microsoft.com/office/powerpoint/2012/main" xmlns:ahyp="http://schemas.microsoft.com/office/drawing/2018/hyperlinkcolor">
   <p:cSld>
@@ -7140,7 +11292,7 @@
             </a:pPr>
             <a:r>
               <a:rPr lang="ko"/>
-              <a:t>스크립트소개</a:t>
+              <a:t>스크립트소개 - DownManager(1)</a:t>
             </a:r>
             <a:endParaRPr/>
           </a:p>
@@ -7151,13 +11303,13 @@
           <p:cNvPr id="74" name="Google Shape;74;p15"/>
           <p:cNvSpPr txBox="1"/>
           <p:nvPr>
-            <p:ph idx="1" type="body"/>
+            <p:ph type="title"/>
           </p:nvPr>
         </p:nvSpPr>
         <p:spPr>
           <a:xfrm>
-            <a:off x="417888" y="4128950"/>
-            <a:ext cx="2244300" cy="880500"/>
+            <a:off x="4766075" y="1058225"/>
+            <a:ext cx="4121100" cy="3780600"/>
           </a:xfrm>
           <a:prstGeom prst="rect">
             <a:avLst/>
@@ -7174,22 +11326,93 @@
                 <a:spcPts val="0"/>
               </a:spcBef>
               <a:spcAft>
-                <a:spcPts val="1200"/>
-              </a:spcAft>
-              <a:buNone/>
-            </a:pPr>
-            <a:r>
-              <a:rPr lang="ko" sz="1400"/>
-              <a:t>사운드</a:t>
-            </a:r>
-            <a:br>
-              <a:rPr lang="ko" sz="1400"/>
-            </a:br>
-            <a:r>
-              <a:rPr lang="ko" sz="1400"/>
-              <a:t>모든 오디오 관리</a:t>
-            </a:r>
-            <a:endParaRPr/>
+                <a:spcPts val="0"/>
+              </a:spcAft>
+              <a:buNone/>
+            </a:pPr>
+            <a:r>
+              <a:rPr lang="ko" sz="1600"/>
+              <a:t>아마존S3에 저장되있는 파일의 크기를 text로 print하는 메소드입니다.</a:t>
+            </a:r>
+            <a:endParaRPr sz="1600"/>
+          </a:p>
+          <a:p>
+            <a:pPr indent="0" lvl="0" marL="0" rtl="0" algn="l">
+              <a:spcBef>
+                <a:spcPts val="0"/>
+              </a:spcBef>
+              <a:spcAft>
+                <a:spcPts val="0"/>
+              </a:spcAft>
+              <a:buNone/>
+            </a:pPr>
+            <a:r>
+              <a:t/>
+            </a:r>
+            <a:endParaRPr sz="1600"/>
+          </a:p>
+          <a:p>
+            <a:pPr indent="0" lvl="0" marL="0" rtl="0" algn="l">
+              <a:spcBef>
+                <a:spcPts val="0"/>
+              </a:spcBef>
+              <a:spcAft>
+                <a:spcPts val="0"/>
+              </a:spcAft>
+              <a:buNone/>
+            </a:pPr>
+            <a:r>
+              <a:rPr lang="ko" sz="1600"/>
+              <a:t>라벨별로 저장한 파일을 다운하고</a:t>
+            </a:r>
+            <a:endParaRPr sz="1600"/>
+          </a:p>
+          <a:p>
+            <a:pPr indent="0" lvl="0" marL="0" rtl="0" algn="l">
+              <a:spcBef>
+                <a:spcPts val="0"/>
+              </a:spcBef>
+              <a:spcAft>
+                <a:spcPts val="0"/>
+              </a:spcAft>
+              <a:buNone/>
+            </a:pPr>
+            <a:r>
+              <a:rPr lang="ko" sz="1600"/>
+              <a:t>모든 라벨의 크기를 patchSize변수에 담습니다.</a:t>
+            </a:r>
+            <a:endParaRPr sz="1600"/>
+          </a:p>
+          <a:p>
+            <a:pPr indent="0" lvl="0" marL="0" rtl="0" algn="l">
+              <a:spcBef>
+                <a:spcPts val="0"/>
+              </a:spcBef>
+              <a:spcAft>
+                <a:spcPts val="0"/>
+              </a:spcAft>
+              <a:buNone/>
+            </a:pPr>
+            <a:r>
+              <a:t/>
+            </a:r>
+            <a:endParaRPr sz="1600"/>
+          </a:p>
+          <a:p>
+            <a:pPr indent="0" lvl="0" marL="0" rtl="0" algn="l">
+              <a:spcBef>
+                <a:spcPts val="0"/>
+              </a:spcBef>
+              <a:spcAft>
+                <a:spcPts val="0"/>
+              </a:spcAft>
+              <a:buNone/>
+            </a:pPr>
+            <a:r>
+              <a:rPr lang="ko" sz="1600"/>
+              <a:t>패치사이즈의 크기를 알기쉽도록 GetFileSize메소드를 이용해 KB,MB,GB단위로 표현되게 했습니다.</a:t>
+            </a:r>
+            <a:endParaRPr sz="1600"/>
           </a:p>
         </p:txBody>
       </p:sp>
@@ -7209,8 +11432,8 @@
         </p:blipFill>
         <p:spPr>
           <a:xfrm>
-            <a:off x="311700" y="982550"/>
-            <a:ext cx="2456675" cy="3075625"/>
+            <a:off x="152400" y="1058225"/>
+            <a:ext cx="4461275" cy="3780600"/>
           </a:xfrm>
           <a:prstGeom prst="rect">
             <a:avLst/>
@@ -7221,174 +11444,6 @@
           </a:ln>
         </p:spPr>
       </p:pic>
-      <p:pic>
-        <p:nvPicPr>
-          <p:cNvPr id="76" name="Google Shape;76;p15"/>
-          <p:cNvPicPr preferRelativeResize="0"/>
-          <p:nvPr/>
-        </p:nvPicPr>
-        <p:blipFill>
-          <a:blip r:embed="rId4">
-            <a:alphaModFix/>
-          </a:blip>
-          <a:stretch>
-            <a:fillRect/>
-          </a:stretch>
-        </p:blipFill>
-        <p:spPr>
-          <a:xfrm>
-            <a:off x="2865725" y="982550"/>
-            <a:ext cx="2891226" cy="3075626"/>
-          </a:xfrm>
-          <a:prstGeom prst="rect">
-            <a:avLst/>
-          </a:prstGeom>
-          <a:noFill/>
-          <a:ln>
-            <a:noFill/>
-          </a:ln>
-        </p:spPr>
-      </p:pic>
-      <p:sp>
-        <p:nvSpPr>
-          <p:cNvPr id="77" name="Google Shape;77;p15"/>
-          <p:cNvSpPr txBox="1"/>
-          <p:nvPr>
-            <p:ph idx="1" type="body"/>
-          </p:nvPr>
-        </p:nvSpPr>
-        <p:spPr>
-          <a:xfrm>
-            <a:off x="3244238" y="4128950"/>
-            <a:ext cx="2244300" cy="880500"/>
-          </a:xfrm>
-          <a:prstGeom prst="rect">
-            <a:avLst/>
-          </a:prstGeom>
-        </p:spPr>
-        <p:txBody>
-          <a:bodyPr anchorCtr="0" anchor="t" bIns="91425" lIns="91425" spcFirstLastPara="1" rIns="91425" wrap="square" tIns="91425">
-            <a:normAutofit fontScale="92500"/>
-          </a:bodyPr>
-          <a:lstStyle/>
-          <a:p>
-            <a:pPr indent="0" lvl="0" marL="0" rtl="0" algn="l">
-              <a:spcBef>
-                <a:spcPts val="0"/>
-              </a:spcBef>
-              <a:spcAft>
-                <a:spcPts val="0"/>
-              </a:spcAft>
-              <a:buNone/>
-            </a:pPr>
-            <a:r>
-              <a:rPr lang="ko" sz="1400"/>
-              <a:t>보스</a:t>
-            </a:r>
-            <a:endParaRPr sz="1400"/>
-          </a:p>
-          <a:p>
-            <a:pPr indent="0" lvl="0" marL="0" rtl="0" algn="l">
-              <a:spcBef>
-                <a:spcPts val="1200"/>
-              </a:spcBef>
-              <a:spcAft>
-                <a:spcPts val="1200"/>
-              </a:spcAft>
-              <a:buNone/>
-            </a:pPr>
-            <a:r>
-              <a:rPr lang="ko" sz="1400"/>
-              <a:t>보스의 정보,패턴, 죽음관리</a:t>
-            </a:r>
-            <a:endParaRPr sz="1400"/>
-          </a:p>
-        </p:txBody>
-      </p:sp>
-      <p:pic>
-        <p:nvPicPr>
-          <p:cNvPr id="78" name="Google Shape;78;p15"/>
-          <p:cNvPicPr preferRelativeResize="0"/>
-          <p:nvPr/>
-        </p:nvPicPr>
-        <p:blipFill>
-          <a:blip r:embed="rId5">
-            <a:alphaModFix/>
-          </a:blip>
-          <a:stretch>
-            <a:fillRect/>
-          </a:stretch>
-        </p:blipFill>
-        <p:spPr>
-          <a:xfrm>
-            <a:off x="5890650" y="982550"/>
-            <a:ext cx="3100950" cy="3075625"/>
-          </a:xfrm>
-          <a:prstGeom prst="rect">
-            <a:avLst/>
-          </a:prstGeom>
-          <a:noFill/>
-          <a:ln>
-            <a:noFill/>
-          </a:ln>
-        </p:spPr>
-      </p:pic>
-      <p:sp>
-        <p:nvSpPr>
-          <p:cNvPr id="79" name="Google Shape;79;p15"/>
-          <p:cNvSpPr txBox="1"/>
-          <p:nvPr>
-            <p:ph idx="1" type="body"/>
-          </p:nvPr>
-        </p:nvSpPr>
-        <p:spPr>
-          <a:xfrm>
-            <a:off x="6318963" y="4128950"/>
-            <a:ext cx="2244300" cy="880500"/>
-          </a:xfrm>
-          <a:prstGeom prst="rect">
-            <a:avLst/>
-          </a:prstGeom>
-        </p:spPr>
-        <p:txBody>
-          <a:bodyPr anchorCtr="0" anchor="t" bIns="91425" lIns="91425" spcFirstLastPara="1" rIns="91425" wrap="square" tIns="91425">
-            <a:normAutofit fontScale="85000" lnSpcReduction="20000"/>
-          </a:bodyPr>
-          <a:lstStyle/>
-          <a:p>
-            <a:pPr indent="0" lvl="0" marL="0" rtl="0" algn="l">
-              <a:spcBef>
-                <a:spcPts val="0"/>
-              </a:spcBef>
-              <a:spcAft>
-                <a:spcPts val="0"/>
-              </a:spcAft>
-              <a:buNone/>
-            </a:pPr>
-            <a:r>
-              <a:rPr lang="ko" sz="1400"/>
-              <a:t>능력치 업그레이드</a:t>
-            </a:r>
-            <a:endParaRPr sz="1400"/>
-          </a:p>
-          <a:p>
-            <a:pPr indent="0" lvl="0" marL="0" rtl="0" algn="l">
-              <a:spcBef>
-                <a:spcPts val="1200"/>
-              </a:spcBef>
-              <a:spcAft>
-                <a:spcPts val="1200"/>
-              </a:spcAft>
-              <a:buNone/>
-            </a:pPr>
-            <a:r>
-              <a:rPr lang="ko" sz="1400"/>
-              <a:t>플레이어의 영구적인 능력치업그레이드 제어</a:t>
-            </a:r>
-            <a:endParaRPr sz="1400"/>
-          </a:p>
-        </p:txBody>
-      </p:sp>
     </p:spTree>
   </p:cSld>
   <p:clrMapOvr>
@@ -7402,7 +11457,7 @@
   <p:cSld>
     <p:spTree>
       <p:nvGrpSpPr>
-        <p:cNvPr id="83" name="Shape 83"/>
+        <p:cNvPr id="79" name="Shape 79"/>
         <p:cNvGrpSpPr/>
         <p:nvPr/>
       </p:nvGrpSpPr>
@@ -7416,7 +11471,7 @@
       </p:grpSpPr>
       <p:sp>
         <p:nvSpPr>
-          <p:cNvPr id="84" name="Google Shape;84;p16"/>
+          <p:cNvPr id="80" name="Google Shape;80;p16"/>
           <p:cNvSpPr txBox="1"/>
           <p:nvPr>
             <p:ph type="title"/>
@@ -7448,7 +11503,7 @@
             </a:pPr>
             <a:r>
               <a:rPr lang="ko"/>
-              <a:t>스크립트소개</a:t>
+              <a:t>스크립트소개 - DownManager(2)</a:t>
             </a:r>
             <a:endParaRPr/>
           </a:p>
@@ -7456,16 +11511,16 @@
       </p:sp>
       <p:sp>
         <p:nvSpPr>
-          <p:cNvPr id="85" name="Google Shape;85;p16"/>
+          <p:cNvPr id="81" name="Google Shape;81;p16"/>
           <p:cNvSpPr txBox="1"/>
           <p:nvPr>
-            <p:ph idx="1" type="body"/>
+            <p:ph type="title"/>
           </p:nvPr>
         </p:nvSpPr>
         <p:spPr>
           <a:xfrm>
-            <a:off x="1209825" y="4128950"/>
-            <a:ext cx="2244300" cy="880500"/>
+            <a:off x="4766075" y="1058225"/>
+            <a:ext cx="4121100" cy="3780600"/>
           </a:xfrm>
           <a:prstGeom prst="rect">
             <a:avLst/>
@@ -7473,7 +11528,7 @@
         </p:spPr>
         <p:txBody>
           <a:bodyPr anchorCtr="0" anchor="t" bIns="91425" lIns="91425" spcFirstLastPara="1" rIns="91425" wrap="square" tIns="91425">
-            <a:normAutofit fontScale="85000" lnSpcReduction="20000"/>
+            <a:normAutofit/>
           </a:bodyPr>
           <a:lstStyle/>
           <a:p>
@@ -7487,120 +11542,130 @@
               <a:buNone/>
             </a:pPr>
             <a:r>
-              <a:rPr lang="ko" sz="1400"/>
-              <a:t>아이템칸</a:t>
-            </a:r>
-            <a:endParaRPr sz="1400"/>
-          </a:p>
-          <a:p>
-            <a:pPr indent="0" lvl="0" marL="0" rtl="0" algn="l">
-              <a:spcBef>
-                <a:spcPts val="1200"/>
-              </a:spcBef>
-              <a:spcAft>
-                <a:spcPts val="1200"/>
-              </a:spcAft>
-              <a:buNone/>
-            </a:pPr>
-            <a:r>
-              <a:rPr lang="ko" sz="1400"/>
-              <a:t>마우스와의 상호작용 및 해당칸 제어</a:t>
-            </a:r>
-            <a:endParaRPr sz="1400"/>
-          </a:p>
-        </p:txBody>
-      </p:sp>
-      <p:sp>
-        <p:nvSpPr>
-          <p:cNvPr id="86" name="Google Shape;86;p16"/>
-          <p:cNvSpPr txBox="1"/>
-          <p:nvPr>
-            <p:ph idx="1" type="body"/>
-          </p:nvPr>
-        </p:nvSpPr>
-        <p:spPr>
-          <a:xfrm>
-            <a:off x="5559000" y="4128950"/>
-            <a:ext cx="2244300" cy="880500"/>
-          </a:xfrm>
-          <a:prstGeom prst="rect">
-            <a:avLst/>
-          </a:prstGeom>
-        </p:spPr>
-        <p:txBody>
-          <a:bodyPr anchorCtr="0" anchor="t" bIns="91425" lIns="91425" spcFirstLastPara="1" rIns="91425" wrap="square" tIns="91425">
-            <a:normAutofit fontScale="85000" lnSpcReduction="20000"/>
-          </a:bodyPr>
-          <a:lstStyle/>
-          <a:p>
-            <a:pPr indent="0" lvl="0" marL="0" rtl="0" algn="l">
-              <a:spcBef>
-                <a:spcPts val="0"/>
-              </a:spcBef>
-              <a:spcAft>
-                <a:spcPts val="0"/>
-              </a:spcAft>
-              <a:buNone/>
-            </a:pPr>
-            <a:r>
-              <a:rPr lang="ko" sz="1400"/>
-              <a:t>인벤토리</a:t>
-            </a:r>
-            <a:endParaRPr sz="1400"/>
-          </a:p>
-          <a:p>
-            <a:pPr indent="0" lvl="0" marL="0" rtl="0" algn="l">
-              <a:spcBef>
-                <a:spcPts val="1200"/>
-              </a:spcBef>
-              <a:spcAft>
-                <a:spcPts val="1200"/>
-              </a:spcAft>
-              <a:buNone/>
-            </a:pPr>
-            <a:r>
-              <a:rPr lang="ko" sz="1400"/>
-              <a:t>인벤토리초기화, 아이템 장착,이동,스왑</a:t>
-            </a:r>
-            <a:endParaRPr sz="1400"/>
+              <a:rPr lang="ko" sz="1600"/>
+              <a:t>업데이트 버튼클릭시 호출되는 메소드입니다.</a:t>
+            </a:r>
+            <a:endParaRPr sz="1600"/>
+          </a:p>
+          <a:p>
+            <a:pPr indent="0" lvl="0" marL="0" rtl="0" algn="l">
+              <a:spcBef>
+                <a:spcPts val="0"/>
+              </a:spcBef>
+              <a:spcAft>
+                <a:spcPts val="0"/>
+              </a:spcAft>
+              <a:buNone/>
+            </a:pPr>
+            <a:r>
+              <a:t/>
+            </a:r>
+            <a:endParaRPr sz="1600"/>
+          </a:p>
+          <a:p>
+            <a:pPr indent="0" lvl="0" marL="0" rtl="0" algn="l">
+              <a:spcBef>
+                <a:spcPts val="0"/>
+              </a:spcBef>
+              <a:spcAft>
+                <a:spcPts val="0"/>
+              </a:spcAft>
+              <a:buNone/>
+            </a:pPr>
+            <a:r>
+              <a:rPr lang="ko" sz="1600"/>
+              <a:t>앞에 와같이 파일사이즈를 확인하고 </a:t>
+            </a:r>
+            <a:endParaRPr sz="1600"/>
+          </a:p>
+          <a:p>
+            <a:pPr indent="0" lvl="0" marL="0" rtl="0" algn="l">
+              <a:spcBef>
+                <a:spcPts val="0"/>
+              </a:spcBef>
+              <a:spcAft>
+                <a:spcPts val="0"/>
+              </a:spcAft>
+              <a:buNone/>
+            </a:pPr>
+            <a:r>
+              <a:rPr lang="ko" sz="1600"/>
+              <a:t>라벨마다 다운로드를 진행합니다.</a:t>
+            </a:r>
+            <a:endParaRPr sz="1600"/>
+          </a:p>
+          <a:p>
+            <a:pPr indent="0" lvl="0" marL="0" rtl="0" algn="l">
+              <a:spcBef>
+                <a:spcPts val="0"/>
+              </a:spcBef>
+              <a:spcAft>
+                <a:spcPts val="0"/>
+              </a:spcAft>
+              <a:buNone/>
+            </a:pPr>
+            <a:r>
+              <a:t/>
+            </a:r>
+            <a:endParaRPr sz="1600"/>
+          </a:p>
+          <a:p>
+            <a:pPr indent="0" lvl="0" marL="0" rtl="0" algn="l">
+              <a:spcBef>
+                <a:spcPts val="0"/>
+              </a:spcBef>
+              <a:spcAft>
+                <a:spcPts val="0"/>
+              </a:spcAft>
+              <a:buNone/>
+            </a:pPr>
+            <a:r>
+              <a:rPr lang="ko" sz="1600"/>
+              <a:t>다운로드의 진행상황은 CheckDownLoad()</a:t>
+            </a:r>
+            <a:endParaRPr sz="1600"/>
+          </a:p>
+          <a:p>
+            <a:pPr indent="0" lvl="0" marL="0" rtl="0" algn="l">
+              <a:spcBef>
+                <a:spcPts val="0"/>
+              </a:spcBef>
+              <a:spcAft>
+                <a:spcPts val="0"/>
+              </a:spcAft>
+              <a:buNone/>
+            </a:pPr>
+            <a:r>
+              <a:rPr lang="ko" sz="1600"/>
+              <a:t>메소드로 슬라이드바에 보기쉽게 표시되게 했습니다.</a:t>
+            </a:r>
+            <a:endParaRPr sz="1600"/>
+          </a:p>
+          <a:p>
+            <a:pPr indent="0" lvl="0" marL="0" rtl="0" algn="l">
+              <a:spcBef>
+                <a:spcPts val="0"/>
+              </a:spcBef>
+              <a:spcAft>
+                <a:spcPts val="0"/>
+              </a:spcAft>
+              <a:buNone/>
+            </a:pPr>
+            <a:r>
+              <a:t/>
+            </a:r>
+            <a:endParaRPr sz="1600"/>
           </a:p>
         </p:txBody>
       </p:sp>
       <p:pic>
         <p:nvPicPr>
-          <p:cNvPr id="87" name="Google Shape;87;p16"/>
-          <p:cNvPicPr preferRelativeResize="0"/>
-          <p:nvPr/>
-        </p:nvPicPr>
-        <p:blipFill rotWithShape="1">
-          <a:blip r:embed="rId3">
-            <a:alphaModFix/>
-          </a:blip>
-          <a:srcRect b="-1296" l="0" r="0" t="0"/>
-          <a:stretch/>
-        </p:blipFill>
-        <p:spPr>
-          <a:xfrm>
-            <a:off x="152400" y="1058225"/>
-            <a:ext cx="4359176" cy="3070726"/>
-          </a:xfrm>
-          <a:prstGeom prst="rect">
-            <a:avLst/>
-          </a:prstGeom>
-          <a:noFill/>
-          <a:ln>
-            <a:noFill/>
-          </a:ln>
-        </p:spPr>
-      </p:pic>
-      <p:pic>
-        <p:nvPicPr>
-          <p:cNvPr id="88" name="Google Shape;88;p16"/>
+          <p:cNvPr id="82" name="Google Shape;82;p16"/>
           <p:cNvPicPr preferRelativeResize="0"/>
           <p:nvPr/>
         </p:nvPicPr>
         <p:blipFill>
-          <a:blip r:embed="rId4">
+          <a:blip r:embed="rId3">
             <a:alphaModFix/>
           </a:blip>
           <a:stretch>
@@ -7609,8 +11674,8 @@
         </p:blipFill>
         <p:spPr>
           <a:xfrm>
-            <a:off x="4663975" y="1058225"/>
-            <a:ext cx="4034375" cy="3070725"/>
+            <a:off x="160275" y="1058225"/>
+            <a:ext cx="4461275" cy="3780600"/>
           </a:xfrm>
           <a:prstGeom prst="rect">
             <a:avLst/>
@@ -7634,7 +11699,7 @@
   <p:cSld>
     <p:spTree>
       <p:nvGrpSpPr>
-        <p:cNvPr id="92" name="Shape 92"/>
+        <p:cNvPr id="86" name="Shape 86"/>
         <p:cNvGrpSpPr/>
         <p:nvPr/>
       </p:nvGrpSpPr>
@@ -7648,7 +11713,7 @@
       </p:grpSpPr>
       <p:sp>
         <p:nvSpPr>
-          <p:cNvPr id="93" name="Google Shape;93;p17"/>
+          <p:cNvPr id="87" name="Google Shape;87;p17"/>
           <p:cNvSpPr txBox="1"/>
           <p:nvPr>
             <p:ph type="title"/>
@@ -7680,7 +11745,7 @@
             </a:pPr>
             <a:r>
               <a:rPr lang="ko"/>
-              <a:t>게임 플로우 - 초기화면</a:t>
+              <a:t>스크립트소개 - CSVtoSO</a:t>
             </a:r>
             <a:endParaRPr/>
           </a:p>
@@ -7688,38 +11753,44 @@
       </p:sp>
       <p:sp>
         <p:nvSpPr>
-          <p:cNvPr id="94" name="Google Shape;94;p17"/>
-          <p:cNvSpPr/>
-          <p:nvPr/>
+          <p:cNvPr id="88" name="Google Shape;88;p17"/>
+          <p:cNvSpPr txBox="1"/>
+          <p:nvPr>
+            <p:ph type="title"/>
+          </p:nvPr>
         </p:nvSpPr>
         <p:spPr>
           <a:xfrm>
-            <a:off x="279700" y="1383000"/>
-            <a:ext cx="4724100" cy="2696100"/>
+            <a:off x="4766075" y="1058225"/>
+            <a:ext cx="4121100" cy="3780600"/>
           </a:xfrm>
           <a:prstGeom prst="rect">
             <a:avLst/>
           </a:prstGeom>
-          <a:solidFill>
-            <a:schemeClr val="dk1"/>
-          </a:solidFill>
-          <a:ln cap="flat" cmpd="sng" w="9525">
-            <a:solidFill>
-              <a:schemeClr val="dk2"/>
-            </a:solidFill>
-            <a:prstDash val="solid"/>
-            <a:round/>
-            <a:headEnd len="sm" w="sm" type="none"/>
-            <a:tailEnd len="sm" w="sm" type="none"/>
-          </a:ln>
         </p:spPr>
         <p:txBody>
-          <a:bodyPr anchorCtr="0" anchor="ctr" bIns="91425" lIns="91425" spcFirstLastPara="1" rIns="91425" wrap="square" tIns="91425">
-            <a:noAutofit/>
+          <a:bodyPr anchorCtr="0" anchor="t" bIns="91425" lIns="91425" spcFirstLastPara="1" rIns="91425" wrap="square" tIns="91425">
+            <a:normAutofit/>
           </a:bodyPr>
           <a:lstStyle/>
           <a:p>
-            <a:pPr indent="0" lvl="0" marL="0" rtl="0" algn="ctr">
+            <a:pPr indent="0" lvl="0" marL="0" rtl="0" algn="l">
+              <a:spcBef>
+                <a:spcPts val="0"/>
+              </a:spcBef>
+              <a:spcAft>
+                <a:spcPts val="0"/>
+              </a:spcAft>
+              <a:buNone/>
+            </a:pPr>
+            <a:r>
+              <a:rPr lang="ko" sz="1600"/>
+              <a:t>Editor폴더에 있는 .csv파일을 불러옵니다.</a:t>
+            </a:r>
+            <a:endParaRPr sz="1600"/>
+          </a:p>
+          <a:p>
+            <a:pPr indent="0" lvl="0" marL="0" rtl="0" algn="l">
               <a:spcBef>
                 <a:spcPts val="0"/>
               </a:spcBef>
@@ -7731,135 +11802,106 @@
             <a:r>
               <a:t/>
             </a:r>
-            <a:endParaRPr>
-              <a:latin typeface="Old Standard TT"/>
-              <a:ea typeface="Old Standard TT"/>
-              <a:cs typeface="Old Standard TT"/>
-              <a:sym typeface="Old Standard TT"/>
-            </a:endParaRPr>
+            <a:endParaRPr sz="1600"/>
+          </a:p>
+          <a:p>
+            <a:pPr indent="0" lvl="0" marL="0" rtl="0" algn="l">
+              <a:spcBef>
+                <a:spcPts val="0"/>
+              </a:spcBef>
+              <a:spcAft>
+                <a:spcPts val="0"/>
+              </a:spcAft>
+              <a:buNone/>
+            </a:pPr>
+            <a:r>
+              <a:rPr lang="ko" sz="1600"/>
+              <a:t>데이터를 읽은후 모두 문자열변수로 저장합니다.</a:t>
+            </a:r>
+            <a:endParaRPr sz="1600"/>
+          </a:p>
+          <a:p>
+            <a:pPr indent="0" lvl="0" marL="0" rtl="0" algn="l">
+              <a:spcBef>
+                <a:spcPts val="0"/>
+              </a:spcBef>
+              <a:spcAft>
+                <a:spcPts val="0"/>
+              </a:spcAft>
+              <a:buNone/>
+            </a:pPr>
+            <a:r>
+              <a:t/>
+            </a:r>
+            <a:endParaRPr sz="1600"/>
+          </a:p>
+          <a:p>
+            <a:pPr indent="0" lvl="0" marL="0" rtl="0" algn="l">
+              <a:spcBef>
+                <a:spcPts val="0"/>
+              </a:spcBef>
+              <a:spcAft>
+                <a:spcPts val="0"/>
+              </a:spcAft>
+              <a:buNone/>
+            </a:pPr>
+            <a:r>
+              <a:rPr lang="ko" sz="1600"/>
+              <a:t>EnemyStatsSo스크립터블오브젝트에 각각의 값에 대입합니다.</a:t>
+            </a:r>
+            <a:endParaRPr sz="1600"/>
+          </a:p>
+          <a:p>
+            <a:pPr indent="0" lvl="0" marL="0" rtl="0" algn="l">
+              <a:spcBef>
+                <a:spcPts val="0"/>
+              </a:spcBef>
+              <a:spcAft>
+                <a:spcPts val="0"/>
+              </a:spcAft>
+              <a:buNone/>
+            </a:pPr>
+            <a:r>
+              <a:t/>
+            </a:r>
+            <a:endParaRPr sz="1600"/>
+          </a:p>
+          <a:p>
+            <a:pPr indent="0" lvl="0" marL="0" rtl="0" algn="l">
+              <a:spcBef>
+                <a:spcPts val="0"/>
+              </a:spcBef>
+              <a:spcAft>
+                <a:spcPts val="0"/>
+              </a:spcAft>
+              <a:buNone/>
+            </a:pPr>
+            <a:r>
+              <a:rPr lang="ko" sz="1600"/>
+              <a:t>대입이 끝났다면 지정한 파일위치에 스크립터블오브젝트를 생성하고 저장합니다.</a:t>
+            </a:r>
+            <a:endParaRPr sz="1600"/>
           </a:p>
         </p:txBody>
       </p:sp>
-      <p:sp>
-        <p:nvSpPr>
-          <p:cNvPr id="95" name="Google Shape;95;p17"/>
-          <p:cNvSpPr/>
+      <p:pic>
+        <p:nvPicPr>
+          <p:cNvPr id="89" name="Google Shape;89;p17"/>
+          <p:cNvPicPr preferRelativeResize="0"/>
           <p:nvPr/>
-        </p:nvSpPr>
-        <p:spPr>
-          <a:xfrm>
-            <a:off x="1507300" y="2012325"/>
-            <a:ext cx="2237700" cy="699300"/>
-          </a:xfrm>
-          <a:prstGeom prst="rect">
-            <a:avLst/>
-          </a:prstGeom>
-          <a:solidFill>
-            <a:schemeClr val="lt1"/>
-          </a:solidFill>
-          <a:ln cap="flat" cmpd="sng" w="9525">
-            <a:solidFill>
-              <a:schemeClr val="dk2"/>
-            </a:solidFill>
-            <a:prstDash val="solid"/>
-            <a:round/>
-            <a:headEnd len="sm" w="sm" type="none"/>
-            <a:tailEnd len="sm" w="sm" type="none"/>
-          </a:ln>
-        </p:spPr>
-        <p:txBody>
-          <a:bodyPr anchorCtr="0" anchor="ctr" bIns="91425" lIns="91425" spcFirstLastPara="1" rIns="91425" wrap="square" tIns="91425">
-            <a:noAutofit/>
-          </a:bodyPr>
-          <a:lstStyle/>
-          <a:p>
-            <a:pPr indent="0" lvl="0" marL="0" rtl="0" algn="ctr">
-              <a:spcBef>
-                <a:spcPts val="0"/>
-              </a:spcBef>
-              <a:spcAft>
-                <a:spcPts val="0"/>
-              </a:spcAft>
-              <a:buNone/>
-            </a:pPr>
-            <a:r>
-              <a:t/>
-            </a:r>
-            <a:endParaRPr>
-              <a:latin typeface="Old Standard TT"/>
-              <a:ea typeface="Old Standard TT"/>
-              <a:cs typeface="Old Standard TT"/>
-              <a:sym typeface="Old Standard TT"/>
-            </a:endParaRPr>
-          </a:p>
-        </p:txBody>
-      </p:sp>
-      <p:sp>
-        <p:nvSpPr>
-          <p:cNvPr id="96" name="Google Shape;96;p17"/>
-          <p:cNvSpPr/>
-          <p:nvPr/>
-        </p:nvSpPr>
-        <p:spPr>
-          <a:xfrm>
-            <a:off x="2035650" y="3659500"/>
-            <a:ext cx="1297500" cy="77700"/>
-          </a:xfrm>
-          <a:prstGeom prst="roundRect">
-            <a:avLst>
-              <a:gd fmla="val 16667" name="adj"/>
-            </a:avLst>
-          </a:prstGeom>
-          <a:solidFill>
-            <a:schemeClr val="lt1"/>
-          </a:solidFill>
-          <a:ln cap="flat" cmpd="sng" w="9525">
-            <a:solidFill>
-              <a:schemeClr val="dk2"/>
-            </a:solidFill>
-            <a:prstDash val="solid"/>
-            <a:round/>
-            <a:headEnd len="sm" w="sm" type="none"/>
-            <a:tailEnd len="sm" w="sm" type="none"/>
-          </a:ln>
-        </p:spPr>
-        <p:txBody>
-          <a:bodyPr anchorCtr="0" anchor="ctr" bIns="91425" lIns="91425" spcFirstLastPara="1" rIns="91425" wrap="square" tIns="91425">
-            <a:noAutofit/>
-          </a:bodyPr>
-          <a:lstStyle/>
-          <a:p>
-            <a:pPr indent="0" lvl="0" marL="0" rtl="0" algn="ctr">
-              <a:spcBef>
-                <a:spcPts val="0"/>
-              </a:spcBef>
-              <a:spcAft>
-                <a:spcPts val="0"/>
-              </a:spcAft>
-              <a:buNone/>
-            </a:pPr>
-            <a:r>
-              <a:t/>
-            </a:r>
-            <a:endParaRPr sz="1500">
-              <a:latin typeface="Old Standard TT"/>
-              <a:ea typeface="Old Standard TT"/>
-              <a:cs typeface="Old Standard TT"/>
-              <a:sym typeface="Old Standard TT"/>
-            </a:endParaRPr>
-          </a:p>
-        </p:txBody>
-      </p:sp>
-      <p:sp>
-        <p:nvSpPr>
-          <p:cNvPr id="97" name="Google Shape;97;p17"/>
-          <p:cNvSpPr txBox="1"/>
-          <p:nvPr/>
-        </p:nvSpPr>
-        <p:spPr>
-          <a:xfrm>
-            <a:off x="2043425" y="3814900"/>
-            <a:ext cx="1297500" cy="201900"/>
+        </p:nvPicPr>
+        <p:blipFill>
+          <a:blip r:embed="rId3">
+            <a:alphaModFix/>
+          </a:blip>
+          <a:stretch>
+            <a:fillRect/>
+          </a:stretch>
+        </p:blipFill>
+        <p:spPr>
+          <a:xfrm>
+            <a:off x="152400" y="1210625"/>
+            <a:ext cx="4461275" cy="3628200"/>
           </a:xfrm>
           <a:prstGeom prst="rect">
             <a:avLst/>
@@ -7869,529 +11911,7 @@
             <a:noFill/>
           </a:ln>
         </p:spPr>
-        <p:txBody>
-          <a:bodyPr anchorCtr="0" anchor="t" bIns="91425" lIns="91425" spcFirstLastPara="1" rIns="91425" wrap="square" tIns="91425">
-            <a:noAutofit/>
-          </a:bodyPr>
-          <a:lstStyle/>
-          <a:p>
-            <a:pPr indent="0" lvl="0" marL="0" rtl="0" algn="l">
-              <a:spcBef>
-                <a:spcPts val="0"/>
-              </a:spcBef>
-              <a:spcAft>
-                <a:spcPts val="0"/>
-              </a:spcAft>
-              <a:buNone/>
-            </a:pPr>
-            <a:r>
-              <a:rPr lang="ko" sz="800">
-                <a:solidFill>
-                  <a:schemeClr val="lt1"/>
-                </a:solidFill>
-                <a:latin typeface="Old Standard TT"/>
-                <a:ea typeface="Old Standard TT"/>
-                <a:cs typeface="Old Standard TT"/>
-                <a:sym typeface="Old Standard TT"/>
-              </a:rPr>
-              <a:t>리소스 다운(10/500MB)</a:t>
-            </a:r>
-            <a:endParaRPr sz="800">
-              <a:solidFill>
-                <a:schemeClr val="lt1"/>
-              </a:solidFill>
-              <a:latin typeface="Old Standard TT"/>
-              <a:ea typeface="Old Standard TT"/>
-              <a:cs typeface="Old Standard TT"/>
-              <a:sym typeface="Old Standard TT"/>
-            </a:endParaRPr>
-          </a:p>
-        </p:txBody>
-      </p:sp>
-      <p:graphicFrame>
-        <p:nvGraphicFramePr>
-          <p:cNvPr id="98" name="Google Shape;98;p17"/>
-          <p:cNvGraphicFramePr/>
-          <p:nvPr/>
-        </p:nvGraphicFramePr>
-        <p:xfrm>
-          <a:off x="5271700" y="1383000"/>
-          <a:ext cx="3000000" cy="3000000"/>
-        </p:xfrm>
-        <a:graphic>
-          <a:graphicData uri="http://schemas.openxmlformats.org/drawingml/2006/table">
-            <a:tbl>
-              <a:tblPr>
-                <a:noFill/>
-                <a:tableStyleId>{E75B73BB-DEC4-4857-AF7D-40CB0A369238}</a:tableStyleId>
-              </a:tblPr>
-              <a:tblGrid>
-                <a:gridCol w="591025"/>
-                <a:gridCol w="1088275"/>
-                <a:gridCol w="1795300"/>
-              </a:tblGrid>
-              <a:tr h="382950">
-                <a:tc>
-                  <a:txBody>
-                    <a:bodyPr/>
-                    <a:lstStyle/>
-                    <a:p>
-                      <a:pPr indent="0" lvl="0" marL="0" rtl="0" algn="l">
-                        <a:spcBef>
-                          <a:spcPts val="0"/>
-                        </a:spcBef>
-                        <a:spcAft>
-                          <a:spcPts val="0"/>
-                        </a:spcAft>
-                        <a:buNone/>
-                      </a:pPr>
-                      <a:r>
-                        <a:rPr lang="ko"/>
-                        <a:t>번호</a:t>
-                      </a:r>
-                      <a:endParaRPr/>
-                    </a:p>
-                  </a:txBody>
-                  <a:tcPr marT="91425" marB="91425" marR="91425" marL="91425"/>
-                </a:tc>
-                <a:tc>
-                  <a:txBody>
-                    <a:bodyPr/>
-                    <a:lstStyle/>
-                    <a:p>
-                      <a:pPr indent="0" lvl="0" marL="0" rtl="0" algn="l">
-                        <a:spcBef>
-                          <a:spcPts val="0"/>
-                        </a:spcBef>
-                        <a:spcAft>
-                          <a:spcPts val="0"/>
-                        </a:spcAft>
-                        <a:buNone/>
-                      </a:pPr>
-                      <a:r>
-                        <a:rPr lang="ko"/>
-                        <a:t>컴포넌트</a:t>
-                      </a:r>
-                      <a:endParaRPr/>
-                    </a:p>
-                  </a:txBody>
-                  <a:tcPr marT="91425" marB="91425" marR="91425" marL="91425"/>
-                </a:tc>
-                <a:tc>
-                  <a:txBody>
-                    <a:bodyPr/>
-                    <a:lstStyle/>
-                    <a:p>
-                      <a:pPr indent="0" lvl="0" marL="0" rtl="0" algn="l">
-                        <a:spcBef>
-                          <a:spcPts val="0"/>
-                        </a:spcBef>
-                        <a:spcAft>
-                          <a:spcPts val="0"/>
-                        </a:spcAft>
-                        <a:buNone/>
-                      </a:pPr>
-                      <a:r>
-                        <a:rPr lang="ko"/>
-                        <a:t>내용</a:t>
-                      </a:r>
-                      <a:endParaRPr/>
-                    </a:p>
-                  </a:txBody>
-                  <a:tcPr marT="91425" marB="91425" marR="91425" marL="91425"/>
-                </a:tc>
-              </a:tr>
-              <a:tr h="382950">
-                <a:tc>
-                  <a:txBody>
-                    <a:bodyPr/>
-                    <a:lstStyle/>
-                    <a:p>
-                      <a:pPr indent="0" lvl="0" marL="0" rtl="0" algn="l">
-                        <a:spcBef>
-                          <a:spcPts val="0"/>
-                        </a:spcBef>
-                        <a:spcAft>
-                          <a:spcPts val="0"/>
-                        </a:spcAft>
-                        <a:buNone/>
-                      </a:pPr>
-                      <a:r>
-                        <a:rPr lang="ko"/>
-                        <a:t>1</a:t>
-                      </a:r>
-                      <a:endParaRPr/>
-                    </a:p>
-                  </a:txBody>
-                  <a:tcPr marT="91425" marB="91425" marR="91425" marL="91425"/>
-                </a:tc>
-                <a:tc>
-                  <a:txBody>
-                    <a:bodyPr/>
-                    <a:lstStyle/>
-                    <a:p>
-                      <a:pPr indent="0" lvl="0" marL="0" rtl="0" algn="l">
-                        <a:spcBef>
-                          <a:spcPts val="0"/>
-                        </a:spcBef>
-                        <a:spcAft>
-                          <a:spcPts val="0"/>
-                        </a:spcAft>
-                        <a:buNone/>
-                      </a:pPr>
-                      <a:r>
-                        <a:rPr lang="ko"/>
-                        <a:t>이미지</a:t>
-                      </a:r>
-                      <a:endParaRPr/>
-                    </a:p>
-                  </a:txBody>
-                  <a:tcPr marT="91425" marB="91425" marR="91425" marL="91425"/>
-                </a:tc>
-                <a:tc>
-                  <a:txBody>
-                    <a:bodyPr/>
-                    <a:lstStyle/>
-                    <a:p>
-                      <a:pPr indent="0" lvl="0" marL="0" rtl="0" algn="l">
-                        <a:spcBef>
-                          <a:spcPts val="0"/>
-                        </a:spcBef>
-                        <a:spcAft>
-                          <a:spcPts val="0"/>
-                        </a:spcAft>
-                        <a:buNone/>
-                      </a:pPr>
-                      <a:r>
-                        <a:rPr lang="ko"/>
-                        <a:t>타이틀</a:t>
-                      </a:r>
-                      <a:endParaRPr/>
-                    </a:p>
-                  </a:txBody>
-                  <a:tcPr marT="91425" marB="91425" marR="91425" marL="91425"/>
-                </a:tc>
-              </a:tr>
-              <a:tr h="382950">
-                <a:tc>
-                  <a:txBody>
-                    <a:bodyPr/>
-                    <a:lstStyle/>
-                    <a:p>
-                      <a:pPr indent="0" lvl="0" marL="0" rtl="0" algn="l">
-                        <a:spcBef>
-                          <a:spcPts val="0"/>
-                        </a:spcBef>
-                        <a:spcAft>
-                          <a:spcPts val="0"/>
-                        </a:spcAft>
-                        <a:buNone/>
-                      </a:pPr>
-                      <a:r>
-                        <a:rPr lang="ko"/>
-                        <a:t>2</a:t>
-                      </a:r>
-                      <a:endParaRPr/>
-                    </a:p>
-                  </a:txBody>
-                  <a:tcPr marT="91425" marB="91425" marR="91425" marL="91425"/>
-                </a:tc>
-                <a:tc>
-                  <a:txBody>
-                    <a:bodyPr/>
-                    <a:lstStyle/>
-                    <a:p>
-                      <a:pPr indent="0" lvl="0" marL="0" rtl="0" algn="l">
-                        <a:spcBef>
-                          <a:spcPts val="0"/>
-                        </a:spcBef>
-                        <a:spcAft>
-                          <a:spcPts val="0"/>
-                        </a:spcAft>
-                        <a:buNone/>
-                      </a:pPr>
-                      <a:r>
-                        <a:rPr lang="ko"/>
-                        <a:t>슬라이더</a:t>
-                      </a:r>
-                      <a:endParaRPr/>
-                    </a:p>
-                  </a:txBody>
-                  <a:tcPr marT="91425" marB="91425" marR="91425" marL="91425"/>
-                </a:tc>
-                <a:tc>
-                  <a:txBody>
-                    <a:bodyPr/>
-                    <a:lstStyle/>
-                    <a:p>
-                      <a:pPr indent="0" lvl="0" marL="0" rtl="0" algn="l">
-                        <a:spcBef>
-                          <a:spcPts val="0"/>
-                        </a:spcBef>
-                        <a:spcAft>
-                          <a:spcPts val="0"/>
-                        </a:spcAft>
-                        <a:buNone/>
-                      </a:pPr>
-                      <a:r>
-                        <a:rPr lang="ko"/>
-                        <a:t>리소스 퍼센트 표시</a:t>
-                      </a:r>
-                      <a:endParaRPr/>
-                    </a:p>
-                  </a:txBody>
-                  <a:tcPr marT="91425" marB="91425" marR="91425" marL="91425"/>
-                </a:tc>
-              </a:tr>
-              <a:tr h="382950">
-                <a:tc>
-                  <a:txBody>
-                    <a:bodyPr/>
-                    <a:lstStyle/>
-                    <a:p>
-                      <a:pPr indent="0" lvl="0" marL="0" rtl="0" algn="l">
-                        <a:spcBef>
-                          <a:spcPts val="0"/>
-                        </a:spcBef>
-                        <a:spcAft>
-                          <a:spcPts val="0"/>
-                        </a:spcAft>
-                        <a:buNone/>
-                      </a:pPr>
-                      <a:r>
-                        <a:rPr lang="ko"/>
-                        <a:t>3</a:t>
-                      </a:r>
-                      <a:endParaRPr/>
-                    </a:p>
-                  </a:txBody>
-                  <a:tcPr marT="91425" marB="91425" marR="91425" marL="91425"/>
-                </a:tc>
-                <a:tc>
-                  <a:txBody>
-                    <a:bodyPr/>
-                    <a:lstStyle/>
-                    <a:p>
-                      <a:pPr indent="0" lvl="0" marL="0" rtl="0" algn="l">
-                        <a:spcBef>
-                          <a:spcPts val="0"/>
-                        </a:spcBef>
-                        <a:spcAft>
-                          <a:spcPts val="0"/>
-                        </a:spcAft>
-                        <a:buNone/>
-                      </a:pPr>
-                      <a:r>
-                        <a:rPr lang="ko"/>
-                        <a:t>텍스트</a:t>
-                      </a:r>
-                      <a:endParaRPr/>
-                    </a:p>
-                  </a:txBody>
-                  <a:tcPr marT="91425" marB="91425" marR="91425" marL="91425"/>
-                </a:tc>
-                <a:tc>
-                  <a:txBody>
-                    <a:bodyPr/>
-                    <a:lstStyle/>
-                    <a:p>
-                      <a:pPr indent="0" lvl="0" marL="0" rtl="0" algn="l">
-                        <a:spcBef>
-                          <a:spcPts val="0"/>
-                        </a:spcBef>
-                        <a:spcAft>
-                          <a:spcPts val="0"/>
-                        </a:spcAft>
-                        <a:buNone/>
-                      </a:pPr>
-                      <a:r>
-                        <a:rPr lang="ko"/>
-                        <a:t>리소스 다운표시</a:t>
-                      </a:r>
-                      <a:endParaRPr/>
-                    </a:p>
-                  </a:txBody>
-                  <a:tcPr marT="91425" marB="91425" marR="91425" marL="91425"/>
-                </a:tc>
-              </a:tr>
-            </a:tbl>
-          </a:graphicData>
-        </a:graphic>
-      </p:graphicFrame>
-      <p:sp>
-        <p:nvSpPr>
-          <p:cNvPr id="99" name="Google Shape;99;p17"/>
-          <p:cNvSpPr txBox="1"/>
-          <p:nvPr/>
-        </p:nvSpPr>
-        <p:spPr>
-          <a:xfrm>
-            <a:off x="1180975" y="1779200"/>
-            <a:ext cx="147600" cy="147600"/>
-          </a:xfrm>
-          <a:prstGeom prst="rect">
-            <a:avLst/>
-          </a:prstGeom>
-          <a:noFill/>
-          <a:ln>
-            <a:noFill/>
-          </a:ln>
-        </p:spPr>
-        <p:txBody>
-          <a:bodyPr anchorCtr="0" anchor="t" bIns="91425" lIns="91425" spcFirstLastPara="1" rIns="91425" wrap="square" tIns="91425">
-            <a:noAutofit/>
-          </a:bodyPr>
-          <a:lstStyle/>
-          <a:p>
-            <a:pPr indent="0" lvl="0" marL="0" rtl="0" algn="l">
-              <a:spcBef>
-                <a:spcPts val="0"/>
-              </a:spcBef>
-              <a:spcAft>
-                <a:spcPts val="0"/>
-              </a:spcAft>
-              <a:buNone/>
-            </a:pPr>
-            <a:r>
-              <a:rPr lang="ko" sz="1800">
-                <a:solidFill>
-                  <a:srgbClr val="FF0000"/>
-                </a:solidFill>
-                <a:latin typeface="Old Standard TT"/>
-                <a:ea typeface="Old Standard TT"/>
-                <a:cs typeface="Old Standard TT"/>
-                <a:sym typeface="Old Standard TT"/>
-              </a:rPr>
-              <a:t>1</a:t>
-            </a:r>
-            <a:endParaRPr sz="1800">
-              <a:solidFill>
-                <a:srgbClr val="FF0000"/>
-              </a:solidFill>
-              <a:latin typeface="Old Standard TT"/>
-              <a:ea typeface="Old Standard TT"/>
-              <a:cs typeface="Old Standard TT"/>
-              <a:sym typeface="Old Standard TT"/>
-            </a:endParaRPr>
-          </a:p>
-        </p:txBody>
-      </p:sp>
-      <p:sp>
-        <p:nvSpPr>
-          <p:cNvPr id="100" name="Google Shape;100;p17"/>
-          <p:cNvSpPr txBox="1"/>
-          <p:nvPr/>
-        </p:nvSpPr>
-        <p:spPr>
-          <a:xfrm>
-            <a:off x="1737375" y="3392300"/>
-            <a:ext cx="147600" cy="147600"/>
-          </a:xfrm>
-          <a:prstGeom prst="rect">
-            <a:avLst/>
-          </a:prstGeom>
-          <a:noFill/>
-          <a:ln>
-            <a:noFill/>
-          </a:ln>
-        </p:spPr>
-        <p:txBody>
-          <a:bodyPr anchorCtr="0" anchor="t" bIns="91425" lIns="91425" spcFirstLastPara="1" rIns="91425" wrap="square" tIns="91425">
-            <a:noAutofit/>
-          </a:bodyPr>
-          <a:lstStyle/>
-          <a:p>
-            <a:pPr indent="0" lvl="0" marL="0" rtl="0" algn="l">
-              <a:spcBef>
-                <a:spcPts val="0"/>
-              </a:spcBef>
-              <a:spcAft>
-                <a:spcPts val="0"/>
-              </a:spcAft>
-              <a:buNone/>
-            </a:pPr>
-            <a:r>
-              <a:rPr lang="ko" sz="1800">
-                <a:solidFill>
-                  <a:srgbClr val="FF0000"/>
-                </a:solidFill>
-                <a:latin typeface="Old Standard TT"/>
-                <a:ea typeface="Old Standard TT"/>
-                <a:cs typeface="Old Standard TT"/>
-                <a:sym typeface="Old Standard TT"/>
-              </a:rPr>
-              <a:t>2</a:t>
-            </a:r>
-            <a:endParaRPr sz="1800">
-              <a:solidFill>
-                <a:srgbClr val="FF0000"/>
-              </a:solidFill>
-              <a:latin typeface="Old Standard TT"/>
-              <a:ea typeface="Old Standard TT"/>
-              <a:cs typeface="Old Standard TT"/>
-              <a:sym typeface="Old Standard TT"/>
-            </a:endParaRPr>
-          </a:p>
-        </p:txBody>
-      </p:sp>
-      <p:sp>
-        <p:nvSpPr>
-          <p:cNvPr id="101" name="Google Shape;101;p17"/>
-          <p:cNvSpPr txBox="1"/>
-          <p:nvPr/>
-        </p:nvSpPr>
-        <p:spPr>
-          <a:xfrm>
-            <a:off x="1799500" y="3737200"/>
-            <a:ext cx="147600" cy="147600"/>
-          </a:xfrm>
-          <a:prstGeom prst="rect">
-            <a:avLst/>
-          </a:prstGeom>
-          <a:noFill/>
-          <a:ln>
-            <a:noFill/>
-          </a:ln>
-        </p:spPr>
-        <p:txBody>
-          <a:bodyPr anchorCtr="0" anchor="t" bIns="91425" lIns="91425" spcFirstLastPara="1" rIns="91425" wrap="square" tIns="91425">
-            <a:noAutofit/>
-          </a:bodyPr>
-          <a:lstStyle/>
-          <a:p>
-            <a:pPr indent="0" lvl="0" marL="0" rtl="0" algn="l">
-              <a:spcBef>
-                <a:spcPts val="0"/>
-              </a:spcBef>
-              <a:spcAft>
-                <a:spcPts val="0"/>
-              </a:spcAft>
-              <a:buNone/>
-            </a:pPr>
-            <a:r>
-              <a:rPr lang="ko" sz="1800">
-                <a:solidFill>
-                  <a:srgbClr val="FF0000"/>
-                </a:solidFill>
-                <a:latin typeface="Old Standard TT"/>
-                <a:ea typeface="Old Standard TT"/>
-                <a:cs typeface="Old Standard TT"/>
-                <a:sym typeface="Old Standard TT"/>
-              </a:rPr>
-              <a:t>3</a:t>
-            </a:r>
-            <a:endParaRPr sz="1800">
-              <a:solidFill>
-                <a:srgbClr val="FF0000"/>
-              </a:solidFill>
-              <a:latin typeface="Old Standard TT"/>
-              <a:ea typeface="Old Standard TT"/>
-              <a:cs typeface="Old Standard TT"/>
-              <a:sym typeface="Old Standard TT"/>
-            </a:endParaRPr>
-          </a:p>
-        </p:txBody>
-      </p:sp>
+      </p:pic>
     </p:spTree>
   </p:cSld>
   <p:clrMapOvr>
@@ -8405,7 +11925,7 @@
   <p:cSld>
     <p:spTree>
       <p:nvGrpSpPr>
-        <p:cNvPr id="105" name="Shape 105"/>
+        <p:cNvPr id="93" name="Shape 93"/>
         <p:cNvGrpSpPr/>
         <p:nvPr/>
       </p:nvGrpSpPr>
@@ -8419,7 +11939,7 @@
       </p:grpSpPr>
       <p:sp>
         <p:nvSpPr>
-          <p:cNvPr id="106" name="Google Shape;106;p18"/>
+          <p:cNvPr id="94" name="Google Shape;94;p18"/>
           <p:cNvSpPr txBox="1"/>
           <p:nvPr>
             <p:ph type="title"/>
@@ -8451,15 +11971,43 @@
             </a:pPr>
             <a:r>
               <a:rPr lang="ko"/>
-              <a:t>전체 설명영상</a:t>
+              <a:t>스크립트소개 - MineController</a:t>
             </a:r>
             <a:endParaRPr/>
           </a:p>
         </p:txBody>
       </p:sp>
+      <p:pic>
+        <p:nvPicPr>
+          <p:cNvPr id="95" name="Google Shape;95;p18"/>
+          <p:cNvPicPr preferRelativeResize="0"/>
+          <p:nvPr/>
+        </p:nvPicPr>
+        <p:blipFill>
+          <a:blip r:embed="rId3">
+            <a:alphaModFix/>
+          </a:blip>
+          <a:stretch>
+            <a:fillRect/>
+          </a:stretch>
+        </p:blipFill>
+        <p:spPr>
+          <a:xfrm>
+            <a:off x="346275" y="1058225"/>
+            <a:ext cx="4225731" cy="3780475"/>
+          </a:xfrm>
+          <a:prstGeom prst="rect">
+            <a:avLst/>
+          </a:prstGeom>
+          <a:noFill/>
+          <a:ln>
+            <a:noFill/>
+          </a:ln>
+        </p:spPr>
+      </p:pic>
       <p:sp>
         <p:nvSpPr>
-          <p:cNvPr id="107" name="Google Shape;107;p18"/>
+          <p:cNvPr id="96" name="Google Shape;96;p18"/>
           <p:cNvSpPr txBox="1"/>
           <p:nvPr>
             <p:ph type="title"/>
@@ -8467,91 +12015,792 @@
         </p:nvSpPr>
         <p:spPr>
           <a:xfrm>
-            <a:off x="456225" y="1462550"/>
-            <a:ext cx="8520600" cy="2587800"/>
+            <a:off x="4766075" y="1058225"/>
+            <a:ext cx="4121100" cy="3780600"/>
           </a:xfrm>
           <a:prstGeom prst="rect">
             <a:avLst/>
           </a:prstGeom>
         </p:spPr>
         <p:txBody>
-          <a:bodyPr anchorCtr="0" anchor="ctr" bIns="91425" lIns="91425" spcFirstLastPara="1" rIns="91425" wrap="square" tIns="91425">
+          <a:bodyPr anchorCtr="0" anchor="t" bIns="91425" lIns="91425" spcFirstLastPara="1" rIns="91425" wrap="square" tIns="91425">
             <a:normAutofit/>
           </a:bodyPr>
           <a:lstStyle/>
           <a:p>
-            <a:pPr indent="0" lvl="0" marL="0" rtl="0" algn="ctr">
-              <a:spcBef>
-                <a:spcPts val="0"/>
-              </a:spcBef>
-              <a:spcAft>
-                <a:spcPts val="0"/>
-              </a:spcAft>
-              <a:buNone/>
-            </a:pPr>
-            <a:r>
-              <a:rPr lang="ko" sz="1700"/>
-              <a:t>깃허브주소</a:t>
-            </a:r>
-            <a:endParaRPr sz="1700"/>
-          </a:p>
-          <a:p>
-            <a:pPr indent="0" lvl="0" marL="0" rtl="0" algn="ctr">
-              <a:spcBef>
-                <a:spcPts val="0"/>
-              </a:spcBef>
-              <a:spcAft>
-                <a:spcPts val="0"/>
-              </a:spcAft>
-              <a:buNone/>
-            </a:pPr>
-            <a:r>
-              <a:rPr lang="ko" sz="1700" u="sng">
+            <a:pPr indent="0" lvl="0" marL="0" rtl="0" algn="l">
+              <a:spcBef>
+                <a:spcPts val="0"/>
+              </a:spcBef>
+              <a:spcAft>
+                <a:spcPts val="0"/>
+              </a:spcAft>
+              <a:buNone/>
+            </a:pPr>
+            <a:r>
+              <a:rPr lang="ko" sz="1600"/>
+              <a:t>게임이 오프라인이거나 비활성화시에도 돈이 쌓일수있게하는 클래스입니다.</a:t>
+            </a:r>
+            <a:endParaRPr sz="1600"/>
+          </a:p>
+          <a:p>
+            <a:pPr indent="0" lvl="0" marL="0" rtl="0" algn="l">
+              <a:spcBef>
+                <a:spcPts val="0"/>
+              </a:spcBef>
+              <a:spcAft>
+                <a:spcPts val="0"/>
+              </a:spcAft>
+              <a:buNone/>
+            </a:pPr>
+            <a:r>
+              <a:t/>
+            </a:r>
+            <a:endParaRPr sz="1600"/>
+          </a:p>
+          <a:p>
+            <a:pPr indent="0" lvl="0" marL="0" rtl="0" algn="l">
+              <a:spcBef>
+                <a:spcPts val="0"/>
+              </a:spcBef>
+              <a:spcAft>
+                <a:spcPts val="0"/>
+              </a:spcAft>
+              <a:buNone/>
+            </a:pPr>
+            <a:r>
+              <a:rPr lang="ko" sz="1600"/>
+              <a:t>저장된 데이터가 있다면 저장된 시기의 시간을 저장합니다.</a:t>
+            </a:r>
+            <a:endParaRPr sz="1600"/>
+          </a:p>
+          <a:p>
+            <a:pPr indent="0" lvl="0" marL="0" rtl="0" algn="l">
+              <a:spcBef>
+                <a:spcPts val="0"/>
+              </a:spcBef>
+              <a:spcAft>
+                <a:spcPts val="0"/>
+              </a:spcAft>
+              <a:buNone/>
+            </a:pPr>
+            <a:r>
+              <a:t/>
+            </a:r>
+            <a:endParaRPr sz="1600"/>
+          </a:p>
+          <a:p>
+            <a:pPr indent="0" lvl="0" marL="0" rtl="0" algn="l">
+              <a:spcBef>
+                <a:spcPts val="0"/>
+              </a:spcBef>
+              <a:spcAft>
+                <a:spcPts val="0"/>
+              </a:spcAft>
+              <a:buNone/>
+            </a:pPr>
+            <a:r>
+              <a:rPr lang="ko" sz="1600"/>
+              <a:t>현재시간 - 저장된 시간을 계산해 오프라인동안의 골드를 collectedMoney에 대입합니다.</a:t>
+            </a:r>
+            <a:endParaRPr sz="1600"/>
+          </a:p>
+        </p:txBody>
+      </p:sp>
+    </p:spTree>
+  </p:cSld>
+  <p:clrMapOvr>
+    <a:masterClrMapping/>
+  </p:clrMapOvr>
+</p:sld>
+</file>
+
+<file path=ppt/slides/slide7.xml><?xml version="1.0" encoding="utf-8"?>
+<p:sld xmlns:a="http://schemas.openxmlformats.org/drawingml/2006/main" xmlns:r="http://schemas.openxmlformats.org/officeDocument/2006/relationships" xmlns:mc="http://schemas.openxmlformats.org/markup-compatibility/2006" xmlns:mv="urn:schemas-microsoft-com:mac:vml" xmlns:p="http://schemas.openxmlformats.org/presentationml/2006/main" xmlns:c="http://schemas.openxmlformats.org/drawingml/2006/chart" xmlns:dgm="http://schemas.openxmlformats.org/drawingml/2006/diagram" xmlns:o="urn:schemas-microsoft-com:office:office" xmlns:v="urn:schemas-microsoft-com:vml" xmlns:pvml="urn:schemas-microsoft-com:office:powerpoint" xmlns:com="http://schemas.openxmlformats.org/drawingml/2006/compatibility" xmlns:p14="http://schemas.microsoft.com/office/powerpoint/2010/main" xmlns:p15="http://schemas.microsoft.com/office/powerpoint/2012/main" xmlns:ahyp="http://schemas.microsoft.com/office/drawing/2018/hyperlinkcolor">
+  <p:cSld>
+    <p:spTree>
+      <p:nvGrpSpPr>
+        <p:cNvPr id="100" name="Shape 100"/>
+        <p:cNvGrpSpPr/>
+        <p:nvPr/>
+      </p:nvGrpSpPr>
+      <p:grpSpPr>
+        <a:xfrm>
+          <a:off x="0" y="0"/>
+          <a:ext cx="0" cy="0"/>
+          <a:chOff x="0" y="0"/>
+          <a:chExt cx="0" cy="0"/>
+        </a:xfrm>
+      </p:grpSpPr>
+      <p:sp>
+        <p:nvSpPr>
+          <p:cNvPr id="101" name="Google Shape;101;p19"/>
+          <p:cNvSpPr txBox="1"/>
+          <p:nvPr>
+            <p:ph type="title"/>
+          </p:nvPr>
+        </p:nvSpPr>
+        <p:spPr>
+          <a:xfrm>
+            <a:off x="311700" y="445025"/>
+            <a:ext cx="8520600" cy="613200"/>
+          </a:xfrm>
+          <a:prstGeom prst="rect">
+            <a:avLst/>
+          </a:prstGeom>
+        </p:spPr>
+        <p:txBody>
+          <a:bodyPr anchorCtr="0" anchor="t" bIns="91425" lIns="91425" spcFirstLastPara="1" rIns="91425" wrap="square" tIns="91425">
+            <a:normAutofit fontScale="90000"/>
+          </a:bodyPr>
+          <a:lstStyle/>
+          <a:p>
+            <a:pPr indent="0" lvl="0" marL="0" rtl="0" algn="l">
+              <a:spcBef>
+                <a:spcPts val="0"/>
+              </a:spcBef>
+              <a:spcAft>
+                <a:spcPts val="0"/>
+              </a:spcAft>
+              <a:buNone/>
+            </a:pPr>
+            <a:r>
+              <a:rPr lang="ko"/>
+              <a:t>스크립트소개 - BlackSmithController</a:t>
+            </a:r>
+            <a:endParaRPr/>
+          </a:p>
+        </p:txBody>
+      </p:sp>
+      <p:sp>
+        <p:nvSpPr>
+          <p:cNvPr id="102" name="Google Shape;102;p19"/>
+          <p:cNvSpPr txBox="1"/>
+          <p:nvPr>
+            <p:ph type="title"/>
+          </p:nvPr>
+        </p:nvSpPr>
+        <p:spPr>
+          <a:xfrm>
+            <a:off x="4766075" y="1058225"/>
+            <a:ext cx="4121100" cy="3780600"/>
+          </a:xfrm>
+          <a:prstGeom prst="rect">
+            <a:avLst/>
+          </a:prstGeom>
+        </p:spPr>
+        <p:txBody>
+          <a:bodyPr anchorCtr="0" anchor="t" bIns="91425" lIns="91425" spcFirstLastPara="1" rIns="91425" wrap="square" tIns="91425">
+            <a:normAutofit/>
+          </a:bodyPr>
+          <a:lstStyle/>
+          <a:p>
+            <a:pPr indent="0" lvl="0" marL="0" rtl="0" algn="l">
+              <a:spcBef>
+                <a:spcPts val="0"/>
+              </a:spcBef>
+              <a:spcAft>
+                <a:spcPts val="0"/>
+              </a:spcAft>
+              <a:buNone/>
+            </a:pPr>
+            <a:r>
+              <a:rPr lang="ko" sz="1600"/>
+              <a:t>대장장이NPC의 제작UI에서 사용하는 메소드입니다. </a:t>
+            </a:r>
+            <a:endParaRPr sz="1600"/>
+          </a:p>
+          <a:p>
+            <a:pPr indent="0" lvl="0" marL="0" rtl="0" algn="l">
+              <a:spcBef>
+                <a:spcPts val="0"/>
+              </a:spcBef>
+              <a:spcAft>
+                <a:spcPts val="0"/>
+              </a:spcAft>
+              <a:buNone/>
+            </a:pPr>
+            <a:r>
+              <a:t/>
+            </a:r>
+            <a:endParaRPr sz="1600"/>
+          </a:p>
+          <a:p>
+            <a:pPr indent="0" lvl="0" marL="0" rtl="0" algn="l">
+              <a:spcBef>
+                <a:spcPts val="0"/>
+              </a:spcBef>
+              <a:spcAft>
+                <a:spcPts val="0"/>
+              </a:spcAft>
+              <a:buNone/>
+            </a:pPr>
+            <a:r>
+              <a:rPr lang="ko" sz="1600"/>
+              <a:t>제작할 무기(WeaponSO)에서 IngredientSO에 있는 데이터를 불러와</a:t>
+            </a:r>
+            <a:endParaRPr sz="1600"/>
+          </a:p>
+          <a:p>
+            <a:pPr indent="0" lvl="0" marL="0" rtl="0" algn="l">
+              <a:spcBef>
+                <a:spcPts val="0"/>
+              </a:spcBef>
+              <a:spcAft>
+                <a:spcPts val="0"/>
+              </a:spcAft>
+              <a:buNone/>
+            </a:pPr>
+            <a:r>
+              <a:rPr lang="ko" sz="1600"/>
+              <a:t>제작재료와 갯수를 UI에 나타냅니다.</a:t>
+            </a:r>
+            <a:endParaRPr sz="1600"/>
+          </a:p>
+          <a:p>
+            <a:pPr indent="0" lvl="0" marL="0" rtl="0" algn="l">
+              <a:spcBef>
+                <a:spcPts val="0"/>
+              </a:spcBef>
+              <a:spcAft>
+                <a:spcPts val="0"/>
+              </a:spcAft>
+              <a:buNone/>
+            </a:pPr>
+            <a:r>
+              <a:t/>
+            </a:r>
+            <a:endParaRPr sz="1600"/>
+          </a:p>
+          <a:p>
+            <a:pPr indent="0" lvl="0" marL="0" rtl="0" algn="l">
+              <a:spcBef>
+                <a:spcPts val="0"/>
+              </a:spcBef>
+              <a:spcAft>
+                <a:spcPts val="0"/>
+              </a:spcAft>
+              <a:buNone/>
+            </a:pPr>
+            <a:r>
+              <a:rPr lang="ko" sz="1600"/>
+              <a:t>인벤토리에서 현재 보유하고있는 재료의 개수를 파악합니다</a:t>
+            </a:r>
+            <a:endParaRPr sz="1600"/>
+          </a:p>
+          <a:p>
+            <a:pPr indent="0" lvl="0" marL="0" rtl="0" algn="l">
+              <a:spcBef>
+                <a:spcPts val="0"/>
+              </a:spcBef>
+              <a:spcAft>
+                <a:spcPts val="0"/>
+              </a:spcAft>
+              <a:buNone/>
+            </a:pPr>
+            <a:r>
+              <a:t/>
+            </a:r>
+            <a:endParaRPr sz="1600"/>
+          </a:p>
+          <a:p>
+            <a:pPr indent="0" lvl="0" marL="0" rtl="0" algn="l">
+              <a:spcBef>
+                <a:spcPts val="0"/>
+              </a:spcBef>
+              <a:spcAft>
+                <a:spcPts val="0"/>
+              </a:spcAft>
+              <a:buNone/>
+            </a:pPr>
+            <a:r>
+              <a:rPr lang="ko" sz="1600"/>
+              <a:t>현재보유재료개수 &lt; 제작필요재료개수</a:t>
+            </a:r>
+            <a:endParaRPr sz="1600"/>
+          </a:p>
+          <a:p>
+            <a:pPr indent="0" lvl="0" marL="0" rtl="0" algn="l">
+              <a:spcBef>
+                <a:spcPts val="0"/>
+              </a:spcBef>
+              <a:spcAft>
+                <a:spcPts val="0"/>
+              </a:spcAft>
+              <a:buNone/>
+            </a:pPr>
+            <a:r>
+              <a:rPr lang="ko" sz="1600"/>
+              <a:t>이면 텍스트컬러를 빨간색으로 하고 제작버튼을 비활성화합니다.</a:t>
+            </a:r>
+            <a:endParaRPr sz="1600"/>
+          </a:p>
+        </p:txBody>
+      </p:sp>
+      <p:pic>
+        <p:nvPicPr>
+          <p:cNvPr id="103" name="Google Shape;103;p19"/>
+          <p:cNvPicPr preferRelativeResize="0"/>
+          <p:nvPr/>
+        </p:nvPicPr>
+        <p:blipFill>
+          <a:blip r:embed="rId3">
+            <a:alphaModFix/>
+          </a:blip>
+          <a:stretch>
+            <a:fillRect/>
+          </a:stretch>
+        </p:blipFill>
+        <p:spPr>
+          <a:xfrm>
+            <a:off x="144525" y="1058225"/>
+            <a:ext cx="4461276" cy="3780600"/>
+          </a:xfrm>
+          <a:prstGeom prst="rect">
+            <a:avLst/>
+          </a:prstGeom>
+          <a:noFill/>
+          <a:ln>
+            <a:noFill/>
+          </a:ln>
+        </p:spPr>
+      </p:pic>
+    </p:spTree>
+  </p:cSld>
+  <p:clrMapOvr>
+    <a:masterClrMapping/>
+  </p:clrMapOvr>
+</p:sld>
+</file>
+
+<file path=ppt/slides/slide8.xml><?xml version="1.0" encoding="utf-8"?>
+<p:sld xmlns:a="http://schemas.openxmlformats.org/drawingml/2006/main" xmlns:r="http://schemas.openxmlformats.org/officeDocument/2006/relationships" xmlns:mc="http://schemas.openxmlformats.org/markup-compatibility/2006" xmlns:mv="urn:schemas-microsoft-com:mac:vml" xmlns:p="http://schemas.openxmlformats.org/presentationml/2006/main" xmlns:c="http://schemas.openxmlformats.org/drawingml/2006/chart" xmlns:dgm="http://schemas.openxmlformats.org/drawingml/2006/diagram" xmlns:o="urn:schemas-microsoft-com:office:office" xmlns:v="urn:schemas-microsoft-com:vml" xmlns:pvml="urn:schemas-microsoft-com:office:powerpoint" xmlns:com="http://schemas.openxmlformats.org/drawingml/2006/compatibility" xmlns:p14="http://schemas.microsoft.com/office/powerpoint/2010/main" xmlns:p15="http://schemas.microsoft.com/office/powerpoint/2012/main" xmlns:ahyp="http://schemas.microsoft.com/office/drawing/2018/hyperlinkcolor">
+  <p:cSld>
+    <p:spTree>
+      <p:nvGrpSpPr>
+        <p:cNvPr id="107" name="Shape 107"/>
+        <p:cNvGrpSpPr/>
+        <p:nvPr/>
+      </p:nvGrpSpPr>
+      <p:grpSpPr>
+        <a:xfrm>
+          <a:off x="0" y="0"/>
+          <a:ext cx="0" cy="0"/>
+          <a:chOff x="0" y="0"/>
+          <a:chExt cx="0" cy="0"/>
+        </a:xfrm>
+      </p:grpSpPr>
+      <p:sp>
+        <p:nvSpPr>
+          <p:cNvPr id="108" name="Google Shape;108;p20"/>
+          <p:cNvSpPr txBox="1"/>
+          <p:nvPr>
+            <p:ph type="title"/>
+          </p:nvPr>
+        </p:nvSpPr>
+        <p:spPr>
+          <a:xfrm>
+            <a:off x="311700" y="445025"/>
+            <a:ext cx="8520600" cy="613200"/>
+          </a:xfrm>
+          <a:prstGeom prst="rect">
+            <a:avLst/>
+          </a:prstGeom>
+        </p:spPr>
+        <p:txBody>
+          <a:bodyPr anchorCtr="0" anchor="t" bIns="91425" lIns="91425" spcFirstLastPara="1" rIns="91425" wrap="square" tIns="91425">
+            <a:normAutofit fontScale="90000"/>
+          </a:bodyPr>
+          <a:lstStyle/>
+          <a:p>
+            <a:pPr indent="0" lvl="0" marL="0" rtl="0" algn="l">
+              <a:spcBef>
+                <a:spcPts val="0"/>
+              </a:spcBef>
+              <a:spcAft>
+                <a:spcPts val="0"/>
+              </a:spcAft>
+              <a:buNone/>
+            </a:pPr>
+            <a:r>
+              <a:rPr lang="ko"/>
+              <a:t>스크립트소개 - BlackSmithController</a:t>
+            </a:r>
+            <a:endParaRPr/>
+          </a:p>
+        </p:txBody>
+      </p:sp>
+      <p:sp>
+        <p:nvSpPr>
+          <p:cNvPr id="109" name="Google Shape;109;p20"/>
+          <p:cNvSpPr txBox="1"/>
+          <p:nvPr>
+            <p:ph type="title"/>
+          </p:nvPr>
+        </p:nvSpPr>
+        <p:spPr>
+          <a:xfrm>
+            <a:off x="366575" y="2776225"/>
+            <a:ext cx="8520600" cy="2062500"/>
+          </a:xfrm>
+          <a:prstGeom prst="rect">
+            <a:avLst/>
+          </a:prstGeom>
+        </p:spPr>
+        <p:txBody>
+          <a:bodyPr anchorCtr="0" anchor="t" bIns="91425" lIns="91425" spcFirstLastPara="1" rIns="91425" wrap="square" tIns="91425">
+            <a:normAutofit/>
+          </a:bodyPr>
+          <a:lstStyle/>
+          <a:p>
+            <a:pPr indent="0" lvl="0" marL="0" rtl="0" algn="l">
+              <a:spcBef>
+                <a:spcPts val="0"/>
+              </a:spcBef>
+              <a:spcAft>
+                <a:spcPts val="0"/>
+              </a:spcAft>
+              <a:buNone/>
+            </a:pPr>
+            <a:r>
+              <a:rPr lang="ko" sz="1600"/>
+              <a:t>제작버튼 클릭시 호출되는 메소드입니다.</a:t>
+            </a:r>
+            <a:endParaRPr sz="1600"/>
+          </a:p>
+          <a:p>
+            <a:pPr indent="0" lvl="0" marL="0" rtl="0" algn="l">
+              <a:spcBef>
+                <a:spcPts val="0"/>
+              </a:spcBef>
+              <a:spcAft>
+                <a:spcPts val="0"/>
+              </a:spcAft>
+              <a:buNone/>
+            </a:pPr>
+            <a:r>
+              <a:t/>
+            </a:r>
+            <a:endParaRPr sz="1600"/>
+          </a:p>
+          <a:p>
+            <a:pPr indent="0" lvl="0" marL="0" rtl="0" algn="l">
+              <a:spcBef>
+                <a:spcPts val="0"/>
+              </a:spcBef>
+              <a:spcAft>
+                <a:spcPts val="0"/>
+              </a:spcAft>
+              <a:buNone/>
+            </a:pPr>
+            <a:r>
+              <a:rPr lang="ko" sz="1600"/>
+              <a:t>현재보유중인재료개수 -= 제작필요재료개수이며 돈도 같은방식으로 계산됩니다.</a:t>
+            </a:r>
+            <a:endParaRPr sz="1600"/>
+          </a:p>
+          <a:p>
+            <a:pPr indent="0" lvl="0" marL="0" rtl="0" algn="l">
+              <a:spcBef>
+                <a:spcPts val="0"/>
+              </a:spcBef>
+              <a:spcAft>
+                <a:spcPts val="0"/>
+              </a:spcAft>
+              <a:buNone/>
+            </a:pPr>
+            <a:r>
+              <a:t/>
+            </a:r>
+            <a:endParaRPr sz="1600"/>
+          </a:p>
+          <a:p>
+            <a:pPr indent="0" lvl="0" marL="0" rtl="0" algn="l">
+              <a:spcBef>
+                <a:spcPts val="0"/>
+              </a:spcBef>
+              <a:spcAft>
+                <a:spcPts val="0"/>
+              </a:spcAft>
+              <a:buNone/>
+            </a:pPr>
+            <a:r>
+              <a:rPr lang="ko" sz="1600"/>
+              <a:t>그후 GetItem메소드로 아이템을 얻고 제작UI를 최신화합니다.</a:t>
+            </a:r>
+            <a:endParaRPr sz="1600"/>
+          </a:p>
+        </p:txBody>
+      </p:sp>
+      <p:pic>
+        <p:nvPicPr>
+          <p:cNvPr id="110" name="Google Shape;110;p20"/>
+          <p:cNvPicPr preferRelativeResize="0"/>
+          <p:nvPr/>
+        </p:nvPicPr>
+        <p:blipFill>
+          <a:blip r:embed="rId3">
+            <a:alphaModFix/>
+          </a:blip>
+          <a:stretch>
+            <a:fillRect/>
+          </a:stretch>
+        </p:blipFill>
+        <p:spPr>
+          <a:xfrm>
+            <a:off x="311700" y="1058225"/>
+            <a:ext cx="8575474" cy="1718000"/>
+          </a:xfrm>
+          <a:prstGeom prst="rect">
+            <a:avLst/>
+          </a:prstGeom>
+          <a:noFill/>
+          <a:ln>
+            <a:noFill/>
+          </a:ln>
+        </p:spPr>
+      </p:pic>
+    </p:spTree>
+  </p:cSld>
+  <p:clrMapOvr>
+    <a:masterClrMapping/>
+  </p:clrMapOvr>
+</p:sld>
+</file>
+
+<file path=ppt/slides/slide9.xml><?xml version="1.0" encoding="utf-8"?>
+<p:sld xmlns:a="http://schemas.openxmlformats.org/drawingml/2006/main" xmlns:r="http://schemas.openxmlformats.org/officeDocument/2006/relationships" xmlns:mc="http://schemas.openxmlformats.org/markup-compatibility/2006" xmlns:mv="urn:schemas-microsoft-com:mac:vml" xmlns:p="http://schemas.openxmlformats.org/presentationml/2006/main" xmlns:c="http://schemas.openxmlformats.org/drawingml/2006/chart" xmlns:dgm="http://schemas.openxmlformats.org/drawingml/2006/diagram" xmlns:o="urn:schemas-microsoft-com:office:office" xmlns:v="urn:schemas-microsoft-com:vml" xmlns:pvml="urn:schemas-microsoft-com:office:powerpoint" xmlns:com="http://schemas.openxmlformats.org/drawingml/2006/compatibility" xmlns:p14="http://schemas.microsoft.com/office/powerpoint/2010/main" xmlns:p15="http://schemas.microsoft.com/office/powerpoint/2012/main" xmlns:ahyp="http://schemas.microsoft.com/office/drawing/2018/hyperlinkcolor">
+  <p:cSld>
+    <p:spTree>
+      <p:nvGrpSpPr>
+        <p:cNvPr id="114" name="Shape 114"/>
+        <p:cNvGrpSpPr/>
+        <p:nvPr/>
+      </p:nvGrpSpPr>
+      <p:grpSpPr>
+        <a:xfrm>
+          <a:off x="0" y="0"/>
+          <a:ext cx="0" cy="0"/>
+          <a:chOff x="0" y="0"/>
+          <a:chExt cx="0" cy="0"/>
+        </a:xfrm>
+      </p:grpSpPr>
+      <p:sp>
+        <p:nvSpPr>
+          <p:cNvPr id="115" name="Google Shape;115;p21"/>
+          <p:cNvSpPr txBox="1"/>
+          <p:nvPr>
+            <p:ph type="title"/>
+          </p:nvPr>
+        </p:nvSpPr>
+        <p:spPr>
+          <a:xfrm>
+            <a:off x="311700" y="445025"/>
+            <a:ext cx="8520600" cy="613200"/>
+          </a:xfrm>
+          <a:prstGeom prst="rect">
+            <a:avLst/>
+          </a:prstGeom>
+        </p:spPr>
+        <p:txBody>
+          <a:bodyPr anchorCtr="0" anchor="t" bIns="91425" lIns="91425" spcFirstLastPara="1" rIns="91425" wrap="square" tIns="91425">
+            <a:normAutofit fontScale="90000"/>
+          </a:bodyPr>
+          <a:lstStyle/>
+          <a:p>
+            <a:pPr indent="0" lvl="0" marL="0" rtl="0" algn="l">
+              <a:spcBef>
+                <a:spcPts val="0"/>
+              </a:spcBef>
+              <a:spcAft>
+                <a:spcPts val="0"/>
+              </a:spcAft>
+              <a:buNone/>
+            </a:pPr>
+            <a:r>
+              <a:rPr lang="ko"/>
+              <a:t>스크립트소개 - UIItem(1)</a:t>
+            </a:r>
+            <a:endParaRPr/>
+          </a:p>
+        </p:txBody>
+      </p:sp>
+      <p:pic>
+        <p:nvPicPr>
+          <p:cNvPr id="116" name="Google Shape;116;p21"/>
+          <p:cNvPicPr preferRelativeResize="0"/>
+          <p:nvPr/>
+        </p:nvPicPr>
+        <p:blipFill>
+          <a:blip r:embed="rId3">
+            <a:alphaModFix/>
+          </a:blip>
+          <a:stretch>
+            <a:fillRect/>
+          </a:stretch>
+        </p:blipFill>
+        <p:spPr>
+          <a:xfrm>
+            <a:off x="152400" y="1101050"/>
+            <a:ext cx="8734775" cy="3737775"/>
+          </a:xfrm>
+          <a:prstGeom prst="rect">
+            <a:avLst/>
+          </a:prstGeom>
+          <a:noFill/>
+          <a:ln>
+            <a:noFill/>
+          </a:ln>
+        </p:spPr>
+      </p:pic>
+      <p:sp>
+        <p:nvSpPr>
+          <p:cNvPr id="117" name="Google Shape;117;p21"/>
+          <p:cNvSpPr txBox="1"/>
+          <p:nvPr>
+            <p:ph type="title"/>
+          </p:nvPr>
+        </p:nvSpPr>
+        <p:spPr>
+          <a:xfrm>
+            <a:off x="4766075" y="1058225"/>
+            <a:ext cx="4121100" cy="3780600"/>
+          </a:xfrm>
+          <a:prstGeom prst="rect">
+            <a:avLst/>
+          </a:prstGeom>
+        </p:spPr>
+        <p:txBody>
+          <a:bodyPr anchorCtr="0" anchor="t" bIns="91425" lIns="91425" spcFirstLastPara="1" rIns="91425" wrap="square" tIns="91425">
+            <a:normAutofit/>
+          </a:bodyPr>
+          <a:lstStyle/>
+          <a:p>
+            <a:pPr indent="0" lvl="0" marL="0" rtl="0" algn="l">
+              <a:spcBef>
+                <a:spcPts val="0"/>
+              </a:spcBef>
+              <a:spcAft>
+                <a:spcPts val="0"/>
+              </a:spcAft>
+              <a:buNone/>
+            </a:pPr>
+            <a:r>
+              <a:t/>
+            </a:r>
+            <a:endParaRPr sz="1600"/>
+          </a:p>
+          <a:p>
+            <a:pPr indent="0" lvl="0" marL="0" rtl="0" algn="l">
+              <a:spcBef>
+                <a:spcPts val="0"/>
+              </a:spcBef>
+              <a:spcAft>
+                <a:spcPts val="0"/>
+              </a:spcAft>
+              <a:buNone/>
+            </a:pPr>
+            <a:r>
+              <a:t/>
+            </a:r>
+            <a:endParaRPr sz="1600"/>
+          </a:p>
+          <a:p>
+            <a:pPr indent="0" lvl="0" marL="0" rtl="0" algn="l">
+              <a:spcBef>
+                <a:spcPts val="0"/>
+              </a:spcBef>
+              <a:spcAft>
+                <a:spcPts val="0"/>
+              </a:spcAft>
+              <a:buNone/>
+            </a:pPr>
+            <a:r>
+              <a:t/>
+            </a:r>
+            <a:endParaRPr sz="1600"/>
+          </a:p>
+          <a:p>
+            <a:pPr indent="0" lvl="0" marL="0" rtl="0" algn="l">
+              <a:spcBef>
+                <a:spcPts val="0"/>
+              </a:spcBef>
+              <a:spcAft>
+                <a:spcPts val="0"/>
+              </a:spcAft>
+              <a:buNone/>
+            </a:pPr>
+            <a:r>
+              <a:t/>
+            </a:r>
+            <a:endParaRPr sz="1600"/>
+          </a:p>
+          <a:p>
+            <a:pPr indent="0" lvl="0" marL="0" rtl="0" algn="l">
+              <a:spcBef>
+                <a:spcPts val="0"/>
+              </a:spcBef>
+              <a:spcAft>
+                <a:spcPts val="0"/>
+              </a:spcAft>
+              <a:buNone/>
+            </a:pPr>
+            <a:r>
+              <a:rPr lang="ko" sz="1600">
                 <a:solidFill>
-                  <a:schemeClr val="hlink"/>
+                  <a:schemeClr val="lt1"/>
                 </a:solidFill>
-                <a:hlinkClick r:id="rId3"/>
               </a:rPr>
-              <a:t>https://github.com/SIHO0903/KILLTHEBOSS?tab=readme-ov-file</a:t>
-            </a:r>
-            <a:endParaRPr sz="1700"/>
-          </a:p>
-          <a:p>
-            <a:pPr indent="0" lvl="0" marL="0" rtl="0" algn="ctr">
-              <a:spcBef>
-                <a:spcPts val="0"/>
-              </a:spcBef>
-              <a:spcAft>
-                <a:spcPts val="0"/>
-              </a:spcAft>
-              <a:buNone/>
-            </a:pPr>
-            <a:r>
-              <a:rPr lang="ko" sz="1700"/>
-              <a:t>유투브링크</a:t>
-            </a:r>
-            <a:endParaRPr sz="1700"/>
-          </a:p>
-          <a:p>
-            <a:pPr indent="0" lvl="0" marL="0" rtl="0" algn="ctr">
-              <a:spcBef>
-                <a:spcPts val="0"/>
-              </a:spcBef>
-              <a:spcAft>
-                <a:spcPts val="0"/>
-              </a:spcAft>
-              <a:buNone/>
-            </a:pPr>
-            <a:r>
-              <a:rPr lang="ko" sz="1700" u="sng">
+              <a:t>인벤토리의 아이템칸에 붙어있는 클래스입니다.</a:t>
+            </a:r>
+            <a:endParaRPr sz="1600">
+              <a:solidFill>
+                <a:schemeClr val="lt1"/>
+              </a:solidFill>
+            </a:endParaRPr>
+          </a:p>
+          <a:p>
+            <a:pPr indent="0" lvl="0" marL="0" rtl="0" algn="l">
+              <a:spcBef>
+                <a:spcPts val="0"/>
+              </a:spcBef>
+              <a:spcAft>
+                <a:spcPts val="0"/>
+              </a:spcAft>
+              <a:buNone/>
+            </a:pPr>
+            <a:r>
+              <a:t/>
+            </a:r>
+            <a:endParaRPr sz="1600">
+              <a:solidFill>
+                <a:schemeClr val="lt1"/>
+              </a:solidFill>
+            </a:endParaRPr>
+          </a:p>
+          <a:p>
+            <a:pPr indent="0" lvl="0" marL="0" rtl="0" algn="l">
+              <a:spcBef>
+                <a:spcPts val="0"/>
+              </a:spcBef>
+              <a:spcAft>
+                <a:spcPts val="0"/>
+              </a:spcAft>
+              <a:buNone/>
+            </a:pPr>
+            <a:r>
+              <a:rPr lang="ko" sz="1600">
                 <a:solidFill>
-                  <a:schemeClr val="hlink"/>
+                  <a:schemeClr val="lt1"/>
                 </a:solidFill>
-                <a:hlinkClick r:id="rId4"/>
               </a:rPr>
-              <a:t>https://www.youtube.com/watch?v=OSqMu23mIyY</a:t>
-            </a:r>
-            <a:endParaRPr sz="1700"/>
+              <a:t>아이템 초기화, SET, 판매, 수량최신화, 아이템 선택시 강조UI등 다양한 메소드가 있습니다.</a:t>
+            </a:r>
+            <a:endParaRPr sz="1600">
+              <a:solidFill>
+                <a:schemeClr val="lt1"/>
+              </a:solidFill>
+            </a:endParaRPr>
           </a:p>
         </p:txBody>
       </p:sp>
